--- a/ВКР_Крылов/Презентация.pptx
+++ b/ВКР_Крылов/Презентация.pptx
@@ -1,11 +1,43 @@
 
 <file path=ppt/presentation.xml><?xml version="1.0" encoding="utf-8"?>
-<p:presentation xmlns:a="http://schemas.openxmlformats.org/drawingml/2006/main" xmlns:r="http://schemas.openxmlformats.org/officeDocument/2006/relationships" xmlns:p="http://schemas.openxmlformats.org/presentationml/2006/main" saveSubsetFonts="1">
+<p:presentation xmlns:a="http://schemas.openxmlformats.org/drawingml/2006/main" xmlns:r="http://schemas.openxmlformats.org/officeDocument/2006/relationships" xmlns:p="http://schemas.openxmlformats.org/presentationml/2006/main" showSpecialPlsOnTitleSld="0" saveSubsetFonts="1">
   <p:sldMasterIdLst>
     <p:sldMasterId id="2147483648" r:id="rId1"/>
   </p:sldMasterIdLst>
+  <p:notesMasterIdLst>
+    <p:notesMasterId r:id="rId32"/>
+  </p:notesMasterIdLst>
   <p:sldIdLst>
-    <p:sldId id="256" r:id="rId2"/>
+    <p:sldId id="257" r:id="rId2"/>
+    <p:sldId id="258" r:id="rId3"/>
+    <p:sldId id="259" r:id="rId4"/>
+    <p:sldId id="260" r:id="rId5"/>
+    <p:sldId id="261" r:id="rId6"/>
+    <p:sldId id="262" r:id="rId7"/>
+    <p:sldId id="264" r:id="rId8"/>
+    <p:sldId id="265" r:id="rId9"/>
+    <p:sldId id="263" r:id="rId10"/>
+    <p:sldId id="266" r:id="rId11"/>
+    <p:sldId id="267" r:id="rId12"/>
+    <p:sldId id="268" r:id="rId13"/>
+    <p:sldId id="270" r:id="rId14"/>
+    <p:sldId id="269" r:id="rId15"/>
+    <p:sldId id="271" r:id="rId16"/>
+    <p:sldId id="272" r:id="rId17"/>
+    <p:sldId id="273" r:id="rId18"/>
+    <p:sldId id="274" r:id="rId19"/>
+    <p:sldId id="275" r:id="rId20"/>
+    <p:sldId id="276" r:id="rId21"/>
+    <p:sldId id="277" r:id="rId22"/>
+    <p:sldId id="278" r:id="rId23"/>
+    <p:sldId id="279" r:id="rId24"/>
+    <p:sldId id="280" r:id="rId25"/>
+    <p:sldId id="281" r:id="rId26"/>
+    <p:sldId id="282" r:id="rId27"/>
+    <p:sldId id="284" r:id="rId28"/>
+    <p:sldId id="283" r:id="rId29"/>
+    <p:sldId id="286" r:id="rId30"/>
+    <p:sldId id="285" r:id="rId31"/>
   </p:sldIdLst>
   <p:sldSz cx="12192000" cy="6858000"/>
   <p:notesSz cx="6858000" cy="9144000"/>
@@ -104,7 +136,446 @@
       </a:defRPr>
     </a:lvl9pPr>
   </p:defaultTextStyle>
+  <p:extLst>
+    <p:ext uri="{EFAFB233-063F-42B5-8137-9DF3F51BA10A}">
+      <p15:sldGuideLst xmlns:p15="http://schemas.microsoft.com/office/powerpoint/2012/main"/>
+    </p:ext>
+  </p:extLst>
 </p:presentation>
+</file>
+
+<file path=ppt/notesMasters/notesMaster1.xml><?xml version="1.0" encoding="utf-8"?>
+<p:notesMaster xmlns:a="http://schemas.openxmlformats.org/drawingml/2006/main" xmlns:r="http://schemas.openxmlformats.org/officeDocument/2006/relationships" xmlns:p="http://schemas.openxmlformats.org/presentationml/2006/main">
+  <p:cSld>
+    <p:bg>
+      <p:bgRef idx="1001">
+        <a:schemeClr val="bg1"/>
+      </p:bgRef>
+    </p:bg>
+    <p:spTree>
+      <p:nvGrpSpPr>
+        <p:cNvPr id="1" name=""/>
+        <p:cNvGrpSpPr/>
+        <p:nvPr/>
+      </p:nvGrpSpPr>
+      <p:grpSpPr>
+        <a:xfrm>
+          <a:off x="0" y="0"/>
+          <a:ext cx="0" cy="0"/>
+          <a:chOff x="0" y="0"/>
+          <a:chExt cx="0" cy="0"/>
+        </a:xfrm>
+      </p:grpSpPr>
+      <p:sp>
+        <p:nvSpPr>
+          <p:cNvPr id="2" name="Верхний колонтитул 1"/>
+          <p:cNvSpPr>
+            <a:spLocks noGrp="1"/>
+          </p:cNvSpPr>
+          <p:nvPr>
+            <p:ph type="hdr" sz="quarter"/>
+          </p:nvPr>
+        </p:nvSpPr>
+        <p:spPr>
+          <a:xfrm>
+            <a:off x="0" y="0"/>
+            <a:ext cx="2971800" cy="458788"/>
+          </a:xfrm>
+          <a:prstGeom prst="rect">
+            <a:avLst/>
+          </a:prstGeom>
+        </p:spPr>
+        <p:txBody>
+          <a:bodyPr vert="horz" lIns="91440" tIns="45720" rIns="91440" bIns="45720" rtlCol="0"/>
+          <a:lstStyle>
+            <a:lvl1pPr algn="l">
+              <a:defRPr sz="1200"/>
+            </a:lvl1pPr>
+          </a:lstStyle>
+          <a:p>
+            <a:endParaRPr lang="ru-RU"/>
+          </a:p>
+        </p:txBody>
+      </p:sp>
+      <p:sp>
+        <p:nvSpPr>
+          <p:cNvPr id="3" name="Дата 2"/>
+          <p:cNvSpPr>
+            <a:spLocks noGrp="1"/>
+          </p:cNvSpPr>
+          <p:nvPr>
+            <p:ph type="dt" idx="1"/>
+          </p:nvPr>
+        </p:nvSpPr>
+        <p:spPr>
+          <a:xfrm>
+            <a:off x="3884613" y="0"/>
+            <a:ext cx="2971800" cy="458788"/>
+          </a:xfrm>
+          <a:prstGeom prst="rect">
+            <a:avLst/>
+          </a:prstGeom>
+        </p:spPr>
+        <p:txBody>
+          <a:bodyPr vert="horz" lIns="91440" tIns="45720" rIns="91440" bIns="45720" rtlCol="0"/>
+          <a:lstStyle>
+            <a:lvl1pPr algn="r">
+              <a:defRPr sz="1200"/>
+            </a:lvl1pPr>
+          </a:lstStyle>
+          <a:p>
+            <a:fld id="{5758E6B6-19FD-4008-BA98-30D768FC916C}" type="datetimeFigureOut">
+              <a:rPr lang="ru-RU" smtClean="0"/>
+              <a:t>12.06.2020</a:t>
+            </a:fld>
+            <a:endParaRPr lang="ru-RU"/>
+          </a:p>
+        </p:txBody>
+      </p:sp>
+      <p:sp>
+        <p:nvSpPr>
+          <p:cNvPr id="4" name="Образ слайда 3"/>
+          <p:cNvSpPr>
+            <a:spLocks noGrp="1" noRot="1" noChangeAspect="1"/>
+          </p:cNvSpPr>
+          <p:nvPr>
+            <p:ph type="sldImg" idx="2"/>
+          </p:nvPr>
+        </p:nvSpPr>
+        <p:spPr>
+          <a:xfrm>
+            <a:off x="685800" y="1143000"/>
+            <a:ext cx="5486400" cy="3086100"/>
+          </a:xfrm>
+          <a:prstGeom prst="rect">
+            <a:avLst/>
+          </a:prstGeom>
+          <a:noFill/>
+          <a:ln w="12700">
+            <a:solidFill>
+              <a:prstClr val="black"/>
+            </a:solidFill>
+          </a:ln>
+        </p:spPr>
+        <p:txBody>
+          <a:bodyPr vert="horz" lIns="91440" tIns="45720" rIns="91440" bIns="45720" rtlCol="0" anchor="ctr"/>
+          <a:lstStyle/>
+          <a:p>
+            <a:endParaRPr lang="ru-RU"/>
+          </a:p>
+        </p:txBody>
+      </p:sp>
+      <p:sp>
+        <p:nvSpPr>
+          <p:cNvPr id="5" name="Заметки 4"/>
+          <p:cNvSpPr>
+            <a:spLocks noGrp="1"/>
+          </p:cNvSpPr>
+          <p:nvPr>
+            <p:ph type="body" sz="quarter" idx="3"/>
+          </p:nvPr>
+        </p:nvSpPr>
+        <p:spPr>
+          <a:xfrm>
+            <a:off x="685800" y="4400550"/>
+            <a:ext cx="5486400" cy="3600450"/>
+          </a:xfrm>
+          <a:prstGeom prst="rect">
+            <a:avLst/>
+          </a:prstGeom>
+        </p:spPr>
+        <p:txBody>
+          <a:bodyPr vert="horz" lIns="91440" tIns="45720" rIns="91440" bIns="45720" rtlCol="0"/>
+          <a:lstStyle/>
+          <a:p>
+            <a:pPr lvl="0"/>
+            <a:r>
+              <a:rPr lang="ru-RU" smtClean="0"/>
+              <a:t>Образец текста</a:t>
+            </a:r>
+          </a:p>
+          <a:p>
+            <a:pPr lvl="1"/>
+            <a:r>
+              <a:rPr lang="ru-RU" smtClean="0"/>
+              <a:t>Второй уровень</a:t>
+            </a:r>
+          </a:p>
+          <a:p>
+            <a:pPr lvl="2"/>
+            <a:r>
+              <a:rPr lang="ru-RU" smtClean="0"/>
+              <a:t>Третий уровень</a:t>
+            </a:r>
+          </a:p>
+          <a:p>
+            <a:pPr lvl="3"/>
+            <a:r>
+              <a:rPr lang="ru-RU" smtClean="0"/>
+              <a:t>Четвертый уровень</a:t>
+            </a:r>
+          </a:p>
+          <a:p>
+            <a:pPr lvl="4"/>
+            <a:r>
+              <a:rPr lang="ru-RU" smtClean="0"/>
+              <a:t>Пятый уровень</a:t>
+            </a:r>
+            <a:endParaRPr lang="ru-RU"/>
+          </a:p>
+        </p:txBody>
+      </p:sp>
+      <p:sp>
+        <p:nvSpPr>
+          <p:cNvPr id="6" name="Нижний колонтитул 5"/>
+          <p:cNvSpPr>
+            <a:spLocks noGrp="1"/>
+          </p:cNvSpPr>
+          <p:nvPr>
+            <p:ph type="ftr" sz="quarter" idx="4"/>
+          </p:nvPr>
+        </p:nvSpPr>
+        <p:spPr>
+          <a:xfrm>
+            <a:off x="0" y="8685213"/>
+            <a:ext cx="2971800" cy="458787"/>
+          </a:xfrm>
+          <a:prstGeom prst="rect">
+            <a:avLst/>
+          </a:prstGeom>
+        </p:spPr>
+        <p:txBody>
+          <a:bodyPr vert="horz" lIns="91440" tIns="45720" rIns="91440" bIns="45720" rtlCol="0" anchor="b"/>
+          <a:lstStyle>
+            <a:lvl1pPr algn="l">
+              <a:defRPr sz="1200"/>
+            </a:lvl1pPr>
+          </a:lstStyle>
+          <a:p>
+            <a:endParaRPr lang="ru-RU"/>
+          </a:p>
+        </p:txBody>
+      </p:sp>
+      <p:sp>
+        <p:nvSpPr>
+          <p:cNvPr id="7" name="Номер слайда 6"/>
+          <p:cNvSpPr>
+            <a:spLocks noGrp="1"/>
+          </p:cNvSpPr>
+          <p:nvPr>
+            <p:ph type="sldNum" sz="quarter" idx="5"/>
+          </p:nvPr>
+        </p:nvSpPr>
+        <p:spPr>
+          <a:xfrm>
+            <a:off x="3884613" y="8685213"/>
+            <a:ext cx="2971800" cy="458787"/>
+          </a:xfrm>
+          <a:prstGeom prst="rect">
+            <a:avLst/>
+          </a:prstGeom>
+        </p:spPr>
+        <p:txBody>
+          <a:bodyPr vert="horz" lIns="91440" tIns="45720" rIns="91440" bIns="45720" rtlCol="0" anchor="b"/>
+          <a:lstStyle>
+            <a:lvl1pPr algn="r">
+              <a:defRPr sz="1200"/>
+            </a:lvl1pPr>
+          </a:lstStyle>
+          <a:p>
+            <a:fld id="{ECCFEC66-C722-4501-BECD-081FC4C52B3D}" type="slidenum">
+              <a:rPr lang="ru-RU" smtClean="0"/>
+              <a:t>‹#›</a:t>
+            </a:fld>
+            <a:endParaRPr lang="ru-RU"/>
+          </a:p>
+        </p:txBody>
+      </p:sp>
+    </p:spTree>
+    <p:extLst>
+      <p:ext uri="{BB962C8B-B14F-4D97-AF65-F5344CB8AC3E}">
+        <p14:creationId xmlns:p14="http://schemas.microsoft.com/office/powerpoint/2010/main" val="1351084200"/>
+      </p:ext>
+    </p:extLst>
+  </p:cSld>
+  <p:clrMap bg1="lt1" tx1="dk1" bg2="lt2" tx2="dk2" accent1="accent1" accent2="accent2" accent3="accent3" accent4="accent4" accent5="accent5" accent6="accent6" hlink="hlink" folHlink="folHlink"/>
+  <p:notesStyle>
+    <a:lvl1pPr marL="0" algn="l" defTabSz="914400" rtl="0" eaLnBrk="1" latinLnBrk="0" hangingPunct="1">
+      <a:defRPr sz="1200" kern="1200">
+        <a:solidFill>
+          <a:schemeClr val="tx1"/>
+        </a:solidFill>
+        <a:latin typeface="+mn-lt"/>
+        <a:ea typeface="+mn-ea"/>
+        <a:cs typeface="+mn-cs"/>
+      </a:defRPr>
+    </a:lvl1pPr>
+    <a:lvl2pPr marL="457200" algn="l" defTabSz="914400" rtl="0" eaLnBrk="1" latinLnBrk="0" hangingPunct="1">
+      <a:defRPr sz="1200" kern="1200">
+        <a:solidFill>
+          <a:schemeClr val="tx1"/>
+        </a:solidFill>
+        <a:latin typeface="+mn-lt"/>
+        <a:ea typeface="+mn-ea"/>
+        <a:cs typeface="+mn-cs"/>
+      </a:defRPr>
+    </a:lvl2pPr>
+    <a:lvl3pPr marL="914400" algn="l" defTabSz="914400" rtl="0" eaLnBrk="1" latinLnBrk="0" hangingPunct="1">
+      <a:defRPr sz="1200" kern="1200">
+        <a:solidFill>
+          <a:schemeClr val="tx1"/>
+        </a:solidFill>
+        <a:latin typeface="+mn-lt"/>
+        <a:ea typeface="+mn-ea"/>
+        <a:cs typeface="+mn-cs"/>
+      </a:defRPr>
+    </a:lvl3pPr>
+    <a:lvl4pPr marL="1371600" algn="l" defTabSz="914400" rtl="0" eaLnBrk="1" latinLnBrk="0" hangingPunct="1">
+      <a:defRPr sz="1200" kern="1200">
+        <a:solidFill>
+          <a:schemeClr val="tx1"/>
+        </a:solidFill>
+        <a:latin typeface="+mn-lt"/>
+        <a:ea typeface="+mn-ea"/>
+        <a:cs typeface="+mn-cs"/>
+      </a:defRPr>
+    </a:lvl4pPr>
+    <a:lvl5pPr marL="1828800" algn="l" defTabSz="914400" rtl="0" eaLnBrk="1" latinLnBrk="0" hangingPunct="1">
+      <a:defRPr sz="1200" kern="1200">
+        <a:solidFill>
+          <a:schemeClr val="tx1"/>
+        </a:solidFill>
+        <a:latin typeface="+mn-lt"/>
+        <a:ea typeface="+mn-ea"/>
+        <a:cs typeface="+mn-cs"/>
+      </a:defRPr>
+    </a:lvl5pPr>
+    <a:lvl6pPr marL="2286000" algn="l" defTabSz="914400" rtl="0" eaLnBrk="1" latinLnBrk="0" hangingPunct="1">
+      <a:defRPr sz="1200" kern="1200">
+        <a:solidFill>
+          <a:schemeClr val="tx1"/>
+        </a:solidFill>
+        <a:latin typeface="+mn-lt"/>
+        <a:ea typeface="+mn-ea"/>
+        <a:cs typeface="+mn-cs"/>
+      </a:defRPr>
+    </a:lvl6pPr>
+    <a:lvl7pPr marL="2743200" algn="l" defTabSz="914400" rtl="0" eaLnBrk="1" latinLnBrk="0" hangingPunct="1">
+      <a:defRPr sz="1200" kern="1200">
+        <a:solidFill>
+          <a:schemeClr val="tx1"/>
+        </a:solidFill>
+        <a:latin typeface="+mn-lt"/>
+        <a:ea typeface="+mn-ea"/>
+        <a:cs typeface="+mn-cs"/>
+      </a:defRPr>
+    </a:lvl7pPr>
+    <a:lvl8pPr marL="3200400" algn="l" defTabSz="914400" rtl="0" eaLnBrk="1" latinLnBrk="0" hangingPunct="1">
+      <a:defRPr sz="1200" kern="1200">
+        <a:solidFill>
+          <a:schemeClr val="tx1"/>
+        </a:solidFill>
+        <a:latin typeface="+mn-lt"/>
+        <a:ea typeface="+mn-ea"/>
+        <a:cs typeface="+mn-cs"/>
+      </a:defRPr>
+    </a:lvl8pPr>
+    <a:lvl9pPr marL="3657600" algn="l" defTabSz="914400" rtl="0" eaLnBrk="1" latinLnBrk="0" hangingPunct="1">
+      <a:defRPr sz="1200" kern="1200">
+        <a:solidFill>
+          <a:schemeClr val="tx1"/>
+        </a:solidFill>
+        <a:latin typeface="+mn-lt"/>
+        <a:ea typeface="+mn-ea"/>
+        <a:cs typeface="+mn-cs"/>
+      </a:defRPr>
+    </a:lvl9pPr>
+  </p:notesStyle>
+</p:notesMaster>
+</file>
+
+<file path=ppt/notesSlides/notesSlide1.xml><?xml version="1.0" encoding="utf-8"?>
+<p:notes xmlns:a="http://schemas.openxmlformats.org/drawingml/2006/main" xmlns:r="http://schemas.openxmlformats.org/officeDocument/2006/relationships" xmlns:p="http://schemas.openxmlformats.org/presentationml/2006/main">
+  <p:cSld>
+    <p:spTree>
+      <p:nvGrpSpPr>
+        <p:cNvPr id="1" name=""/>
+        <p:cNvGrpSpPr/>
+        <p:nvPr/>
+      </p:nvGrpSpPr>
+      <p:grpSpPr>
+        <a:xfrm>
+          <a:off x="0" y="0"/>
+          <a:ext cx="0" cy="0"/>
+          <a:chOff x="0" y="0"/>
+          <a:chExt cx="0" cy="0"/>
+        </a:xfrm>
+      </p:grpSpPr>
+      <p:sp>
+        <p:nvSpPr>
+          <p:cNvPr id="2" name="Образ слайда 1"/>
+          <p:cNvSpPr>
+            <a:spLocks noGrp="1" noRot="1" noChangeAspect="1"/>
+          </p:cNvSpPr>
+          <p:nvPr>
+            <p:ph type="sldImg"/>
+          </p:nvPr>
+        </p:nvSpPr>
+        <p:spPr/>
+      </p:sp>
+      <p:sp>
+        <p:nvSpPr>
+          <p:cNvPr id="3" name="Заметки 2"/>
+          <p:cNvSpPr>
+            <a:spLocks noGrp="1"/>
+          </p:cNvSpPr>
+          <p:nvPr>
+            <p:ph type="body" idx="1"/>
+          </p:nvPr>
+        </p:nvSpPr>
+        <p:spPr/>
+        <p:txBody>
+          <a:bodyPr/>
+          <a:lstStyle/>
+          <a:p>
+            <a:endParaRPr lang="ru-RU"/>
+          </a:p>
+        </p:txBody>
+      </p:sp>
+      <p:sp>
+        <p:nvSpPr>
+          <p:cNvPr id="4" name="Номер слайда 3"/>
+          <p:cNvSpPr>
+            <a:spLocks noGrp="1"/>
+          </p:cNvSpPr>
+          <p:nvPr>
+            <p:ph type="sldNum" sz="quarter" idx="10"/>
+          </p:nvPr>
+        </p:nvSpPr>
+        <p:spPr/>
+        <p:txBody>
+          <a:bodyPr/>
+          <a:lstStyle/>
+          <a:p>
+            <a:fld id="{ECCFEC66-C722-4501-BECD-081FC4C52B3D}" type="slidenum">
+              <a:rPr lang="ru-RU" smtClean="0"/>
+              <a:t>2</a:t>
+            </a:fld>
+            <a:endParaRPr lang="ru-RU"/>
+          </a:p>
+        </p:txBody>
+      </p:sp>
+    </p:spTree>
+    <p:extLst>
+      <p:ext uri="{BB962C8B-B14F-4D97-AF65-F5344CB8AC3E}">
+        <p14:creationId xmlns:p14="http://schemas.microsoft.com/office/powerpoint/2010/main" val="1667688248"/>
+      </p:ext>
+    </p:extLst>
+  </p:cSld>
+  <p:clrMapOvr>
+    <a:masterClrMapping/>
+  </p:clrMapOvr>
+</p:notes>
 </file>
 
 <file path=ppt/slideLayouts/slideLayout1.xml><?xml version="1.0" encoding="utf-8"?>
@@ -236,9 +707,9 @@
           <a:bodyPr/>
           <a:lstStyle/>
           <a:p>
-            <a:fld id="{B5EE3E38-E8B2-44CB-AB1D-AAF62D3E4429}" type="datetimeFigureOut">
-              <a:rPr lang="ru-RU" smtClean="0"/>
-              <a:t>11.06.2020</a:t>
+            <a:fld id="{11149585-78FF-4299-9B13-6B491D4CE595}" type="datetime1">
+              <a:rPr lang="ru-RU" smtClean="0"/>
+              <a:t>12.06.2020</a:t>
             </a:fld>
             <a:endParaRPr lang="ru-RU"/>
           </a:p>
@@ -406,9 +877,9 @@
           <a:bodyPr/>
           <a:lstStyle/>
           <a:p>
-            <a:fld id="{B5EE3E38-E8B2-44CB-AB1D-AAF62D3E4429}" type="datetimeFigureOut">
-              <a:rPr lang="ru-RU" smtClean="0"/>
-              <a:t>11.06.2020</a:t>
+            <a:fld id="{EA6D149B-60B3-4B5E-B670-0B9B363508B8}" type="datetime1">
+              <a:rPr lang="ru-RU" smtClean="0"/>
+              <a:t>12.06.2020</a:t>
             </a:fld>
             <a:endParaRPr lang="ru-RU"/>
           </a:p>
@@ -586,9 +1057,9 @@
           <a:bodyPr/>
           <a:lstStyle/>
           <a:p>
-            <a:fld id="{B5EE3E38-E8B2-44CB-AB1D-AAF62D3E4429}" type="datetimeFigureOut">
-              <a:rPr lang="ru-RU" smtClean="0"/>
-              <a:t>11.06.2020</a:t>
+            <a:fld id="{C58CD4EE-078E-4AA1-A862-DE787616A2B8}" type="datetime1">
+              <a:rPr lang="ru-RU" smtClean="0"/>
+              <a:t>12.06.2020</a:t>
             </a:fld>
             <a:endParaRPr lang="ru-RU"/>
           </a:p>
@@ -756,9 +1227,9 @@
           <a:bodyPr/>
           <a:lstStyle/>
           <a:p>
-            <a:fld id="{B5EE3E38-E8B2-44CB-AB1D-AAF62D3E4429}" type="datetimeFigureOut">
-              <a:rPr lang="ru-RU" smtClean="0"/>
-              <a:t>11.06.2020</a:t>
+            <a:fld id="{D34A05F8-8D85-4F91-96DA-A75DD612AF03}" type="datetime1">
+              <a:rPr lang="ru-RU" smtClean="0"/>
+              <a:t>12.06.2020</a:t>
             </a:fld>
             <a:endParaRPr lang="ru-RU"/>
           </a:p>
@@ -1002,9 +1473,9 @@
           <a:bodyPr/>
           <a:lstStyle/>
           <a:p>
-            <a:fld id="{B5EE3E38-E8B2-44CB-AB1D-AAF62D3E4429}" type="datetimeFigureOut">
-              <a:rPr lang="ru-RU" smtClean="0"/>
-              <a:t>11.06.2020</a:t>
+            <a:fld id="{C4084950-312D-4299-9DC6-717DDC28E09A}" type="datetime1">
+              <a:rPr lang="ru-RU" smtClean="0"/>
+              <a:t>12.06.2020</a:t>
             </a:fld>
             <a:endParaRPr lang="ru-RU"/>
           </a:p>
@@ -1234,9 +1705,9 @@
           <a:bodyPr/>
           <a:lstStyle/>
           <a:p>
-            <a:fld id="{B5EE3E38-E8B2-44CB-AB1D-AAF62D3E4429}" type="datetimeFigureOut">
-              <a:rPr lang="ru-RU" smtClean="0"/>
-              <a:t>11.06.2020</a:t>
+            <a:fld id="{710AF7A3-9158-4FA9-B668-72193771F679}" type="datetime1">
+              <a:rPr lang="ru-RU" smtClean="0"/>
+              <a:t>12.06.2020</a:t>
             </a:fld>
             <a:endParaRPr lang="ru-RU"/>
           </a:p>
@@ -1601,9 +2072,9 @@
           <a:bodyPr/>
           <a:lstStyle/>
           <a:p>
-            <a:fld id="{B5EE3E38-E8B2-44CB-AB1D-AAF62D3E4429}" type="datetimeFigureOut">
-              <a:rPr lang="ru-RU" smtClean="0"/>
-              <a:t>11.06.2020</a:t>
+            <a:fld id="{9DF1A278-0631-46BB-B6E6-D9EB0E71D195}" type="datetime1">
+              <a:rPr lang="ru-RU" smtClean="0"/>
+              <a:t>12.06.2020</a:t>
             </a:fld>
             <a:endParaRPr lang="ru-RU"/>
           </a:p>
@@ -1719,9 +2190,9 @@
           <a:bodyPr/>
           <a:lstStyle/>
           <a:p>
-            <a:fld id="{B5EE3E38-E8B2-44CB-AB1D-AAF62D3E4429}" type="datetimeFigureOut">
-              <a:rPr lang="ru-RU" smtClean="0"/>
-              <a:t>11.06.2020</a:t>
+            <a:fld id="{B8320274-AAF7-494E-921D-032FB7D16D52}" type="datetime1">
+              <a:rPr lang="ru-RU" smtClean="0"/>
+              <a:t>12.06.2020</a:t>
             </a:fld>
             <a:endParaRPr lang="ru-RU"/>
           </a:p>
@@ -1814,9 +2285,9 @@
           <a:bodyPr/>
           <a:lstStyle/>
           <a:p>
-            <a:fld id="{B5EE3E38-E8B2-44CB-AB1D-AAF62D3E4429}" type="datetimeFigureOut">
-              <a:rPr lang="ru-RU" smtClean="0"/>
-              <a:t>11.06.2020</a:t>
+            <a:fld id="{9789ABD0-5BE3-4296-8BE3-D0E5E0A7D898}" type="datetime1">
+              <a:rPr lang="ru-RU" smtClean="0"/>
+              <a:t>12.06.2020</a:t>
             </a:fld>
             <a:endParaRPr lang="ru-RU"/>
           </a:p>
@@ -2091,9 +2562,9 @@
           <a:bodyPr/>
           <a:lstStyle/>
           <a:p>
-            <a:fld id="{B5EE3E38-E8B2-44CB-AB1D-AAF62D3E4429}" type="datetimeFigureOut">
-              <a:rPr lang="ru-RU" smtClean="0"/>
-              <a:t>11.06.2020</a:t>
+            <a:fld id="{959652AE-E0B7-4360-9E1A-7D18D9A4B25B}" type="datetime1">
+              <a:rPr lang="ru-RU" smtClean="0"/>
+              <a:t>12.06.2020</a:t>
             </a:fld>
             <a:endParaRPr lang="ru-RU"/>
           </a:p>
@@ -2344,9 +2815,9 @@
           <a:bodyPr/>
           <a:lstStyle/>
           <a:p>
-            <a:fld id="{B5EE3E38-E8B2-44CB-AB1D-AAF62D3E4429}" type="datetimeFigureOut">
-              <a:rPr lang="ru-RU" smtClean="0"/>
-              <a:t>11.06.2020</a:t>
+            <a:fld id="{6F48E31C-F4B2-409E-A2D2-A6C95D80A1AB}" type="datetime1">
+              <a:rPr lang="ru-RU" smtClean="0"/>
+              <a:t>12.06.2020</a:t>
             </a:fld>
             <a:endParaRPr lang="ru-RU"/>
           </a:p>
@@ -2557,9 +3028,9 @@
             </a:lvl1pPr>
           </a:lstStyle>
           <a:p>
-            <a:fld id="{B5EE3E38-E8B2-44CB-AB1D-AAF62D3E4429}" type="datetimeFigureOut">
-              <a:rPr lang="ru-RU" smtClean="0"/>
-              <a:t>11.06.2020</a:t>
+            <a:fld id="{15C67A3C-AE8B-424E-9361-A8DF0E3ACA62}" type="datetime1">
+              <a:rPr lang="ru-RU" smtClean="0"/>
+              <a:t>12.06.2020</a:t>
             </a:fld>
             <a:endParaRPr lang="ru-RU"/>
           </a:p>
@@ -2664,6 +3135,7 @@
     <p:sldLayoutId id="2147483658" r:id="rId10"/>
     <p:sldLayoutId id="2147483659" r:id="rId11"/>
   </p:sldLayoutIdLst>
+  <p:hf hdr="0" ftr="0" dt="0"/>
   <p:txStyles>
     <p:titleStyle>
       <a:lvl1pPr algn="l" defTabSz="914400" rtl="0" eaLnBrk="1" latinLnBrk="0" hangingPunct="1">
@@ -2964,54 +3436,5363 @@
           <a:chExt cx="0" cy="0"/>
         </a:xfrm>
       </p:grpSpPr>
-      <p:sp>
-        <p:nvSpPr>
-          <p:cNvPr id="2" name="Заголовок 1"/>
-          <p:cNvSpPr>
-            <a:spLocks noGrp="1"/>
-          </p:cNvSpPr>
-          <p:nvPr>
-            <p:ph type="ctrTitle"/>
-          </p:nvPr>
-        </p:nvSpPr>
-        <p:spPr/>
-        <p:txBody>
-          <a:bodyPr/>
-          <a:lstStyle/>
-          <a:p>
-            <a:endParaRPr lang="ru-RU"/>
-          </a:p>
-        </p:txBody>
-      </p:sp>
-      <p:sp>
-        <p:nvSpPr>
-          <p:cNvPr id="3" name="Подзаголовок 2"/>
-          <p:cNvSpPr>
-            <a:spLocks noGrp="1"/>
-          </p:cNvSpPr>
-          <p:nvPr>
-            <p:ph type="subTitle" idx="1"/>
-          </p:nvPr>
-        </p:nvSpPr>
-        <p:spPr/>
-        <p:txBody>
-          <a:bodyPr/>
-          <a:lstStyle/>
-          <a:p>
-            <a:endParaRPr lang="ru-RU"/>
-          </a:p>
-        </p:txBody>
-      </p:sp>
+      <p:pic>
+        <p:nvPicPr>
+          <p:cNvPr id="19458" name="Picture 8" descr="https://pp.userapi.com/c639827/v639827825/269ec/pkWgR7VDN-k.jpg"/>
+          <p:cNvPicPr>
+            <a:picLocks noChangeAspect="1" noChangeArrowheads="1"/>
+          </p:cNvPicPr>
+          <p:nvPr/>
+        </p:nvPicPr>
+        <p:blipFill>
+          <a:blip r:embed="rId2">
+            <a:extLst>
+              <a:ext uri="{28A0092B-C50C-407E-A947-70E740481C1C}">
+                <a14:useLocalDpi xmlns:a14="http://schemas.microsoft.com/office/drawing/2010/main" val="0"/>
+              </a:ext>
+            </a:extLst>
+          </a:blip>
+          <a:srcRect/>
+          <a:stretch>
+            <a:fillRect/>
+          </a:stretch>
+        </p:blipFill>
+        <p:spPr bwMode="auto">
+          <a:xfrm>
+            <a:off x="1631951" y="446088"/>
+            <a:ext cx="1368425" cy="1809750"/>
+          </a:xfrm>
+          <a:prstGeom prst="rect">
+            <a:avLst/>
+          </a:prstGeom>
+          <a:noFill/>
+          <a:ln>
+            <a:noFill/>
+          </a:ln>
+          <a:extLst>
+            <a:ext uri="{909E8E84-426E-40DD-AFC4-6F175D3DCCD1}">
+              <a14:hiddenFill xmlns:a14="http://schemas.microsoft.com/office/drawing/2010/main">
+                <a:solidFill>
+                  <a:srgbClr val="FFFFFF"/>
+                </a:solidFill>
+              </a14:hiddenFill>
+            </a:ext>
+            <a:ext uri="{91240B29-F687-4F45-9708-019B960494DF}">
+              <a14:hiddenLine xmlns:a14="http://schemas.microsoft.com/office/drawing/2010/main" w="9525">
+                <a:solidFill>
+                  <a:srgbClr val="000000"/>
+                </a:solidFill>
+                <a:miter lim="800000"/>
+                <a:headEnd/>
+                <a:tailEnd/>
+              </a14:hiddenLine>
+            </a:ext>
+          </a:extLst>
+        </p:spPr>
+      </p:pic>
+      <p:sp>
+        <p:nvSpPr>
+          <p:cNvPr id="14337" name="Прямоугольник 3">
+            <a:extLst/>
+          </p:cNvPr>
+          <p:cNvSpPr>
+            <a:spLocks noChangeArrowheads="1"/>
+          </p:cNvSpPr>
+          <p:nvPr/>
+        </p:nvSpPr>
+        <p:spPr bwMode="auto">
+          <a:xfrm>
+            <a:off x="2640013" y="409575"/>
+            <a:ext cx="7777162" cy="1477328"/>
+          </a:xfrm>
+          <a:prstGeom prst="rect">
+            <a:avLst/>
+          </a:prstGeom>
+          <a:noFill/>
+          <a:ln>
+            <a:noFill/>
+          </a:ln>
+          <a:extLst/>
+        </p:spPr>
+        <p:txBody>
+          <a:bodyPr>
+            <a:spAutoFit/>
+          </a:bodyPr>
+          <a:lstStyle>
+            <a:lvl1pPr>
+              <a:defRPr>
+                <a:solidFill>
+                  <a:schemeClr val="tx1"/>
+                </a:solidFill>
+                <a:latin typeface="Arial" panose="020B0604020202020204" pitchFamily="34" charset="0"/>
+                <a:cs typeface="Arial" panose="020B0604020202020204" pitchFamily="34" charset="0"/>
+              </a:defRPr>
+            </a:lvl1pPr>
+            <a:lvl2pPr marL="742950" indent="-285750">
+              <a:defRPr>
+                <a:solidFill>
+                  <a:schemeClr val="tx1"/>
+                </a:solidFill>
+                <a:latin typeface="Arial" panose="020B0604020202020204" pitchFamily="34" charset="0"/>
+                <a:cs typeface="Arial" panose="020B0604020202020204" pitchFamily="34" charset="0"/>
+              </a:defRPr>
+            </a:lvl2pPr>
+            <a:lvl3pPr marL="1143000" indent="-228600">
+              <a:defRPr>
+                <a:solidFill>
+                  <a:schemeClr val="tx1"/>
+                </a:solidFill>
+                <a:latin typeface="Arial" panose="020B0604020202020204" pitchFamily="34" charset="0"/>
+                <a:cs typeface="Arial" panose="020B0604020202020204" pitchFamily="34" charset="0"/>
+              </a:defRPr>
+            </a:lvl3pPr>
+            <a:lvl4pPr marL="1600200" indent="-228600">
+              <a:defRPr>
+                <a:solidFill>
+                  <a:schemeClr val="tx1"/>
+                </a:solidFill>
+                <a:latin typeface="Arial" panose="020B0604020202020204" pitchFamily="34" charset="0"/>
+                <a:cs typeface="Arial" panose="020B0604020202020204" pitchFamily="34" charset="0"/>
+              </a:defRPr>
+            </a:lvl4pPr>
+            <a:lvl5pPr marL="2057400" indent="-228600">
+              <a:defRPr>
+                <a:solidFill>
+                  <a:schemeClr val="tx1"/>
+                </a:solidFill>
+                <a:latin typeface="Arial" panose="020B0604020202020204" pitchFamily="34" charset="0"/>
+                <a:cs typeface="Arial" panose="020B0604020202020204" pitchFamily="34" charset="0"/>
+              </a:defRPr>
+            </a:lvl5pPr>
+            <a:lvl6pPr marL="2514600" indent="-228600" fontAlgn="base">
+              <a:spcBef>
+                <a:spcPct val="0"/>
+              </a:spcBef>
+              <a:spcAft>
+                <a:spcPct val="0"/>
+              </a:spcAft>
+              <a:defRPr>
+                <a:solidFill>
+                  <a:schemeClr val="tx1"/>
+                </a:solidFill>
+                <a:latin typeface="Arial" panose="020B0604020202020204" pitchFamily="34" charset="0"/>
+                <a:cs typeface="Arial" panose="020B0604020202020204" pitchFamily="34" charset="0"/>
+              </a:defRPr>
+            </a:lvl6pPr>
+            <a:lvl7pPr marL="2971800" indent="-228600" fontAlgn="base">
+              <a:spcBef>
+                <a:spcPct val="0"/>
+              </a:spcBef>
+              <a:spcAft>
+                <a:spcPct val="0"/>
+              </a:spcAft>
+              <a:defRPr>
+                <a:solidFill>
+                  <a:schemeClr val="tx1"/>
+                </a:solidFill>
+                <a:latin typeface="Arial" panose="020B0604020202020204" pitchFamily="34" charset="0"/>
+                <a:cs typeface="Arial" panose="020B0604020202020204" pitchFamily="34" charset="0"/>
+              </a:defRPr>
+            </a:lvl7pPr>
+            <a:lvl8pPr marL="3429000" indent="-228600" fontAlgn="base">
+              <a:spcBef>
+                <a:spcPct val="0"/>
+              </a:spcBef>
+              <a:spcAft>
+                <a:spcPct val="0"/>
+              </a:spcAft>
+              <a:defRPr>
+                <a:solidFill>
+                  <a:schemeClr val="tx1"/>
+                </a:solidFill>
+                <a:latin typeface="Arial" panose="020B0604020202020204" pitchFamily="34" charset="0"/>
+                <a:cs typeface="Arial" panose="020B0604020202020204" pitchFamily="34" charset="0"/>
+              </a:defRPr>
+            </a:lvl8pPr>
+            <a:lvl9pPr marL="3886200" indent="-228600" fontAlgn="base">
+              <a:spcBef>
+                <a:spcPct val="0"/>
+              </a:spcBef>
+              <a:spcAft>
+                <a:spcPct val="0"/>
+              </a:spcAft>
+              <a:defRPr>
+                <a:solidFill>
+                  <a:schemeClr val="tx1"/>
+                </a:solidFill>
+                <a:latin typeface="Arial" panose="020B0604020202020204" pitchFamily="34" charset="0"/>
+                <a:cs typeface="Arial" panose="020B0604020202020204" pitchFamily="34" charset="0"/>
+              </a:defRPr>
+            </a:lvl9pPr>
+          </a:lstStyle>
+          <a:p>
+            <a:pPr algn="ctr">
+              <a:defRPr/>
+            </a:pPr>
+            <a:r>
+              <a:rPr lang="ru-RU" altLang="ru-RU" dirty="0">
+                <a:latin typeface="+mn-lt"/>
+                <a:cs typeface="Times New Roman" panose="02020603050405020304" pitchFamily="18" charset="0"/>
+              </a:rPr>
+              <a:t>Министерство науки и высшего образования Российской Федерации</a:t>
+            </a:r>
+          </a:p>
+          <a:p>
+            <a:pPr algn="ctr">
+              <a:defRPr/>
+            </a:pPr>
+            <a:r>
+              <a:rPr lang="ru-RU" altLang="ru-RU" dirty="0">
+                <a:latin typeface="+mn-lt"/>
+                <a:cs typeface="Times New Roman" panose="02020603050405020304" pitchFamily="18" charset="0"/>
+              </a:rPr>
+              <a:t>Федеральное государственное бюджетное образовательное учреждение</a:t>
+            </a:r>
+          </a:p>
+          <a:p>
+            <a:pPr algn="ctr">
+              <a:defRPr/>
+            </a:pPr>
+            <a:r>
+              <a:rPr lang="ru-RU" altLang="ru-RU" dirty="0">
+                <a:latin typeface="+mn-lt"/>
+                <a:cs typeface="Times New Roman" panose="02020603050405020304" pitchFamily="18" charset="0"/>
+              </a:rPr>
+              <a:t>высшего образования</a:t>
+            </a:r>
+          </a:p>
+          <a:p>
+            <a:pPr algn="ctr">
+              <a:defRPr/>
+            </a:pPr>
+            <a:r>
+              <a:rPr lang="ru-RU" altLang="ru-RU" dirty="0">
+                <a:latin typeface="+mn-lt"/>
+                <a:cs typeface="Times New Roman" panose="02020603050405020304" pitchFamily="18" charset="0"/>
+              </a:rPr>
+              <a:t>«Сибирский государственный автомобильно-дорожный университет</a:t>
+            </a:r>
+          </a:p>
+          <a:p>
+            <a:pPr algn="ctr">
+              <a:defRPr/>
+            </a:pPr>
+            <a:r>
+              <a:rPr lang="ru-RU" altLang="ru-RU" dirty="0">
+                <a:latin typeface="+mn-lt"/>
+                <a:cs typeface="Times New Roman" panose="02020603050405020304" pitchFamily="18" charset="0"/>
+              </a:rPr>
+              <a:t>(СибАДИ)»</a:t>
+            </a:r>
+          </a:p>
+        </p:txBody>
+      </p:sp>
+      <p:sp>
+        <p:nvSpPr>
+          <p:cNvPr id="14338" name="Прямоугольник 4">
+            <a:extLst/>
+          </p:cNvPr>
+          <p:cNvSpPr>
+            <a:spLocks noChangeArrowheads="1"/>
+          </p:cNvSpPr>
+          <p:nvPr/>
+        </p:nvSpPr>
+        <p:spPr bwMode="auto">
+          <a:xfrm>
+            <a:off x="2569465" y="2493964"/>
+            <a:ext cx="6995160" cy="2000548"/>
+          </a:xfrm>
+          <a:prstGeom prst="rect">
+            <a:avLst/>
+          </a:prstGeom>
+          <a:noFill/>
+          <a:ln>
+            <a:noFill/>
+          </a:ln>
+          <a:extLst/>
+        </p:spPr>
+        <p:txBody>
+          <a:bodyPr wrap="square">
+            <a:spAutoFit/>
+          </a:bodyPr>
+          <a:lstStyle>
+            <a:lvl1pPr eaLnBrk="0" hangingPunct="0">
+              <a:defRPr>
+                <a:solidFill>
+                  <a:schemeClr val="tx1"/>
+                </a:solidFill>
+                <a:latin typeface="Arial" panose="020B0604020202020204" pitchFamily="34" charset="0"/>
+                <a:cs typeface="Arial" panose="020B0604020202020204" pitchFamily="34" charset="0"/>
+              </a:defRPr>
+            </a:lvl1pPr>
+            <a:lvl2pPr marL="742950" indent="-285750" eaLnBrk="0" hangingPunct="0">
+              <a:defRPr>
+                <a:solidFill>
+                  <a:schemeClr val="tx1"/>
+                </a:solidFill>
+                <a:latin typeface="Arial" panose="020B0604020202020204" pitchFamily="34" charset="0"/>
+                <a:cs typeface="Arial" panose="020B0604020202020204" pitchFamily="34" charset="0"/>
+              </a:defRPr>
+            </a:lvl2pPr>
+            <a:lvl3pPr marL="1143000" indent="-228600" eaLnBrk="0" hangingPunct="0">
+              <a:defRPr>
+                <a:solidFill>
+                  <a:schemeClr val="tx1"/>
+                </a:solidFill>
+                <a:latin typeface="Arial" panose="020B0604020202020204" pitchFamily="34" charset="0"/>
+                <a:cs typeface="Arial" panose="020B0604020202020204" pitchFamily="34" charset="0"/>
+              </a:defRPr>
+            </a:lvl3pPr>
+            <a:lvl4pPr marL="1600200" indent="-228600" eaLnBrk="0" hangingPunct="0">
+              <a:defRPr>
+                <a:solidFill>
+                  <a:schemeClr val="tx1"/>
+                </a:solidFill>
+                <a:latin typeface="Arial" panose="020B0604020202020204" pitchFamily="34" charset="0"/>
+                <a:cs typeface="Arial" panose="020B0604020202020204" pitchFamily="34" charset="0"/>
+              </a:defRPr>
+            </a:lvl4pPr>
+            <a:lvl5pPr marL="2057400" indent="-228600" eaLnBrk="0" hangingPunct="0">
+              <a:defRPr>
+                <a:solidFill>
+                  <a:schemeClr val="tx1"/>
+                </a:solidFill>
+                <a:latin typeface="Arial" panose="020B0604020202020204" pitchFamily="34" charset="0"/>
+                <a:cs typeface="Arial" panose="020B0604020202020204" pitchFamily="34" charset="0"/>
+              </a:defRPr>
+            </a:lvl5pPr>
+            <a:lvl6pPr marL="2514600" indent="-228600" eaLnBrk="0" fontAlgn="base" hangingPunct="0">
+              <a:spcBef>
+                <a:spcPct val="0"/>
+              </a:spcBef>
+              <a:spcAft>
+                <a:spcPct val="0"/>
+              </a:spcAft>
+              <a:defRPr>
+                <a:solidFill>
+                  <a:schemeClr val="tx1"/>
+                </a:solidFill>
+                <a:latin typeface="Arial" panose="020B0604020202020204" pitchFamily="34" charset="0"/>
+                <a:cs typeface="Arial" panose="020B0604020202020204" pitchFamily="34" charset="0"/>
+              </a:defRPr>
+            </a:lvl6pPr>
+            <a:lvl7pPr marL="2971800" indent="-228600" eaLnBrk="0" fontAlgn="base" hangingPunct="0">
+              <a:spcBef>
+                <a:spcPct val="0"/>
+              </a:spcBef>
+              <a:spcAft>
+                <a:spcPct val="0"/>
+              </a:spcAft>
+              <a:defRPr>
+                <a:solidFill>
+                  <a:schemeClr val="tx1"/>
+                </a:solidFill>
+                <a:latin typeface="Arial" panose="020B0604020202020204" pitchFamily="34" charset="0"/>
+                <a:cs typeface="Arial" panose="020B0604020202020204" pitchFamily="34" charset="0"/>
+              </a:defRPr>
+            </a:lvl7pPr>
+            <a:lvl8pPr marL="3429000" indent="-228600" eaLnBrk="0" fontAlgn="base" hangingPunct="0">
+              <a:spcBef>
+                <a:spcPct val="0"/>
+              </a:spcBef>
+              <a:spcAft>
+                <a:spcPct val="0"/>
+              </a:spcAft>
+              <a:defRPr>
+                <a:solidFill>
+                  <a:schemeClr val="tx1"/>
+                </a:solidFill>
+                <a:latin typeface="Arial" panose="020B0604020202020204" pitchFamily="34" charset="0"/>
+                <a:cs typeface="Arial" panose="020B0604020202020204" pitchFamily="34" charset="0"/>
+              </a:defRPr>
+            </a:lvl8pPr>
+            <a:lvl9pPr marL="3886200" indent="-228600" eaLnBrk="0" fontAlgn="base" hangingPunct="0">
+              <a:spcBef>
+                <a:spcPct val="0"/>
+              </a:spcBef>
+              <a:spcAft>
+                <a:spcPct val="0"/>
+              </a:spcAft>
+              <a:defRPr>
+                <a:solidFill>
+                  <a:schemeClr val="tx1"/>
+                </a:solidFill>
+                <a:latin typeface="Arial" panose="020B0604020202020204" pitchFamily="34" charset="0"/>
+                <a:cs typeface="Arial" panose="020B0604020202020204" pitchFamily="34" charset="0"/>
+              </a:defRPr>
+            </a:lvl9pPr>
+          </a:lstStyle>
+          <a:p>
+            <a:pPr algn="ctr" eaLnBrk="1" hangingPunct="1"/>
+            <a:r>
+              <a:rPr lang="ru-RU" altLang="ru-RU" sz="2000" dirty="0">
+                <a:latin typeface="Trebuchet MS" panose="020B0603020202020204" pitchFamily="34" charset="0"/>
+                <a:cs typeface="Times New Roman" panose="02020603050405020304" pitchFamily="18" charset="0"/>
+              </a:rPr>
+              <a:t>Выпускная квалификационная работа</a:t>
+            </a:r>
+          </a:p>
+          <a:p>
+            <a:pPr algn="ctr" eaLnBrk="1" hangingPunct="1"/>
+            <a:r>
+              <a:rPr lang="ru-RU" altLang="ru-RU" sz="2000" dirty="0">
+                <a:latin typeface="Trebuchet MS" panose="020B0603020202020204" pitchFamily="34" charset="0"/>
+                <a:cs typeface="Times New Roman" panose="02020603050405020304" pitchFamily="18" charset="0"/>
+              </a:rPr>
+              <a:t>на тему:</a:t>
+            </a:r>
+          </a:p>
+          <a:p>
+            <a:pPr algn="ctr" eaLnBrk="1" hangingPunct="1"/>
+            <a:endParaRPr lang="ru-RU" altLang="ru-RU" sz="2000" dirty="0">
+              <a:latin typeface="Trebuchet MS" panose="020B0603020202020204" pitchFamily="34" charset="0"/>
+              <a:cs typeface="Times New Roman" panose="02020603050405020304" pitchFamily="18" charset="0"/>
+            </a:endParaRPr>
+          </a:p>
+          <a:p>
+            <a:pPr algn="ctr" eaLnBrk="1" hangingPunct="1"/>
+            <a:r>
+              <a:rPr lang="ru-RU" altLang="ru-RU" sz="2200" dirty="0" smtClean="0">
+                <a:latin typeface="Trebuchet MS" panose="020B0603020202020204" pitchFamily="34" charset="0"/>
+                <a:cs typeface="Times New Roman" panose="02020603050405020304" pitchFamily="18" charset="0"/>
+              </a:rPr>
+              <a:t>«</a:t>
+            </a:r>
+            <a:r>
+              <a:rPr lang="ru-RU" altLang="ru-RU" sz="2000" dirty="0">
+                <a:latin typeface="Trebuchet MS" panose="020B0603020202020204" pitchFamily="34" charset="0"/>
+                <a:cs typeface="Times New Roman" panose="02020603050405020304" pitchFamily="18" charset="0"/>
+              </a:rPr>
+              <a:t>Разработка online-сервиса по выбору и </a:t>
+            </a:r>
+            <a:r>
+              <a:rPr lang="ru-RU" altLang="ru-RU" sz="2000" dirty="0" smtClean="0">
+                <a:latin typeface="Trebuchet MS" panose="020B0603020202020204" pitchFamily="34" charset="0"/>
+                <a:cs typeface="Times New Roman" panose="02020603050405020304" pitchFamily="18" charset="0"/>
+              </a:rPr>
+              <a:t>покупке</a:t>
+            </a:r>
+            <a:r>
+              <a:rPr lang="en-US" altLang="ru-RU" sz="2000" dirty="0" smtClean="0">
+                <a:latin typeface="Trebuchet MS" panose="020B0603020202020204" pitchFamily="34" charset="0"/>
+                <a:cs typeface="Times New Roman" panose="02020603050405020304" pitchFamily="18" charset="0"/>
+              </a:rPr>
+              <a:t> </a:t>
+            </a:r>
+            <a:r>
+              <a:rPr lang="ru-RU" altLang="ru-RU" sz="2000" dirty="0" smtClean="0">
+                <a:latin typeface="Trebuchet MS" panose="020B0603020202020204" pitchFamily="34" charset="0"/>
+                <a:cs typeface="Times New Roman" panose="02020603050405020304" pitchFamily="18" charset="0"/>
+              </a:rPr>
+              <a:t>электронных </a:t>
+            </a:r>
+            <a:r>
+              <a:rPr lang="ru-RU" altLang="ru-RU" sz="2000" dirty="0">
+                <a:latin typeface="Trebuchet MS" panose="020B0603020202020204" pitchFamily="34" charset="0"/>
+                <a:cs typeface="Times New Roman" panose="02020603050405020304" pitchFamily="18" charset="0"/>
+              </a:rPr>
+              <a:t>и цифровых товаров </a:t>
+            </a:r>
+            <a:r>
+              <a:rPr lang="ru-RU" altLang="ru-RU" sz="2000" dirty="0" smtClean="0">
+                <a:latin typeface="Trebuchet MS" panose="020B0603020202020204" pitchFamily="34" charset="0"/>
+                <a:cs typeface="Times New Roman" panose="02020603050405020304" pitchFamily="18" charset="0"/>
+              </a:rPr>
+              <a:t>для торгового предприятия</a:t>
+            </a:r>
+            <a:r>
+              <a:rPr lang="ru-RU" altLang="ru-RU" sz="2200" dirty="0" smtClean="0">
+                <a:latin typeface="Trebuchet MS" panose="020B0603020202020204" pitchFamily="34" charset="0"/>
+                <a:cs typeface="Times New Roman" panose="02020603050405020304" pitchFamily="18" charset="0"/>
+              </a:rPr>
+              <a:t>»</a:t>
+            </a:r>
+            <a:endParaRPr lang="ru-RU" altLang="ru-RU" sz="2200" dirty="0">
+              <a:latin typeface="Trebuchet MS" panose="020B0603020202020204" pitchFamily="34" charset="0"/>
+              <a:cs typeface="Times New Roman" panose="02020603050405020304" pitchFamily="18" charset="0"/>
+            </a:endParaRPr>
+          </a:p>
+        </p:txBody>
+      </p:sp>
+      <p:sp>
+        <p:nvSpPr>
+          <p:cNvPr id="14340" name="Прямоугольник 9">
+            <a:extLst/>
+          </p:cNvPr>
+          <p:cNvSpPr>
+            <a:spLocks noChangeArrowheads="1"/>
+          </p:cNvSpPr>
+          <p:nvPr/>
+        </p:nvSpPr>
+        <p:spPr bwMode="auto">
+          <a:xfrm>
+            <a:off x="3575051" y="4724401"/>
+            <a:ext cx="6842125" cy="1616075"/>
+          </a:xfrm>
+          <a:prstGeom prst="rect">
+            <a:avLst/>
+          </a:prstGeom>
+          <a:noFill/>
+          <a:ln>
+            <a:noFill/>
+          </a:ln>
+          <a:extLst/>
+        </p:spPr>
+        <p:txBody>
+          <a:bodyPr>
+            <a:spAutoFit/>
+          </a:bodyPr>
+          <a:lstStyle>
+            <a:lvl1pPr marL="2152650" eaLnBrk="0" hangingPunct="0">
+              <a:defRPr>
+                <a:solidFill>
+                  <a:schemeClr val="tx1"/>
+                </a:solidFill>
+                <a:latin typeface="Arial" panose="020B0604020202020204" pitchFamily="34" charset="0"/>
+                <a:cs typeface="Arial" panose="020B0604020202020204" pitchFamily="34" charset="0"/>
+              </a:defRPr>
+            </a:lvl1pPr>
+            <a:lvl2pPr marL="2795588" indent="-285750" eaLnBrk="0" hangingPunct="0">
+              <a:defRPr>
+                <a:solidFill>
+                  <a:schemeClr val="tx1"/>
+                </a:solidFill>
+                <a:latin typeface="Arial" panose="020B0604020202020204" pitchFamily="34" charset="0"/>
+                <a:cs typeface="Arial" panose="020B0604020202020204" pitchFamily="34" charset="0"/>
+              </a:defRPr>
+            </a:lvl2pPr>
+            <a:lvl3pPr marL="3203575" indent="-228600" eaLnBrk="0" hangingPunct="0">
+              <a:defRPr>
+                <a:solidFill>
+                  <a:schemeClr val="tx1"/>
+                </a:solidFill>
+                <a:latin typeface="Arial" panose="020B0604020202020204" pitchFamily="34" charset="0"/>
+                <a:cs typeface="Arial" panose="020B0604020202020204" pitchFamily="34" charset="0"/>
+              </a:defRPr>
+            </a:lvl3pPr>
+            <a:lvl4pPr marL="3611563" indent="-228600" eaLnBrk="0" hangingPunct="0">
+              <a:defRPr>
+                <a:solidFill>
+                  <a:schemeClr val="tx1"/>
+                </a:solidFill>
+                <a:latin typeface="Arial" panose="020B0604020202020204" pitchFamily="34" charset="0"/>
+                <a:cs typeface="Arial" panose="020B0604020202020204" pitchFamily="34" charset="0"/>
+              </a:defRPr>
+            </a:lvl4pPr>
+            <a:lvl5pPr marL="4019550" indent="-228600" eaLnBrk="0" hangingPunct="0">
+              <a:defRPr>
+                <a:solidFill>
+                  <a:schemeClr val="tx1"/>
+                </a:solidFill>
+                <a:latin typeface="Arial" panose="020B0604020202020204" pitchFamily="34" charset="0"/>
+                <a:cs typeface="Arial" panose="020B0604020202020204" pitchFamily="34" charset="0"/>
+              </a:defRPr>
+            </a:lvl5pPr>
+            <a:lvl6pPr marL="4476750" indent="-228600" eaLnBrk="0" fontAlgn="base" hangingPunct="0">
+              <a:spcBef>
+                <a:spcPct val="0"/>
+              </a:spcBef>
+              <a:spcAft>
+                <a:spcPct val="0"/>
+              </a:spcAft>
+              <a:defRPr>
+                <a:solidFill>
+                  <a:schemeClr val="tx1"/>
+                </a:solidFill>
+                <a:latin typeface="Arial" panose="020B0604020202020204" pitchFamily="34" charset="0"/>
+                <a:cs typeface="Arial" panose="020B0604020202020204" pitchFamily="34" charset="0"/>
+              </a:defRPr>
+            </a:lvl6pPr>
+            <a:lvl7pPr marL="4933950" indent="-228600" eaLnBrk="0" fontAlgn="base" hangingPunct="0">
+              <a:spcBef>
+                <a:spcPct val="0"/>
+              </a:spcBef>
+              <a:spcAft>
+                <a:spcPct val="0"/>
+              </a:spcAft>
+              <a:defRPr>
+                <a:solidFill>
+                  <a:schemeClr val="tx1"/>
+                </a:solidFill>
+                <a:latin typeface="Arial" panose="020B0604020202020204" pitchFamily="34" charset="0"/>
+                <a:cs typeface="Arial" panose="020B0604020202020204" pitchFamily="34" charset="0"/>
+              </a:defRPr>
+            </a:lvl7pPr>
+            <a:lvl8pPr marL="5391150" indent="-228600" eaLnBrk="0" fontAlgn="base" hangingPunct="0">
+              <a:spcBef>
+                <a:spcPct val="0"/>
+              </a:spcBef>
+              <a:spcAft>
+                <a:spcPct val="0"/>
+              </a:spcAft>
+              <a:defRPr>
+                <a:solidFill>
+                  <a:schemeClr val="tx1"/>
+                </a:solidFill>
+                <a:latin typeface="Arial" panose="020B0604020202020204" pitchFamily="34" charset="0"/>
+                <a:cs typeface="Arial" panose="020B0604020202020204" pitchFamily="34" charset="0"/>
+              </a:defRPr>
+            </a:lvl8pPr>
+            <a:lvl9pPr marL="5848350" indent="-228600" eaLnBrk="0" fontAlgn="base" hangingPunct="0">
+              <a:spcBef>
+                <a:spcPct val="0"/>
+              </a:spcBef>
+              <a:spcAft>
+                <a:spcPct val="0"/>
+              </a:spcAft>
+              <a:defRPr>
+                <a:solidFill>
+                  <a:schemeClr val="tx1"/>
+                </a:solidFill>
+                <a:latin typeface="Arial" panose="020B0604020202020204" pitchFamily="34" charset="0"/>
+                <a:cs typeface="Arial" panose="020B0604020202020204" pitchFamily="34" charset="0"/>
+              </a:defRPr>
+            </a:lvl9pPr>
+          </a:lstStyle>
+          <a:p>
+            <a:pPr eaLnBrk="1" hangingPunct="1">
+              <a:buClr>
+                <a:schemeClr val="accent1"/>
+              </a:buClr>
+              <a:buSzPct val="70000"/>
+            </a:pPr>
+            <a:r>
+              <a:rPr lang="ru-RU" altLang="ru-RU" sz="2000" dirty="0">
+                <a:latin typeface="Trebuchet MS" panose="020B0603020202020204" pitchFamily="34" charset="0"/>
+                <a:cs typeface="Times New Roman" panose="02020603050405020304" pitchFamily="18" charset="0"/>
+              </a:rPr>
+              <a:t>Выполнил: </a:t>
+            </a:r>
+            <a:r>
+              <a:rPr lang="ru-RU" altLang="ru-RU" sz="2000" dirty="0" smtClean="0">
+                <a:latin typeface="Trebuchet MS" panose="020B0603020202020204" pitchFamily="34" charset="0"/>
+                <a:cs typeface="Times New Roman" panose="02020603050405020304" pitchFamily="18" charset="0"/>
+              </a:rPr>
+              <a:t>студент группы АСб-16И1 </a:t>
+            </a:r>
+            <a:endParaRPr lang="ru-RU" altLang="ru-RU" sz="2000" dirty="0">
+              <a:latin typeface="Trebuchet MS" panose="020B0603020202020204" pitchFamily="34" charset="0"/>
+              <a:cs typeface="Times New Roman" panose="02020603050405020304" pitchFamily="18" charset="0"/>
+            </a:endParaRPr>
+          </a:p>
+          <a:p>
+            <a:pPr eaLnBrk="1" hangingPunct="1">
+              <a:buClr>
+                <a:schemeClr val="accent1"/>
+              </a:buClr>
+              <a:buSzPct val="70000"/>
+            </a:pPr>
+            <a:r>
+              <a:rPr lang="ru-RU" altLang="ru-RU" sz="2000" dirty="0" smtClean="0">
+                <a:cs typeface="Times New Roman" panose="02020603050405020304" pitchFamily="18" charset="0"/>
+              </a:rPr>
+              <a:t>Крылов Валерий Сергеевич</a:t>
+            </a:r>
+            <a:endParaRPr lang="ru-RU" altLang="ru-RU" sz="2000" dirty="0">
+              <a:cs typeface="Times New Roman" panose="02020603050405020304" pitchFamily="18" charset="0"/>
+            </a:endParaRPr>
+          </a:p>
+          <a:p>
+            <a:pPr eaLnBrk="1" hangingPunct="1"/>
+            <a:r>
+              <a:rPr lang="ru-RU" altLang="ru-RU" sz="2000" dirty="0">
+                <a:latin typeface="Trebuchet MS" panose="020B0603020202020204" pitchFamily="34" charset="0"/>
+                <a:cs typeface="Times New Roman" panose="02020603050405020304" pitchFamily="18" charset="0"/>
+              </a:rPr>
+              <a:t>Руководитель работы: </a:t>
+            </a:r>
+            <a:endParaRPr lang="ru-RU" altLang="ru-RU" sz="2000" dirty="0">
+              <a:cs typeface="Times New Roman" panose="02020603050405020304" pitchFamily="18" charset="0"/>
+            </a:endParaRPr>
+          </a:p>
+          <a:p>
+            <a:pPr eaLnBrk="1" hangingPunct="1"/>
+            <a:r>
+              <a:rPr lang="ru-RU" altLang="ru-RU" sz="2000" dirty="0">
+                <a:latin typeface="Trebuchet MS" panose="020B0603020202020204" pitchFamily="34" charset="0"/>
+                <a:cs typeface="Times New Roman" panose="02020603050405020304" pitchFamily="18" charset="0"/>
+              </a:rPr>
+              <a:t>доц. каф. АСи ЦТ, док. техн. наук  </a:t>
+            </a:r>
+            <a:endParaRPr lang="ru-RU" altLang="ru-RU" sz="2000" dirty="0">
+              <a:latin typeface="Trebuchet MS" panose="020B0603020202020204" pitchFamily="34" charset="0"/>
+              <a:cs typeface="Times New Roman" panose="02020603050405020304" pitchFamily="18" charset="0"/>
+            </a:endParaRPr>
+          </a:p>
+          <a:p>
+            <a:pPr eaLnBrk="1" hangingPunct="1"/>
+            <a:r>
+              <a:rPr lang="ru-RU" altLang="ru-RU" sz="2000" dirty="0" smtClean="0">
+                <a:cs typeface="Times New Roman" panose="02020603050405020304" pitchFamily="18" charset="0"/>
+              </a:rPr>
+              <a:t>Чуканов Сергей Николаевич</a:t>
+            </a:r>
+            <a:endParaRPr lang="ru-RU" altLang="ru-RU" sz="2000" dirty="0">
+              <a:cs typeface="Times New Roman" panose="02020603050405020304" pitchFamily="18" charset="0"/>
+            </a:endParaRPr>
+          </a:p>
+        </p:txBody>
+      </p:sp>
+      <p:sp>
+        <p:nvSpPr>
+          <p:cNvPr id="14341" name="TextBox 1">
+            <a:extLst/>
+          </p:cNvPr>
+          <p:cNvSpPr txBox="1">
+            <a:spLocks noChangeArrowheads="1"/>
+          </p:cNvSpPr>
+          <p:nvPr/>
+        </p:nvSpPr>
+        <p:spPr bwMode="auto">
+          <a:xfrm>
+            <a:off x="1524000" y="6356351"/>
+            <a:ext cx="9144000" cy="396875"/>
+          </a:xfrm>
+          <a:prstGeom prst="rect">
+            <a:avLst/>
+          </a:prstGeom>
+          <a:noFill/>
+          <a:ln>
+            <a:noFill/>
+          </a:ln>
+          <a:extLst/>
+        </p:spPr>
+        <p:txBody>
+          <a:bodyPr>
+            <a:spAutoFit/>
+          </a:bodyPr>
+          <a:lstStyle>
+            <a:lvl1pPr eaLnBrk="0" hangingPunct="0">
+              <a:defRPr>
+                <a:solidFill>
+                  <a:schemeClr val="tx1"/>
+                </a:solidFill>
+                <a:latin typeface="Arial" panose="020B0604020202020204" pitchFamily="34" charset="0"/>
+                <a:cs typeface="Arial" panose="020B0604020202020204" pitchFamily="34" charset="0"/>
+              </a:defRPr>
+            </a:lvl1pPr>
+            <a:lvl2pPr marL="742950" indent="-285750" eaLnBrk="0" hangingPunct="0">
+              <a:defRPr>
+                <a:solidFill>
+                  <a:schemeClr val="tx1"/>
+                </a:solidFill>
+                <a:latin typeface="Arial" panose="020B0604020202020204" pitchFamily="34" charset="0"/>
+                <a:cs typeface="Arial" panose="020B0604020202020204" pitchFamily="34" charset="0"/>
+              </a:defRPr>
+            </a:lvl2pPr>
+            <a:lvl3pPr marL="1143000" indent="-228600" eaLnBrk="0" hangingPunct="0">
+              <a:defRPr>
+                <a:solidFill>
+                  <a:schemeClr val="tx1"/>
+                </a:solidFill>
+                <a:latin typeface="Arial" panose="020B0604020202020204" pitchFamily="34" charset="0"/>
+                <a:cs typeface="Arial" panose="020B0604020202020204" pitchFamily="34" charset="0"/>
+              </a:defRPr>
+            </a:lvl3pPr>
+            <a:lvl4pPr marL="1600200" indent="-228600" eaLnBrk="0" hangingPunct="0">
+              <a:defRPr>
+                <a:solidFill>
+                  <a:schemeClr val="tx1"/>
+                </a:solidFill>
+                <a:latin typeface="Arial" panose="020B0604020202020204" pitchFamily="34" charset="0"/>
+                <a:cs typeface="Arial" panose="020B0604020202020204" pitchFamily="34" charset="0"/>
+              </a:defRPr>
+            </a:lvl4pPr>
+            <a:lvl5pPr marL="2057400" indent="-228600" eaLnBrk="0" hangingPunct="0">
+              <a:defRPr>
+                <a:solidFill>
+                  <a:schemeClr val="tx1"/>
+                </a:solidFill>
+                <a:latin typeface="Arial" panose="020B0604020202020204" pitchFamily="34" charset="0"/>
+                <a:cs typeface="Arial" panose="020B0604020202020204" pitchFamily="34" charset="0"/>
+              </a:defRPr>
+            </a:lvl5pPr>
+            <a:lvl6pPr marL="2514600" indent="-228600" eaLnBrk="0" fontAlgn="base" hangingPunct="0">
+              <a:spcBef>
+                <a:spcPct val="0"/>
+              </a:spcBef>
+              <a:spcAft>
+                <a:spcPct val="0"/>
+              </a:spcAft>
+              <a:defRPr>
+                <a:solidFill>
+                  <a:schemeClr val="tx1"/>
+                </a:solidFill>
+                <a:latin typeface="Arial" panose="020B0604020202020204" pitchFamily="34" charset="0"/>
+                <a:cs typeface="Arial" panose="020B0604020202020204" pitchFamily="34" charset="0"/>
+              </a:defRPr>
+            </a:lvl6pPr>
+            <a:lvl7pPr marL="2971800" indent="-228600" eaLnBrk="0" fontAlgn="base" hangingPunct="0">
+              <a:spcBef>
+                <a:spcPct val="0"/>
+              </a:spcBef>
+              <a:spcAft>
+                <a:spcPct val="0"/>
+              </a:spcAft>
+              <a:defRPr>
+                <a:solidFill>
+                  <a:schemeClr val="tx1"/>
+                </a:solidFill>
+                <a:latin typeface="Arial" panose="020B0604020202020204" pitchFamily="34" charset="0"/>
+                <a:cs typeface="Arial" panose="020B0604020202020204" pitchFamily="34" charset="0"/>
+              </a:defRPr>
+            </a:lvl7pPr>
+            <a:lvl8pPr marL="3429000" indent="-228600" eaLnBrk="0" fontAlgn="base" hangingPunct="0">
+              <a:spcBef>
+                <a:spcPct val="0"/>
+              </a:spcBef>
+              <a:spcAft>
+                <a:spcPct val="0"/>
+              </a:spcAft>
+              <a:defRPr>
+                <a:solidFill>
+                  <a:schemeClr val="tx1"/>
+                </a:solidFill>
+                <a:latin typeface="Arial" panose="020B0604020202020204" pitchFamily="34" charset="0"/>
+                <a:cs typeface="Arial" panose="020B0604020202020204" pitchFamily="34" charset="0"/>
+              </a:defRPr>
+            </a:lvl8pPr>
+            <a:lvl9pPr marL="3886200" indent="-228600" eaLnBrk="0" fontAlgn="base" hangingPunct="0">
+              <a:spcBef>
+                <a:spcPct val="0"/>
+              </a:spcBef>
+              <a:spcAft>
+                <a:spcPct val="0"/>
+              </a:spcAft>
+              <a:defRPr>
+                <a:solidFill>
+                  <a:schemeClr val="tx1"/>
+                </a:solidFill>
+                <a:latin typeface="Arial" panose="020B0604020202020204" pitchFamily="34" charset="0"/>
+                <a:cs typeface="Arial" panose="020B0604020202020204" pitchFamily="34" charset="0"/>
+              </a:defRPr>
+            </a:lvl9pPr>
+          </a:lstStyle>
+          <a:p>
+            <a:pPr algn="ctr" eaLnBrk="1" hangingPunct="1"/>
+            <a:r>
+              <a:rPr lang="ru-RU" altLang="ru-RU" sz="2000" dirty="0">
+                <a:latin typeface="Trebuchet MS" panose="020B0603020202020204" pitchFamily="34" charset="0"/>
+                <a:cs typeface="Times New Roman" panose="02020603050405020304" pitchFamily="18" charset="0"/>
+              </a:rPr>
+              <a:t>Омск </a:t>
+            </a:r>
+            <a:r>
+              <a:rPr lang="ru-RU" altLang="ru-RU" sz="2000" dirty="0">
+                <a:latin typeface="Trebuchet MS" panose="020B0603020202020204" pitchFamily="34" charset="0"/>
+                <a:sym typeface="Symbol" panose="05050102010706020507" pitchFamily="18" charset="2"/>
+              </a:rPr>
+              <a:t></a:t>
+            </a:r>
+            <a:r>
+              <a:rPr lang="ru-RU" altLang="ru-RU" sz="2000" dirty="0">
+                <a:latin typeface="Trebuchet MS" panose="020B0603020202020204" pitchFamily="34" charset="0"/>
+              </a:rPr>
+              <a:t>  </a:t>
+            </a:r>
+            <a:r>
+              <a:rPr lang="ru-RU" altLang="ru-RU" sz="2000" dirty="0">
+                <a:latin typeface="Trebuchet MS" panose="020B0603020202020204" pitchFamily="34" charset="0"/>
+                <a:cs typeface="Times New Roman" panose="02020603050405020304" pitchFamily="18" charset="0"/>
+              </a:rPr>
+              <a:t>20</a:t>
+            </a:r>
+            <a:r>
+              <a:rPr lang="en-US" altLang="ru-RU" sz="2000" dirty="0">
+                <a:latin typeface="Trebuchet MS" panose="020B0603020202020204" pitchFamily="34" charset="0"/>
+                <a:cs typeface="Times New Roman" panose="02020603050405020304" pitchFamily="18" charset="0"/>
+              </a:rPr>
+              <a:t>20</a:t>
+            </a:r>
+            <a:endParaRPr lang="ru-RU" altLang="ru-RU" sz="2000" dirty="0">
+              <a:latin typeface="Trebuchet MS" panose="020B0603020202020204" pitchFamily="34" charset="0"/>
+              <a:cs typeface="Times New Roman" panose="02020603050405020304" pitchFamily="18" charset="0"/>
+            </a:endParaRPr>
+          </a:p>
+        </p:txBody>
+      </p:sp>
+      <p:cxnSp>
+        <p:nvCxnSpPr>
+          <p:cNvPr id="3" name="Прямая соединительная линия 2">
+            <a:extLst/>
+          </p:cNvPr>
+          <p:cNvCxnSpPr>
+            <a:cxnSpLocks/>
+          </p:cNvCxnSpPr>
+          <p:nvPr/>
+        </p:nvCxnSpPr>
+        <p:spPr>
+          <a:xfrm>
+            <a:off x="2774950" y="3357563"/>
+            <a:ext cx="6642100" cy="0"/>
+          </a:xfrm>
+          <a:prstGeom prst="line">
+            <a:avLst/>
+          </a:prstGeom>
+          <a:ln w="25400"/>
+        </p:spPr>
+        <p:style>
+          <a:lnRef idx="1">
+            <a:schemeClr val="accent1"/>
+          </a:lnRef>
+          <a:fillRef idx="0">
+            <a:schemeClr val="accent1"/>
+          </a:fillRef>
+          <a:effectRef idx="0">
+            <a:schemeClr val="accent1"/>
+          </a:effectRef>
+          <a:fontRef idx="minor">
+            <a:schemeClr val="tx1"/>
+          </a:fontRef>
+        </p:style>
+      </p:cxnSp>
     </p:spTree>
     <p:extLst>
       <p:ext uri="{BB962C8B-B14F-4D97-AF65-F5344CB8AC3E}">
-        <p14:creationId xmlns:p14="http://schemas.microsoft.com/office/powerpoint/2010/main" val="1396925020"/>
+        <p14:creationId xmlns:p14="http://schemas.microsoft.com/office/powerpoint/2010/main" val="2857690099"/>
       </p:ext>
     </p:extLst>
   </p:cSld>
   <p:clrMapOvr>
     <a:masterClrMapping/>
   </p:clrMapOvr>
+  <p:timing>
+    <p:tnLst>
+      <p:par>
+        <p:cTn id="1" dur="indefinite" restart="never" nodeType="tmRoot"/>
+      </p:par>
+    </p:tnLst>
+  </p:timing>
+</p:sld>
+</file>
+
+<file path=ppt/slides/slide10.xml><?xml version="1.0" encoding="utf-8"?>
+<p:sld xmlns:a="http://schemas.openxmlformats.org/drawingml/2006/main" xmlns:r="http://schemas.openxmlformats.org/officeDocument/2006/relationships" xmlns:p="http://schemas.openxmlformats.org/presentationml/2006/main">
+  <p:cSld>
+    <p:spTree>
+      <p:nvGrpSpPr>
+        <p:cNvPr id="1" name=""/>
+        <p:cNvGrpSpPr/>
+        <p:nvPr/>
+      </p:nvGrpSpPr>
+      <p:grpSpPr>
+        <a:xfrm>
+          <a:off x="0" y="0"/>
+          <a:ext cx="0" cy="0"/>
+          <a:chOff x="0" y="0"/>
+          <a:chExt cx="0" cy="0"/>
+        </a:xfrm>
+      </p:grpSpPr>
+      <p:sp>
+        <p:nvSpPr>
+          <p:cNvPr id="2" name="Заголовок 1"/>
+          <p:cNvSpPr>
+            <a:spLocks noGrp="1"/>
+          </p:cNvSpPr>
+          <p:nvPr>
+            <p:ph type="title"/>
+          </p:nvPr>
+        </p:nvSpPr>
+        <p:spPr>
+          <a:xfrm>
+            <a:off x="838200" y="1"/>
+            <a:ext cx="10515600" cy="382833"/>
+          </a:xfrm>
+        </p:spPr>
+        <p:txBody>
+          <a:bodyPr>
+            <a:normAutofit fontScale="90000"/>
+          </a:bodyPr>
+          <a:lstStyle/>
+          <a:p>
+            <a:pPr algn="ctr"/>
+            <a:r>
+              <a:rPr lang="ru-RU" sz="2700" dirty="0" smtClean="0"/>
+              <a:t>Контекстная   диаграмма</a:t>
+            </a:r>
+            <a:endParaRPr lang="ru-RU" sz="2700" dirty="0"/>
+          </a:p>
+        </p:txBody>
+      </p:sp>
+      <p:sp>
+        <p:nvSpPr>
+          <p:cNvPr id="4" name="Номер слайда 3"/>
+          <p:cNvSpPr>
+            <a:spLocks noGrp="1"/>
+          </p:cNvSpPr>
+          <p:nvPr>
+            <p:ph type="sldNum" sz="quarter" idx="12"/>
+          </p:nvPr>
+        </p:nvSpPr>
+        <p:spPr/>
+        <p:txBody>
+          <a:bodyPr/>
+          <a:lstStyle/>
+          <a:p>
+            <a:fld id="{0D72A0D8-76E0-4793-925F-4BD98C697BFE}" type="slidenum">
+              <a:rPr lang="ru-RU" smtClean="0"/>
+              <a:t>10</a:t>
+            </a:fld>
+            <a:endParaRPr lang="ru-RU"/>
+          </a:p>
+        </p:txBody>
+      </p:sp>
+      <p:pic>
+        <p:nvPicPr>
+          <p:cNvPr id="6" name="Объект 5"/>
+          <p:cNvPicPr>
+            <a:picLocks noGrp="1" noChangeAspect="1"/>
+          </p:cNvPicPr>
+          <p:nvPr>
+            <p:ph idx="1"/>
+          </p:nvPr>
+        </p:nvPicPr>
+        <p:blipFill rotWithShape="1">
+          <a:blip r:embed="rId2">
+            <a:extLst>
+              <a:ext uri="{28A0092B-C50C-407E-A947-70E740481C1C}">
+                <a14:useLocalDpi xmlns:a14="http://schemas.microsoft.com/office/drawing/2010/main" val="0"/>
+              </a:ext>
+            </a:extLst>
+          </a:blip>
+          <a:srcRect l="1793" t="3122" r="1215" b="1660"/>
+          <a:stretch/>
+        </p:blipFill>
+        <p:spPr>
+          <a:xfrm>
+            <a:off x="1764792" y="566928"/>
+            <a:ext cx="8714232" cy="5614416"/>
+          </a:xfrm>
+          <a:prstGeom prst="rect">
+            <a:avLst/>
+          </a:prstGeom>
+        </p:spPr>
+      </p:pic>
+    </p:spTree>
+    <p:extLst>
+      <p:ext uri="{BB962C8B-B14F-4D97-AF65-F5344CB8AC3E}">
+        <p14:creationId xmlns:p14="http://schemas.microsoft.com/office/powerpoint/2010/main" val="837507680"/>
+      </p:ext>
+    </p:extLst>
+  </p:cSld>
+  <p:clrMapOvr>
+    <a:masterClrMapping/>
+  </p:clrMapOvr>
+  <p:timing>
+    <p:tnLst>
+      <p:par>
+        <p:cTn id="1" dur="indefinite" restart="never" nodeType="tmRoot"/>
+      </p:par>
+    </p:tnLst>
+  </p:timing>
+</p:sld>
+</file>
+
+<file path=ppt/slides/slide11.xml><?xml version="1.0" encoding="utf-8"?>
+<p:sld xmlns:a="http://schemas.openxmlformats.org/drawingml/2006/main" xmlns:r="http://schemas.openxmlformats.org/officeDocument/2006/relationships" xmlns:p="http://schemas.openxmlformats.org/presentationml/2006/main">
+  <p:cSld>
+    <p:spTree>
+      <p:nvGrpSpPr>
+        <p:cNvPr id="1" name=""/>
+        <p:cNvGrpSpPr/>
+        <p:nvPr/>
+      </p:nvGrpSpPr>
+      <p:grpSpPr>
+        <a:xfrm>
+          <a:off x="0" y="0"/>
+          <a:ext cx="0" cy="0"/>
+          <a:chOff x="0" y="0"/>
+          <a:chExt cx="0" cy="0"/>
+        </a:xfrm>
+      </p:grpSpPr>
+      <p:sp>
+        <p:nvSpPr>
+          <p:cNvPr id="2" name="Заголовок 1"/>
+          <p:cNvSpPr>
+            <a:spLocks noGrp="1"/>
+          </p:cNvSpPr>
+          <p:nvPr>
+            <p:ph type="title"/>
+          </p:nvPr>
+        </p:nvSpPr>
+        <p:spPr>
+          <a:xfrm>
+            <a:off x="838200" y="1"/>
+            <a:ext cx="10515600" cy="382833"/>
+          </a:xfrm>
+        </p:spPr>
+        <p:txBody>
+          <a:bodyPr>
+            <a:normAutofit fontScale="90000"/>
+          </a:bodyPr>
+          <a:lstStyle/>
+          <a:p>
+            <a:pPr algn="ctr"/>
+            <a:r>
+              <a:rPr lang="ru-RU" sz="2700" dirty="0" smtClean="0"/>
+              <a:t>Диаграмма декомпозиции</a:t>
+            </a:r>
+            <a:endParaRPr lang="ru-RU" sz="2700" dirty="0"/>
+          </a:p>
+        </p:txBody>
+      </p:sp>
+      <p:sp>
+        <p:nvSpPr>
+          <p:cNvPr id="4" name="Номер слайда 3"/>
+          <p:cNvSpPr>
+            <a:spLocks noGrp="1"/>
+          </p:cNvSpPr>
+          <p:nvPr>
+            <p:ph type="sldNum" sz="quarter" idx="12"/>
+          </p:nvPr>
+        </p:nvSpPr>
+        <p:spPr/>
+        <p:txBody>
+          <a:bodyPr/>
+          <a:lstStyle/>
+          <a:p>
+            <a:fld id="{0D72A0D8-76E0-4793-925F-4BD98C697BFE}" type="slidenum">
+              <a:rPr lang="ru-RU" smtClean="0"/>
+              <a:t>11</a:t>
+            </a:fld>
+            <a:endParaRPr lang="ru-RU"/>
+          </a:p>
+        </p:txBody>
+      </p:sp>
+      <p:pic>
+        <p:nvPicPr>
+          <p:cNvPr id="5" name="Объект 4"/>
+          <p:cNvPicPr>
+            <a:picLocks noGrp="1" noChangeAspect="1"/>
+          </p:cNvPicPr>
+          <p:nvPr>
+            <p:ph idx="1"/>
+          </p:nvPr>
+        </p:nvPicPr>
+        <p:blipFill>
+          <a:blip r:embed="rId2">
+            <a:extLst>
+              <a:ext uri="{28A0092B-C50C-407E-A947-70E740481C1C}">
+                <a14:useLocalDpi xmlns:a14="http://schemas.microsoft.com/office/drawing/2010/main" val="0"/>
+              </a:ext>
+            </a:extLst>
+          </a:blip>
+          <a:stretch>
+            <a:fillRect/>
+          </a:stretch>
+        </p:blipFill>
+        <p:spPr>
+          <a:xfrm>
+            <a:off x="2674481" y="382834"/>
+            <a:ext cx="6338295" cy="5899094"/>
+          </a:xfrm>
+        </p:spPr>
+      </p:pic>
+    </p:spTree>
+    <p:extLst>
+      <p:ext uri="{BB962C8B-B14F-4D97-AF65-F5344CB8AC3E}">
+        <p14:creationId xmlns:p14="http://schemas.microsoft.com/office/powerpoint/2010/main" val="4238312016"/>
+      </p:ext>
+    </p:extLst>
+  </p:cSld>
+  <p:clrMapOvr>
+    <a:masterClrMapping/>
+  </p:clrMapOvr>
+  <p:timing>
+    <p:tnLst>
+      <p:par>
+        <p:cTn id="1" dur="indefinite" restart="never" nodeType="tmRoot"/>
+      </p:par>
+    </p:tnLst>
+  </p:timing>
+</p:sld>
+</file>
+
+<file path=ppt/slides/slide12.xml><?xml version="1.0" encoding="utf-8"?>
+<p:sld xmlns:a="http://schemas.openxmlformats.org/drawingml/2006/main" xmlns:r="http://schemas.openxmlformats.org/officeDocument/2006/relationships" xmlns:p="http://schemas.openxmlformats.org/presentationml/2006/main">
+  <p:cSld>
+    <p:spTree>
+      <p:nvGrpSpPr>
+        <p:cNvPr id="1" name=""/>
+        <p:cNvGrpSpPr/>
+        <p:nvPr/>
+      </p:nvGrpSpPr>
+      <p:grpSpPr>
+        <a:xfrm>
+          <a:off x="0" y="0"/>
+          <a:ext cx="0" cy="0"/>
+          <a:chOff x="0" y="0"/>
+          <a:chExt cx="0" cy="0"/>
+        </a:xfrm>
+      </p:grpSpPr>
+      <p:sp>
+        <p:nvSpPr>
+          <p:cNvPr id="2" name="Заголовок 1"/>
+          <p:cNvSpPr>
+            <a:spLocks noGrp="1"/>
+          </p:cNvSpPr>
+          <p:nvPr>
+            <p:ph type="title"/>
+          </p:nvPr>
+        </p:nvSpPr>
+        <p:spPr/>
+        <p:txBody>
+          <a:bodyPr/>
+          <a:lstStyle/>
+          <a:p>
+            <a:pPr algn="ctr"/>
+            <a:r>
+              <a:rPr lang="ru-RU" dirty="0"/>
+              <a:t>Назначение и цели создания системы</a:t>
+            </a:r>
+            <a:endParaRPr lang="ru-RU" dirty="0"/>
+          </a:p>
+        </p:txBody>
+      </p:sp>
+      <p:sp>
+        <p:nvSpPr>
+          <p:cNvPr id="3" name="Объект 2"/>
+          <p:cNvSpPr>
+            <a:spLocks noGrp="1"/>
+          </p:cNvSpPr>
+          <p:nvPr>
+            <p:ph idx="1"/>
+          </p:nvPr>
+        </p:nvSpPr>
+        <p:spPr/>
+        <p:txBody>
+          <a:bodyPr>
+            <a:normAutofit/>
+          </a:bodyPr>
+          <a:lstStyle/>
+          <a:p>
+            <a:pPr lvl="0"/>
+            <a:r>
+              <a:rPr lang="ru-RU" sz="2100" b="1" dirty="0"/>
+              <a:t>Данная система предназначена для реализации возможности автоматизации бизнес-процессов торгового </a:t>
+            </a:r>
+            <a:r>
+              <a:rPr lang="ru-RU" sz="2100" b="1" dirty="0" smtClean="0"/>
+              <a:t>предприятия, среди которых:</a:t>
+            </a:r>
+          </a:p>
+          <a:p>
+            <a:pPr>
+              <a:buFont typeface="Wingdings" panose="05000000000000000000" pitchFamily="2" charset="2"/>
+              <a:buChar char="ü"/>
+            </a:pPr>
+            <a:r>
+              <a:rPr lang="ru-RU" sz="1800" dirty="0"/>
+              <a:t>возможность регистрации клиента в системе и </a:t>
+            </a:r>
+            <a:r>
+              <a:rPr lang="ru-RU" sz="1800" dirty="0" smtClean="0"/>
+              <a:t>сохранение </a:t>
+            </a:r>
+            <a:r>
+              <a:rPr lang="ru-RU" sz="1800" dirty="0"/>
+              <a:t>данных его профиля в </a:t>
+            </a:r>
+            <a:r>
+              <a:rPr lang="ru-RU" sz="1800" dirty="0" smtClean="0"/>
+              <a:t>базу данных</a:t>
+            </a:r>
+            <a:endParaRPr lang="ru-RU" sz="1800" dirty="0"/>
+          </a:p>
+          <a:p>
+            <a:pPr>
+              <a:buFont typeface="Wingdings" panose="05000000000000000000" pitchFamily="2" charset="2"/>
+              <a:buChar char="ü"/>
+            </a:pPr>
+            <a:r>
+              <a:rPr lang="ru-RU" sz="1800" dirty="0"/>
+              <a:t>возможность оформления клиентом заказов и отслеживание заказанных товаров с помощью клиентского функционала </a:t>
+            </a:r>
+            <a:r>
+              <a:rPr lang="en-US" sz="1800" dirty="0"/>
+              <a:t>web</a:t>
+            </a:r>
+            <a:r>
+              <a:rPr lang="ru-RU" sz="1800" dirty="0"/>
+              <a:t>-приложения</a:t>
+            </a:r>
+            <a:endParaRPr lang="ru-RU" sz="1800" dirty="0"/>
+          </a:p>
+          <a:p>
+            <a:pPr>
+              <a:buFont typeface="Wingdings" panose="05000000000000000000" pitchFamily="2" charset="2"/>
+              <a:buChar char="ü"/>
+            </a:pPr>
+            <a:r>
+              <a:rPr lang="ru-RU" sz="1800" dirty="0"/>
+              <a:t>возможность автоматизированного администрирования системы (добавление товаров, удаление товаров, изменение цен товаров и т.д.)</a:t>
+            </a:r>
+          </a:p>
+          <a:p>
+            <a:pPr lvl="0"/>
+            <a:r>
+              <a:rPr lang="ru-RU" sz="2100" b="1" dirty="0"/>
+              <a:t>Цели создания системы</a:t>
+            </a:r>
+            <a:r>
+              <a:rPr lang="ru-RU" sz="2100" b="1" dirty="0" smtClean="0"/>
+              <a:t>:</a:t>
+            </a:r>
+            <a:endParaRPr lang="ru-RU" sz="2100" b="1" dirty="0"/>
+          </a:p>
+          <a:p>
+            <a:pPr>
+              <a:buFont typeface="Wingdings" panose="05000000000000000000" pitchFamily="2" charset="2"/>
+              <a:buChar char="ü"/>
+            </a:pPr>
+            <a:r>
+              <a:rPr lang="ru-RU" sz="1800" dirty="0"/>
+              <a:t> </a:t>
+            </a:r>
+            <a:r>
+              <a:rPr lang="ru-RU" sz="1800" dirty="0"/>
+              <a:t>п</a:t>
+            </a:r>
+            <a:r>
+              <a:rPr lang="ru-RU" sz="1800" dirty="0" smtClean="0"/>
+              <a:t>овышение </a:t>
+            </a:r>
+            <a:r>
+              <a:rPr lang="ru-RU" sz="1800" dirty="0"/>
+              <a:t>удобства облуживание клиентов заказчика</a:t>
+            </a:r>
+            <a:endParaRPr lang="ru-RU" sz="1800" dirty="0"/>
+          </a:p>
+          <a:p>
+            <a:pPr>
+              <a:buFont typeface="Wingdings" panose="05000000000000000000" pitchFamily="2" charset="2"/>
+              <a:buChar char="ü"/>
+            </a:pPr>
+            <a:r>
+              <a:rPr lang="ru-RU" sz="1800" dirty="0"/>
+              <a:t> </a:t>
+            </a:r>
+            <a:r>
+              <a:rPr lang="ru-RU" sz="1800" dirty="0"/>
+              <a:t>п</a:t>
+            </a:r>
+            <a:r>
+              <a:rPr lang="ru-RU" sz="1800" dirty="0" smtClean="0"/>
+              <a:t>овышение </a:t>
+            </a:r>
+            <a:r>
+              <a:rPr lang="ru-RU" sz="1800" dirty="0"/>
+              <a:t>экономической эффективности работы путем </a:t>
+            </a:r>
+            <a:r>
+              <a:rPr lang="ru-RU" sz="1800" dirty="0" smtClean="0"/>
+              <a:t>автоматизации   процессов </a:t>
+            </a:r>
+            <a:r>
+              <a:rPr lang="ru-RU" sz="1800" dirty="0"/>
+              <a:t>сбора и хранения информации о текущих заказах</a:t>
+            </a:r>
+            <a:endParaRPr lang="ru-RU" sz="1800" dirty="0"/>
+          </a:p>
+          <a:p>
+            <a:pPr>
+              <a:buFont typeface="Wingdings" panose="05000000000000000000" pitchFamily="2" charset="2"/>
+              <a:buChar char="ü"/>
+            </a:pPr>
+            <a:r>
+              <a:rPr lang="ru-RU" sz="1800" dirty="0"/>
+              <a:t> </a:t>
+            </a:r>
+            <a:r>
+              <a:rPr lang="ru-RU" sz="1800" dirty="0" smtClean="0"/>
+              <a:t>мониторинг </a:t>
+            </a:r>
+            <a:r>
+              <a:rPr lang="ru-RU" sz="1800" dirty="0"/>
+              <a:t>текущего состояния хранилища доступных товаров</a:t>
+            </a:r>
+            <a:endParaRPr lang="ru-RU" sz="1800" dirty="0"/>
+          </a:p>
+          <a:p>
+            <a:endParaRPr lang="ru-RU" dirty="0"/>
+          </a:p>
+        </p:txBody>
+      </p:sp>
+      <p:sp>
+        <p:nvSpPr>
+          <p:cNvPr id="4" name="Номер слайда 3"/>
+          <p:cNvSpPr>
+            <a:spLocks noGrp="1"/>
+          </p:cNvSpPr>
+          <p:nvPr>
+            <p:ph type="sldNum" sz="quarter" idx="12"/>
+          </p:nvPr>
+        </p:nvSpPr>
+        <p:spPr/>
+        <p:txBody>
+          <a:bodyPr/>
+          <a:lstStyle/>
+          <a:p>
+            <a:fld id="{0D72A0D8-76E0-4793-925F-4BD98C697BFE}" type="slidenum">
+              <a:rPr lang="ru-RU" smtClean="0"/>
+              <a:t>12</a:t>
+            </a:fld>
+            <a:endParaRPr lang="ru-RU"/>
+          </a:p>
+        </p:txBody>
+      </p:sp>
+    </p:spTree>
+    <p:extLst>
+      <p:ext uri="{BB962C8B-B14F-4D97-AF65-F5344CB8AC3E}">
+        <p14:creationId xmlns:p14="http://schemas.microsoft.com/office/powerpoint/2010/main" val="1814482701"/>
+      </p:ext>
+    </p:extLst>
+  </p:cSld>
+  <p:clrMapOvr>
+    <a:masterClrMapping/>
+  </p:clrMapOvr>
+  <p:timing>
+    <p:tnLst>
+      <p:par>
+        <p:cTn id="1" dur="indefinite" restart="never" nodeType="tmRoot"/>
+      </p:par>
+    </p:tnLst>
+  </p:timing>
+</p:sld>
+</file>
+
+<file path=ppt/slides/slide13.xml><?xml version="1.0" encoding="utf-8"?>
+<p:sld xmlns:a="http://schemas.openxmlformats.org/drawingml/2006/main" xmlns:r="http://schemas.openxmlformats.org/officeDocument/2006/relationships" xmlns:p="http://schemas.openxmlformats.org/presentationml/2006/main">
+  <p:cSld>
+    <p:spTree>
+      <p:nvGrpSpPr>
+        <p:cNvPr id="1" name=""/>
+        <p:cNvGrpSpPr/>
+        <p:nvPr/>
+      </p:nvGrpSpPr>
+      <p:grpSpPr>
+        <a:xfrm>
+          <a:off x="0" y="0"/>
+          <a:ext cx="0" cy="0"/>
+          <a:chOff x="0" y="0"/>
+          <a:chExt cx="0" cy="0"/>
+        </a:xfrm>
+      </p:grpSpPr>
+      <p:sp>
+        <p:nvSpPr>
+          <p:cNvPr id="2" name="Заголовок 1"/>
+          <p:cNvSpPr>
+            <a:spLocks noGrp="1"/>
+          </p:cNvSpPr>
+          <p:nvPr>
+            <p:ph type="title"/>
+          </p:nvPr>
+        </p:nvSpPr>
+        <p:spPr/>
+        <p:txBody>
+          <a:bodyPr/>
+          <a:lstStyle/>
+          <a:p>
+            <a:pPr algn="ctr"/>
+            <a:r>
+              <a:rPr lang="ru-RU" dirty="0" smtClean="0"/>
+              <a:t>Требования к системе</a:t>
+            </a:r>
+            <a:endParaRPr lang="ru-RU" dirty="0"/>
+          </a:p>
+        </p:txBody>
+      </p:sp>
+      <p:sp>
+        <p:nvSpPr>
+          <p:cNvPr id="3" name="Объект 2"/>
+          <p:cNvSpPr>
+            <a:spLocks noGrp="1"/>
+          </p:cNvSpPr>
+          <p:nvPr>
+            <p:ph idx="1"/>
+          </p:nvPr>
+        </p:nvSpPr>
+        <p:spPr/>
+        <p:txBody>
+          <a:bodyPr>
+            <a:normAutofit fontScale="70000" lnSpcReduction="20000"/>
+          </a:bodyPr>
+          <a:lstStyle/>
+          <a:p>
+            <a:pPr marL="0" indent="0" algn="just">
+              <a:lnSpc>
+                <a:spcPct val="160000"/>
+              </a:lnSpc>
+              <a:spcBef>
+                <a:spcPts val="0"/>
+              </a:spcBef>
+              <a:buNone/>
+            </a:pPr>
+            <a:r>
+              <a:rPr lang="ru-RU" sz="2600" dirty="0"/>
+              <a:t>Система должна быть централизованной, т.е. все данные должны располагаться в центральном хранилище. Система должна иметь трехуровневую архитектуру: уровень пользовательского интерфейса, уровень серверной бизнес-логики, уровень базы данных. В системе предлагается выделить следующие функциональные подсистемы: </a:t>
+            </a:r>
+          </a:p>
+          <a:p>
+            <a:pPr algn="just">
+              <a:lnSpc>
+                <a:spcPct val="160000"/>
+              </a:lnSpc>
+              <a:spcBef>
+                <a:spcPts val="0"/>
+              </a:spcBef>
+            </a:pPr>
+            <a:r>
+              <a:rPr lang="ru-RU" sz="2600" dirty="0"/>
+              <a:t>подсистема </a:t>
+            </a:r>
+            <a:r>
+              <a:rPr lang="ru-RU" sz="2600" dirty="0"/>
+              <a:t>сбора, обработки и загрузки данных, которая предназначена для реализации процессов сбора данных из систем источников, приведения указанных данных к виду, необходимому для наполнения подсистемы хранения </a:t>
+            </a:r>
+            <a:r>
+              <a:rPr lang="ru-RU" sz="2600" dirty="0"/>
+              <a:t>данных</a:t>
+            </a:r>
+            <a:endParaRPr lang="ru-RU" sz="2600" dirty="0"/>
+          </a:p>
+          <a:p>
+            <a:pPr algn="just">
+              <a:lnSpc>
+                <a:spcPct val="160000"/>
+              </a:lnSpc>
+              <a:spcBef>
+                <a:spcPts val="0"/>
+              </a:spcBef>
+            </a:pPr>
+            <a:r>
+              <a:rPr lang="ru-RU" sz="2600" dirty="0"/>
+              <a:t>подсистема </a:t>
+            </a:r>
+            <a:r>
+              <a:rPr lang="ru-RU" sz="2600" dirty="0"/>
+              <a:t>хранения данных, которая предназначена для хранения данных в структурах в виде реляционных </a:t>
+            </a:r>
+            <a:r>
+              <a:rPr lang="ru-RU" sz="2600" dirty="0"/>
+              <a:t>моделей</a:t>
+            </a:r>
+            <a:endParaRPr lang="ru-RU" sz="2600" dirty="0"/>
+          </a:p>
+          <a:p>
+            <a:pPr algn="just">
+              <a:lnSpc>
+                <a:spcPct val="160000"/>
+              </a:lnSpc>
+              <a:spcBef>
+                <a:spcPts val="0"/>
+              </a:spcBef>
+            </a:pPr>
+            <a:r>
+              <a:rPr lang="ru-RU" sz="2600" dirty="0"/>
+              <a:t>подсистема </a:t>
+            </a:r>
+            <a:r>
+              <a:rPr lang="ru-RU" sz="2600" dirty="0"/>
+              <a:t>формирования и визуализации данных и текущего состояния системы в </a:t>
+            </a:r>
+            <a:r>
+              <a:rPr lang="en-US" sz="2600" dirty="0"/>
+              <a:t>web</a:t>
+            </a:r>
+            <a:r>
+              <a:rPr lang="ru-RU" sz="2600" dirty="0"/>
+              <a:t>-интерфейсе</a:t>
+            </a:r>
+            <a:endParaRPr lang="ru-RU" sz="2600" dirty="0"/>
+          </a:p>
+          <a:p>
+            <a:endParaRPr lang="ru-RU" dirty="0"/>
+          </a:p>
+        </p:txBody>
+      </p:sp>
+      <p:sp>
+        <p:nvSpPr>
+          <p:cNvPr id="4" name="Номер слайда 3"/>
+          <p:cNvSpPr>
+            <a:spLocks noGrp="1"/>
+          </p:cNvSpPr>
+          <p:nvPr>
+            <p:ph type="sldNum" sz="quarter" idx="12"/>
+          </p:nvPr>
+        </p:nvSpPr>
+        <p:spPr/>
+        <p:txBody>
+          <a:bodyPr/>
+          <a:lstStyle/>
+          <a:p>
+            <a:fld id="{0D72A0D8-76E0-4793-925F-4BD98C697BFE}" type="slidenum">
+              <a:rPr lang="ru-RU" smtClean="0"/>
+              <a:t>13</a:t>
+            </a:fld>
+            <a:endParaRPr lang="ru-RU"/>
+          </a:p>
+        </p:txBody>
+      </p:sp>
+    </p:spTree>
+    <p:extLst>
+      <p:ext uri="{BB962C8B-B14F-4D97-AF65-F5344CB8AC3E}">
+        <p14:creationId xmlns:p14="http://schemas.microsoft.com/office/powerpoint/2010/main" val="2836442286"/>
+      </p:ext>
+    </p:extLst>
+  </p:cSld>
+  <p:clrMapOvr>
+    <a:masterClrMapping/>
+  </p:clrMapOvr>
+  <p:timing>
+    <p:tnLst>
+      <p:par>
+        <p:cTn id="1" dur="indefinite" restart="never" nodeType="tmRoot"/>
+      </p:par>
+    </p:tnLst>
+  </p:timing>
+</p:sld>
+</file>
+
+<file path=ppt/slides/slide14.xml><?xml version="1.0" encoding="utf-8"?>
+<p:sld xmlns:a="http://schemas.openxmlformats.org/drawingml/2006/main" xmlns:r="http://schemas.openxmlformats.org/officeDocument/2006/relationships" xmlns:p="http://schemas.openxmlformats.org/presentationml/2006/main">
+  <p:cSld>
+    <p:spTree>
+      <p:nvGrpSpPr>
+        <p:cNvPr id="1" name=""/>
+        <p:cNvGrpSpPr/>
+        <p:nvPr/>
+      </p:nvGrpSpPr>
+      <p:grpSpPr>
+        <a:xfrm>
+          <a:off x="0" y="0"/>
+          <a:ext cx="0" cy="0"/>
+          <a:chOff x="0" y="0"/>
+          <a:chExt cx="0" cy="0"/>
+        </a:xfrm>
+      </p:grpSpPr>
+      <p:sp>
+        <p:nvSpPr>
+          <p:cNvPr id="2" name="Заголовок 1"/>
+          <p:cNvSpPr>
+            <a:spLocks noGrp="1"/>
+          </p:cNvSpPr>
+          <p:nvPr>
+            <p:ph type="title"/>
+          </p:nvPr>
+        </p:nvSpPr>
+        <p:spPr/>
+        <p:txBody>
+          <a:bodyPr/>
+          <a:lstStyle/>
+          <a:p>
+            <a:pPr algn="ctr"/>
+            <a:r>
+              <a:rPr lang="ru-RU" dirty="0"/>
+              <a:t>Разработка</a:t>
+            </a:r>
+            <a:endParaRPr lang="ru-RU" dirty="0"/>
+          </a:p>
+        </p:txBody>
+      </p:sp>
+      <p:sp>
+        <p:nvSpPr>
+          <p:cNvPr id="3" name="Объект 2"/>
+          <p:cNvSpPr>
+            <a:spLocks noGrp="1"/>
+          </p:cNvSpPr>
+          <p:nvPr>
+            <p:ph idx="1"/>
+          </p:nvPr>
+        </p:nvSpPr>
+        <p:spPr/>
+        <p:txBody>
+          <a:bodyPr/>
+          <a:lstStyle/>
+          <a:p>
+            <a:pPr marL="0" indent="0" algn="just">
+              <a:lnSpc>
+                <a:spcPct val="150000"/>
+              </a:lnSpc>
+              <a:spcBef>
+                <a:spcPts val="0"/>
+              </a:spcBef>
+              <a:buNone/>
+            </a:pPr>
+            <a:r>
+              <a:rPr lang="ru-RU" sz="2400" dirty="0"/>
+              <a:t>Следующие слайды описывают </a:t>
+            </a:r>
+            <a:r>
+              <a:rPr lang="ru-RU" sz="2400" dirty="0"/>
+              <a:t>разработку клиентской части приложения с использованием библиотек </a:t>
+            </a:r>
+            <a:r>
+              <a:rPr lang="en-US" sz="2400" dirty="0"/>
+              <a:t>React </a:t>
+            </a:r>
+            <a:r>
+              <a:rPr lang="ru-RU" sz="2400" dirty="0"/>
+              <a:t>и </a:t>
+            </a:r>
+            <a:r>
+              <a:rPr lang="en-US" sz="2400" dirty="0"/>
+              <a:t>Redux</a:t>
+            </a:r>
+            <a:r>
+              <a:rPr lang="ru-RU" sz="2400" dirty="0"/>
+              <a:t>, </a:t>
+            </a:r>
+            <a:r>
+              <a:rPr lang="ru-RU" sz="2400" dirty="0"/>
+              <a:t>серверной части </a:t>
+            </a:r>
+            <a:r>
+              <a:rPr lang="ru-RU" sz="2400" dirty="0"/>
+              <a:t>приложени</a:t>
+            </a:r>
+            <a:r>
+              <a:rPr lang="ru-RU" sz="2400" dirty="0"/>
+              <a:t>я</a:t>
+            </a:r>
+            <a:r>
+              <a:rPr lang="ru-RU" sz="2400" dirty="0"/>
+              <a:t> </a:t>
+            </a:r>
+            <a:r>
+              <a:rPr lang="ru-RU" sz="2400" dirty="0"/>
+              <a:t>с использованием фреймворков </a:t>
+            </a:r>
+            <a:r>
+              <a:rPr lang="en-US" sz="2400" dirty="0"/>
+              <a:t>NodeJS</a:t>
+            </a:r>
+            <a:r>
+              <a:rPr lang="ru-RU" sz="2400" dirty="0"/>
+              <a:t> и </a:t>
+            </a:r>
+            <a:r>
+              <a:rPr lang="en-US" sz="2400" dirty="0"/>
+              <a:t>Sequelize</a:t>
+            </a:r>
+            <a:r>
+              <a:rPr lang="ru-RU" sz="2400" dirty="0"/>
+              <a:t>, библиотек </a:t>
+            </a:r>
+            <a:r>
+              <a:rPr lang="en-US" sz="2400" dirty="0"/>
+              <a:t>Koa</a:t>
+            </a:r>
+            <a:r>
+              <a:rPr lang="ru-RU" sz="2400" dirty="0"/>
+              <a:t>2, </a:t>
+            </a:r>
+            <a:r>
+              <a:rPr lang="en-US" sz="2400" dirty="0"/>
+              <a:t>Koa</a:t>
+            </a:r>
+            <a:r>
+              <a:rPr lang="ru-RU" sz="2400" dirty="0"/>
+              <a:t>2-</a:t>
+            </a:r>
+            <a:r>
+              <a:rPr lang="en-US" sz="2400" dirty="0"/>
+              <a:t>Router</a:t>
+            </a:r>
+            <a:r>
+              <a:rPr lang="ru-RU" sz="2400" dirty="0"/>
+              <a:t>, систем</a:t>
+            </a:r>
+            <a:r>
+              <a:rPr lang="ru-RU" sz="2400" dirty="0"/>
+              <a:t>ы</a:t>
+            </a:r>
+            <a:r>
+              <a:rPr lang="ru-RU" sz="2400" dirty="0"/>
+              <a:t> управления базами </a:t>
+            </a:r>
+            <a:r>
+              <a:rPr lang="ru-RU" sz="2400" dirty="0"/>
+              <a:t>данных </a:t>
+            </a:r>
+            <a:r>
+              <a:rPr lang="ru-RU" sz="2400" dirty="0"/>
+              <a:t>PostgreSQL </a:t>
+            </a:r>
+            <a:r>
+              <a:rPr lang="en-US" sz="2400" dirty="0"/>
+              <a:t> 11</a:t>
+            </a:r>
+            <a:r>
+              <a:rPr lang="ru-RU" sz="2400" dirty="0"/>
+              <a:t>, </a:t>
+            </a:r>
+            <a:r>
+              <a:rPr lang="ru-RU" sz="2400" dirty="0"/>
+              <a:t>а также  алгоритмы работы </a:t>
+            </a:r>
+            <a:r>
+              <a:rPr lang="ru-RU" sz="2400" dirty="0"/>
+              <a:t>приложения</a:t>
+            </a:r>
+            <a:r>
+              <a:rPr lang="ru-RU" dirty="0" smtClean="0"/>
+              <a:t>.</a:t>
+            </a:r>
+            <a:endParaRPr lang="ru-RU" dirty="0"/>
+          </a:p>
+        </p:txBody>
+      </p:sp>
+      <p:sp>
+        <p:nvSpPr>
+          <p:cNvPr id="4" name="Номер слайда 3"/>
+          <p:cNvSpPr>
+            <a:spLocks noGrp="1"/>
+          </p:cNvSpPr>
+          <p:nvPr>
+            <p:ph type="sldNum" sz="quarter" idx="12"/>
+          </p:nvPr>
+        </p:nvSpPr>
+        <p:spPr/>
+        <p:txBody>
+          <a:bodyPr/>
+          <a:lstStyle/>
+          <a:p>
+            <a:fld id="{0D72A0D8-76E0-4793-925F-4BD98C697BFE}" type="slidenum">
+              <a:rPr lang="ru-RU" smtClean="0"/>
+              <a:t>14</a:t>
+            </a:fld>
+            <a:endParaRPr lang="ru-RU"/>
+          </a:p>
+        </p:txBody>
+      </p:sp>
+    </p:spTree>
+    <p:extLst>
+      <p:ext uri="{BB962C8B-B14F-4D97-AF65-F5344CB8AC3E}">
+        <p14:creationId xmlns:p14="http://schemas.microsoft.com/office/powerpoint/2010/main" val="476207300"/>
+      </p:ext>
+    </p:extLst>
+  </p:cSld>
+  <p:clrMapOvr>
+    <a:masterClrMapping/>
+  </p:clrMapOvr>
+  <p:timing>
+    <p:tnLst>
+      <p:par>
+        <p:cTn id="1" dur="indefinite" restart="never" nodeType="tmRoot"/>
+      </p:par>
+    </p:tnLst>
+  </p:timing>
+</p:sld>
+</file>
+
+<file path=ppt/slides/slide15.xml><?xml version="1.0" encoding="utf-8"?>
+<p:sld xmlns:a="http://schemas.openxmlformats.org/drawingml/2006/main" xmlns:r="http://schemas.openxmlformats.org/officeDocument/2006/relationships" xmlns:p="http://schemas.openxmlformats.org/presentationml/2006/main">
+  <p:cSld>
+    <p:spTree>
+      <p:nvGrpSpPr>
+        <p:cNvPr id="1" name=""/>
+        <p:cNvGrpSpPr/>
+        <p:nvPr/>
+      </p:nvGrpSpPr>
+      <p:grpSpPr>
+        <a:xfrm>
+          <a:off x="0" y="0"/>
+          <a:ext cx="0" cy="0"/>
+          <a:chOff x="0" y="0"/>
+          <a:chExt cx="0" cy="0"/>
+        </a:xfrm>
+      </p:grpSpPr>
+      <p:sp>
+        <p:nvSpPr>
+          <p:cNvPr id="2" name="Заголовок 1"/>
+          <p:cNvSpPr>
+            <a:spLocks noGrp="1"/>
+          </p:cNvSpPr>
+          <p:nvPr>
+            <p:ph type="title"/>
+          </p:nvPr>
+        </p:nvSpPr>
+        <p:spPr>
+          <a:xfrm>
+            <a:off x="838200" y="164593"/>
+            <a:ext cx="10515600" cy="667511"/>
+          </a:xfrm>
+        </p:spPr>
+        <p:txBody>
+          <a:bodyPr>
+            <a:normAutofit fontScale="90000"/>
+          </a:bodyPr>
+          <a:lstStyle/>
+          <a:p>
+            <a:pPr algn="ctr"/>
+            <a:r>
+              <a:rPr lang="ru-RU" dirty="0"/>
+              <a:t>Система управления базами данных</a:t>
+            </a:r>
+            <a:endParaRPr lang="ru-RU" dirty="0"/>
+          </a:p>
+        </p:txBody>
+      </p:sp>
+      <p:sp>
+        <p:nvSpPr>
+          <p:cNvPr id="3" name="Объект 2"/>
+          <p:cNvSpPr>
+            <a:spLocks noGrp="1"/>
+          </p:cNvSpPr>
+          <p:nvPr>
+            <p:ph idx="1"/>
+          </p:nvPr>
+        </p:nvSpPr>
+        <p:spPr>
+          <a:xfrm>
+            <a:off x="838200" y="832104"/>
+            <a:ext cx="10515600" cy="5344860"/>
+          </a:xfrm>
+        </p:spPr>
+        <p:txBody>
+          <a:bodyPr>
+            <a:normAutofit/>
+          </a:bodyPr>
+          <a:lstStyle/>
+          <a:p>
+            <a:pPr marL="0" indent="0">
+              <a:buNone/>
+            </a:pPr>
+            <a:r>
+              <a:rPr lang="ru-RU" sz="2400" dirty="0"/>
+              <a:t>Для функционирования автоматизированной системы требуется система управление базами данных - СУБД. В качестве целевой платформа для хранения и управления данными была выбрана свободная объектно-реляционная система управления базами данных – PostgreSQL. PostgreSQL базируется на языке SQL и поддерживает многие из возможностей стандарта SQL:2011. </a:t>
+            </a:r>
+            <a:r>
+              <a:rPr lang="ru-RU" sz="2400" dirty="0"/>
+              <a:t>В PostgreSQL версии 11 есть </a:t>
+            </a:r>
+            <a:r>
+              <a:rPr lang="ru-RU" sz="2400" dirty="0" smtClean="0"/>
+              <a:t>следующие </a:t>
+            </a:r>
+            <a:r>
+              <a:rPr lang="ru-RU" sz="2400" dirty="0"/>
+              <a:t>ограничения </a:t>
+            </a:r>
+            <a:r>
+              <a:rPr lang="ru-RU" sz="2400" dirty="0"/>
+              <a:t>:</a:t>
+            </a:r>
+            <a:endParaRPr lang="ru-RU" sz="2400" dirty="0"/>
+          </a:p>
+        </p:txBody>
+      </p:sp>
+      <p:sp>
+        <p:nvSpPr>
+          <p:cNvPr id="4" name="Номер слайда 3"/>
+          <p:cNvSpPr>
+            <a:spLocks noGrp="1"/>
+          </p:cNvSpPr>
+          <p:nvPr>
+            <p:ph type="sldNum" sz="quarter" idx="12"/>
+          </p:nvPr>
+        </p:nvSpPr>
+        <p:spPr/>
+        <p:txBody>
+          <a:bodyPr/>
+          <a:lstStyle/>
+          <a:p>
+            <a:fld id="{0D72A0D8-76E0-4793-925F-4BD98C697BFE}" type="slidenum">
+              <a:rPr lang="ru-RU" smtClean="0"/>
+              <a:t>15</a:t>
+            </a:fld>
+            <a:endParaRPr lang="ru-RU" dirty="0"/>
+          </a:p>
+        </p:txBody>
+      </p:sp>
+      <p:pic>
+        <p:nvPicPr>
+          <p:cNvPr id="6" name="Рисунок 5"/>
+          <p:cNvPicPr>
+            <a:picLocks noChangeAspect="1"/>
+          </p:cNvPicPr>
+          <p:nvPr/>
+        </p:nvPicPr>
+        <p:blipFill>
+          <a:blip r:embed="rId2"/>
+          <a:stretch>
+            <a:fillRect/>
+          </a:stretch>
+        </p:blipFill>
+        <p:spPr>
+          <a:xfrm>
+            <a:off x="2511171" y="3138489"/>
+            <a:ext cx="7334250" cy="3038475"/>
+          </a:xfrm>
+          <a:prstGeom prst="rect">
+            <a:avLst/>
+          </a:prstGeom>
+        </p:spPr>
+      </p:pic>
+    </p:spTree>
+    <p:extLst>
+      <p:ext uri="{BB962C8B-B14F-4D97-AF65-F5344CB8AC3E}">
+        <p14:creationId xmlns:p14="http://schemas.microsoft.com/office/powerpoint/2010/main" val="2348539496"/>
+      </p:ext>
+    </p:extLst>
+  </p:cSld>
+  <p:clrMapOvr>
+    <a:masterClrMapping/>
+  </p:clrMapOvr>
+  <p:timing>
+    <p:tnLst>
+      <p:par>
+        <p:cTn id="1" dur="indefinite" restart="never" nodeType="tmRoot"/>
+      </p:par>
+    </p:tnLst>
+  </p:timing>
+</p:sld>
+</file>
+
+<file path=ppt/slides/slide16.xml><?xml version="1.0" encoding="utf-8"?>
+<p:sld xmlns:a="http://schemas.openxmlformats.org/drawingml/2006/main" xmlns:r="http://schemas.openxmlformats.org/officeDocument/2006/relationships" xmlns:p="http://schemas.openxmlformats.org/presentationml/2006/main">
+  <p:cSld>
+    <p:spTree>
+      <p:nvGrpSpPr>
+        <p:cNvPr id="1" name=""/>
+        <p:cNvGrpSpPr/>
+        <p:nvPr/>
+      </p:nvGrpSpPr>
+      <p:grpSpPr>
+        <a:xfrm>
+          <a:off x="0" y="0"/>
+          <a:ext cx="0" cy="0"/>
+          <a:chOff x="0" y="0"/>
+          <a:chExt cx="0" cy="0"/>
+        </a:xfrm>
+      </p:grpSpPr>
+      <p:sp>
+        <p:nvSpPr>
+          <p:cNvPr id="2" name="Заголовок 1"/>
+          <p:cNvSpPr>
+            <a:spLocks noGrp="1"/>
+          </p:cNvSpPr>
+          <p:nvPr>
+            <p:ph type="title"/>
+          </p:nvPr>
+        </p:nvSpPr>
+        <p:spPr>
+          <a:xfrm>
+            <a:off x="838200" y="1"/>
+            <a:ext cx="10515600" cy="382833"/>
+          </a:xfrm>
+        </p:spPr>
+        <p:txBody>
+          <a:bodyPr>
+            <a:normAutofit fontScale="90000"/>
+          </a:bodyPr>
+          <a:lstStyle/>
+          <a:p>
+            <a:pPr algn="ctr"/>
+            <a:r>
+              <a:rPr lang="ru-RU" sz="2700" dirty="0" smtClean="0"/>
+              <a:t>Структура таблиц базы данных</a:t>
+            </a:r>
+            <a:endParaRPr lang="ru-RU" sz="2700" dirty="0"/>
+          </a:p>
+        </p:txBody>
+      </p:sp>
+      <p:sp>
+        <p:nvSpPr>
+          <p:cNvPr id="4" name="Номер слайда 3"/>
+          <p:cNvSpPr>
+            <a:spLocks noGrp="1"/>
+          </p:cNvSpPr>
+          <p:nvPr>
+            <p:ph type="sldNum" sz="quarter" idx="12"/>
+          </p:nvPr>
+        </p:nvSpPr>
+        <p:spPr/>
+        <p:txBody>
+          <a:bodyPr/>
+          <a:lstStyle/>
+          <a:p>
+            <a:fld id="{0D72A0D8-76E0-4793-925F-4BD98C697BFE}" type="slidenum">
+              <a:rPr lang="ru-RU" smtClean="0"/>
+              <a:t>16</a:t>
+            </a:fld>
+            <a:endParaRPr lang="ru-RU"/>
+          </a:p>
+        </p:txBody>
+      </p:sp>
+      <p:pic>
+        <p:nvPicPr>
+          <p:cNvPr id="2051" name="Рисунок 1"/>
+          <p:cNvPicPr>
+            <a:picLocks noChangeAspect="1" noChangeArrowheads="1"/>
+          </p:cNvPicPr>
+          <p:nvPr/>
+        </p:nvPicPr>
+        <p:blipFill>
+          <a:blip r:embed="rId2">
+            <a:extLst>
+              <a:ext uri="{28A0092B-C50C-407E-A947-70E740481C1C}">
+                <a14:useLocalDpi xmlns:a14="http://schemas.microsoft.com/office/drawing/2010/main" val="0"/>
+              </a:ext>
+            </a:extLst>
+          </a:blip>
+          <a:srcRect l="7339" r="7352" b="7558"/>
+          <a:stretch>
+            <a:fillRect/>
+          </a:stretch>
+        </p:blipFill>
+        <p:spPr bwMode="auto">
+          <a:xfrm>
+            <a:off x="1239319" y="365760"/>
+            <a:ext cx="9713361" cy="5990590"/>
+          </a:xfrm>
+          <a:prstGeom prst="rect">
+            <a:avLst/>
+          </a:prstGeom>
+          <a:noFill/>
+          <a:ln>
+            <a:noFill/>
+          </a:ln>
+          <a:extLst>
+            <a:ext uri="{909E8E84-426E-40DD-AFC4-6F175D3DCCD1}">
+              <a14:hiddenFill xmlns:a14="http://schemas.microsoft.com/office/drawing/2010/main">
+                <a:solidFill>
+                  <a:srgbClr val="FFFFFF"/>
+                </a:solidFill>
+              </a14:hiddenFill>
+            </a:ext>
+            <a:ext uri="{91240B29-F687-4F45-9708-019B960494DF}">
+              <a14:hiddenLine xmlns:a14="http://schemas.microsoft.com/office/drawing/2010/main" w="9525">
+                <a:solidFill>
+                  <a:srgbClr val="000000"/>
+                </a:solidFill>
+                <a:miter lim="800000"/>
+                <a:headEnd/>
+                <a:tailEnd/>
+              </a14:hiddenLine>
+            </a:ext>
+          </a:extLst>
+        </p:spPr>
+      </p:pic>
+    </p:spTree>
+    <p:extLst>
+      <p:ext uri="{BB962C8B-B14F-4D97-AF65-F5344CB8AC3E}">
+        <p14:creationId xmlns:p14="http://schemas.microsoft.com/office/powerpoint/2010/main" val="2438257607"/>
+      </p:ext>
+    </p:extLst>
+  </p:cSld>
+  <p:clrMapOvr>
+    <a:masterClrMapping/>
+  </p:clrMapOvr>
+  <p:timing>
+    <p:tnLst>
+      <p:par>
+        <p:cTn id="1" dur="indefinite" restart="never" nodeType="tmRoot"/>
+      </p:par>
+    </p:tnLst>
+  </p:timing>
+</p:sld>
+</file>
+
+<file path=ppt/slides/slide17.xml><?xml version="1.0" encoding="utf-8"?>
+<p:sld xmlns:a="http://schemas.openxmlformats.org/drawingml/2006/main" xmlns:r="http://schemas.openxmlformats.org/officeDocument/2006/relationships" xmlns:p="http://schemas.openxmlformats.org/presentationml/2006/main">
+  <p:cSld>
+    <p:spTree>
+      <p:nvGrpSpPr>
+        <p:cNvPr id="1" name=""/>
+        <p:cNvGrpSpPr/>
+        <p:nvPr/>
+      </p:nvGrpSpPr>
+      <p:grpSpPr>
+        <a:xfrm>
+          <a:off x="0" y="0"/>
+          <a:ext cx="0" cy="0"/>
+          <a:chOff x="0" y="0"/>
+          <a:chExt cx="0" cy="0"/>
+        </a:xfrm>
+      </p:grpSpPr>
+      <p:sp>
+        <p:nvSpPr>
+          <p:cNvPr id="2" name="Заголовок 1"/>
+          <p:cNvSpPr>
+            <a:spLocks noGrp="1"/>
+          </p:cNvSpPr>
+          <p:nvPr>
+            <p:ph type="title"/>
+          </p:nvPr>
+        </p:nvSpPr>
+        <p:spPr>
+          <a:xfrm>
+            <a:off x="838200" y="1"/>
+            <a:ext cx="10515600" cy="382833"/>
+          </a:xfrm>
+        </p:spPr>
+        <p:txBody>
+          <a:bodyPr>
+            <a:normAutofit fontScale="90000"/>
+          </a:bodyPr>
+          <a:lstStyle/>
+          <a:p>
+            <a:pPr algn="ctr"/>
+            <a:r>
+              <a:rPr lang="ru-RU" sz="2700" dirty="0" smtClean="0"/>
+              <a:t>Общая схема работы серверной части приложения</a:t>
+            </a:r>
+            <a:endParaRPr lang="ru-RU" sz="2700" dirty="0"/>
+          </a:p>
+        </p:txBody>
+      </p:sp>
+      <p:sp>
+        <p:nvSpPr>
+          <p:cNvPr id="4" name="Номер слайда 3"/>
+          <p:cNvSpPr>
+            <a:spLocks noGrp="1"/>
+          </p:cNvSpPr>
+          <p:nvPr>
+            <p:ph type="sldNum" sz="quarter" idx="12"/>
+          </p:nvPr>
+        </p:nvSpPr>
+        <p:spPr/>
+        <p:txBody>
+          <a:bodyPr/>
+          <a:lstStyle/>
+          <a:p>
+            <a:fld id="{0D72A0D8-76E0-4793-925F-4BD98C697BFE}" type="slidenum">
+              <a:rPr lang="ru-RU" smtClean="0"/>
+              <a:t>17</a:t>
+            </a:fld>
+            <a:endParaRPr lang="ru-RU"/>
+          </a:p>
+        </p:txBody>
+      </p:sp>
+      <p:pic>
+        <p:nvPicPr>
+          <p:cNvPr id="3" name="Рисунок 2"/>
+          <p:cNvPicPr>
+            <a:picLocks noChangeAspect="1"/>
+          </p:cNvPicPr>
+          <p:nvPr/>
+        </p:nvPicPr>
+        <p:blipFill rotWithShape="1">
+          <a:blip r:embed="rId2"/>
+          <a:srcRect t="3017" b="8247"/>
+          <a:stretch/>
+        </p:blipFill>
+        <p:spPr>
+          <a:xfrm>
+            <a:off x="3183065" y="603503"/>
+            <a:ext cx="5820250" cy="5577841"/>
+          </a:xfrm>
+          <a:prstGeom prst="rect">
+            <a:avLst/>
+          </a:prstGeom>
+        </p:spPr>
+      </p:pic>
+    </p:spTree>
+    <p:extLst>
+      <p:ext uri="{BB962C8B-B14F-4D97-AF65-F5344CB8AC3E}">
+        <p14:creationId xmlns:p14="http://schemas.microsoft.com/office/powerpoint/2010/main" val="4287472084"/>
+      </p:ext>
+    </p:extLst>
+  </p:cSld>
+  <p:clrMapOvr>
+    <a:masterClrMapping/>
+  </p:clrMapOvr>
+  <p:timing>
+    <p:tnLst>
+      <p:par>
+        <p:cTn id="1" dur="indefinite" restart="never" nodeType="tmRoot"/>
+      </p:par>
+    </p:tnLst>
+  </p:timing>
+</p:sld>
+</file>
+
+<file path=ppt/slides/slide18.xml><?xml version="1.0" encoding="utf-8"?>
+<p:sld xmlns:a="http://schemas.openxmlformats.org/drawingml/2006/main" xmlns:r="http://schemas.openxmlformats.org/officeDocument/2006/relationships" xmlns:p="http://schemas.openxmlformats.org/presentationml/2006/main">
+  <p:cSld>
+    <p:spTree>
+      <p:nvGrpSpPr>
+        <p:cNvPr id="1" name=""/>
+        <p:cNvGrpSpPr/>
+        <p:nvPr/>
+      </p:nvGrpSpPr>
+      <p:grpSpPr>
+        <a:xfrm>
+          <a:off x="0" y="0"/>
+          <a:ext cx="0" cy="0"/>
+          <a:chOff x="0" y="0"/>
+          <a:chExt cx="0" cy="0"/>
+        </a:xfrm>
+      </p:grpSpPr>
+      <p:sp>
+        <p:nvSpPr>
+          <p:cNvPr id="2" name="Заголовок 1"/>
+          <p:cNvSpPr>
+            <a:spLocks noGrp="1"/>
+          </p:cNvSpPr>
+          <p:nvPr>
+            <p:ph type="title"/>
+          </p:nvPr>
+        </p:nvSpPr>
+        <p:spPr>
+          <a:xfrm>
+            <a:off x="838200" y="1"/>
+            <a:ext cx="10515600" cy="382833"/>
+          </a:xfrm>
+        </p:spPr>
+        <p:txBody>
+          <a:bodyPr>
+            <a:normAutofit fontScale="90000"/>
+          </a:bodyPr>
+          <a:lstStyle/>
+          <a:p>
+            <a:pPr algn="ctr"/>
+            <a:r>
+              <a:rPr lang="ru-RU" sz="2700" dirty="0" smtClean="0"/>
+              <a:t>Общая схема работы библиотеки </a:t>
+            </a:r>
+            <a:r>
+              <a:rPr lang="en-US" sz="2700" dirty="0" smtClean="0"/>
+              <a:t>React</a:t>
+            </a:r>
+            <a:endParaRPr lang="ru-RU" sz="2700" dirty="0"/>
+          </a:p>
+        </p:txBody>
+      </p:sp>
+      <p:sp>
+        <p:nvSpPr>
+          <p:cNvPr id="4" name="Номер слайда 3"/>
+          <p:cNvSpPr>
+            <a:spLocks noGrp="1"/>
+          </p:cNvSpPr>
+          <p:nvPr>
+            <p:ph type="sldNum" sz="quarter" idx="12"/>
+          </p:nvPr>
+        </p:nvSpPr>
+        <p:spPr/>
+        <p:txBody>
+          <a:bodyPr/>
+          <a:lstStyle/>
+          <a:p>
+            <a:fld id="{0D72A0D8-76E0-4793-925F-4BD98C697BFE}" type="slidenum">
+              <a:rPr lang="ru-RU" smtClean="0"/>
+              <a:t>18</a:t>
+            </a:fld>
+            <a:endParaRPr lang="ru-RU"/>
+          </a:p>
+        </p:txBody>
+      </p:sp>
+      <p:pic>
+        <p:nvPicPr>
+          <p:cNvPr id="4098" name="Picture 2" descr="React"/>
+          <p:cNvPicPr>
+            <a:picLocks noChangeAspect="1" noChangeArrowheads="1"/>
+          </p:cNvPicPr>
+          <p:nvPr/>
+        </p:nvPicPr>
+        <p:blipFill>
+          <a:blip r:embed="rId2">
+            <a:extLst>
+              <a:ext uri="{28A0092B-C50C-407E-A947-70E740481C1C}">
+                <a14:useLocalDpi xmlns:a14="http://schemas.microsoft.com/office/drawing/2010/main" val="0"/>
+              </a:ext>
+            </a:extLst>
+          </a:blip>
+          <a:srcRect/>
+          <a:stretch>
+            <a:fillRect/>
+          </a:stretch>
+        </p:blipFill>
+        <p:spPr bwMode="auto">
+          <a:xfrm>
+            <a:off x="1313942" y="382834"/>
+            <a:ext cx="9728446" cy="5973516"/>
+          </a:xfrm>
+          <a:prstGeom prst="rect">
+            <a:avLst/>
+          </a:prstGeom>
+          <a:noFill/>
+          <a:ln>
+            <a:noFill/>
+          </a:ln>
+          <a:extLst>
+            <a:ext uri="{909E8E84-426E-40DD-AFC4-6F175D3DCCD1}">
+              <a14:hiddenFill xmlns:a14="http://schemas.microsoft.com/office/drawing/2010/main">
+                <a:solidFill>
+                  <a:srgbClr val="FFFFFF"/>
+                </a:solidFill>
+              </a14:hiddenFill>
+            </a:ext>
+            <a:ext uri="{91240B29-F687-4F45-9708-019B960494DF}">
+              <a14:hiddenLine xmlns:a14="http://schemas.microsoft.com/office/drawing/2010/main" w="9525">
+                <a:solidFill>
+                  <a:srgbClr val="000000"/>
+                </a:solidFill>
+                <a:miter lim="800000"/>
+                <a:headEnd/>
+                <a:tailEnd/>
+              </a14:hiddenLine>
+            </a:ext>
+          </a:extLst>
+        </p:spPr>
+      </p:pic>
+    </p:spTree>
+    <p:extLst>
+      <p:ext uri="{BB962C8B-B14F-4D97-AF65-F5344CB8AC3E}">
+        <p14:creationId xmlns:p14="http://schemas.microsoft.com/office/powerpoint/2010/main" val="1807937418"/>
+      </p:ext>
+    </p:extLst>
+  </p:cSld>
+  <p:clrMapOvr>
+    <a:masterClrMapping/>
+  </p:clrMapOvr>
+  <p:timing>
+    <p:tnLst>
+      <p:par>
+        <p:cTn id="1" dur="indefinite" restart="never" nodeType="tmRoot"/>
+      </p:par>
+    </p:tnLst>
+  </p:timing>
+</p:sld>
+</file>
+
+<file path=ppt/slides/slide19.xml><?xml version="1.0" encoding="utf-8"?>
+<p:sld xmlns:a="http://schemas.openxmlformats.org/drawingml/2006/main" xmlns:r="http://schemas.openxmlformats.org/officeDocument/2006/relationships" xmlns:p="http://schemas.openxmlformats.org/presentationml/2006/main">
+  <p:cSld>
+    <p:spTree>
+      <p:nvGrpSpPr>
+        <p:cNvPr id="1" name=""/>
+        <p:cNvGrpSpPr/>
+        <p:nvPr/>
+      </p:nvGrpSpPr>
+      <p:grpSpPr>
+        <a:xfrm>
+          <a:off x="0" y="0"/>
+          <a:ext cx="0" cy="0"/>
+          <a:chOff x="0" y="0"/>
+          <a:chExt cx="0" cy="0"/>
+        </a:xfrm>
+      </p:grpSpPr>
+      <p:sp>
+        <p:nvSpPr>
+          <p:cNvPr id="2" name="Заголовок 1"/>
+          <p:cNvSpPr>
+            <a:spLocks noGrp="1"/>
+          </p:cNvSpPr>
+          <p:nvPr>
+            <p:ph type="title"/>
+          </p:nvPr>
+        </p:nvSpPr>
+        <p:spPr/>
+        <p:txBody>
+          <a:bodyPr/>
+          <a:lstStyle/>
+          <a:p>
+            <a:pPr algn="ctr"/>
+            <a:r>
+              <a:rPr lang="ru-RU" dirty="0" smtClean="0"/>
+              <a:t>Документационное обеспечение системы</a:t>
+            </a:r>
+            <a:endParaRPr lang="ru-RU" dirty="0"/>
+          </a:p>
+        </p:txBody>
+      </p:sp>
+      <p:sp>
+        <p:nvSpPr>
+          <p:cNvPr id="3" name="Объект 2"/>
+          <p:cNvSpPr>
+            <a:spLocks noGrp="1"/>
+          </p:cNvSpPr>
+          <p:nvPr>
+            <p:ph idx="1"/>
+          </p:nvPr>
+        </p:nvSpPr>
+        <p:spPr/>
+        <p:txBody>
+          <a:bodyPr>
+            <a:normAutofit/>
+          </a:bodyPr>
+          <a:lstStyle/>
+          <a:p>
+            <a:pPr marL="0" indent="0" algn="just">
+              <a:lnSpc>
+                <a:spcPct val="150000"/>
+              </a:lnSpc>
+              <a:spcBef>
+                <a:spcPts val="0"/>
+              </a:spcBef>
+              <a:buNone/>
+            </a:pPr>
+            <a:r>
+              <a:rPr lang="ru-RU" sz="2400" dirty="0"/>
+              <a:t>Следующие слайды отображают руководство пользователя и администратора системы, а также описание возможностей АС. Система предназначена для применения в сфере торговли и электронной коммерции. Предусмотрена регистрация и авторизация пользователей, добавление и удаление товаров, формирование пользовательской корзины, оформление заказов клиента, получение уведомлений о статусе заказа, и т.д.</a:t>
+            </a:r>
+          </a:p>
+          <a:p>
+            <a:endParaRPr lang="ru-RU" dirty="0"/>
+          </a:p>
+        </p:txBody>
+      </p:sp>
+      <p:sp>
+        <p:nvSpPr>
+          <p:cNvPr id="4" name="Номер слайда 3"/>
+          <p:cNvSpPr>
+            <a:spLocks noGrp="1"/>
+          </p:cNvSpPr>
+          <p:nvPr>
+            <p:ph type="sldNum" sz="quarter" idx="12"/>
+          </p:nvPr>
+        </p:nvSpPr>
+        <p:spPr/>
+        <p:txBody>
+          <a:bodyPr/>
+          <a:lstStyle/>
+          <a:p>
+            <a:fld id="{0D72A0D8-76E0-4793-925F-4BD98C697BFE}" type="slidenum">
+              <a:rPr lang="ru-RU" smtClean="0"/>
+              <a:t>19</a:t>
+            </a:fld>
+            <a:endParaRPr lang="ru-RU"/>
+          </a:p>
+        </p:txBody>
+      </p:sp>
+    </p:spTree>
+    <p:extLst>
+      <p:ext uri="{BB962C8B-B14F-4D97-AF65-F5344CB8AC3E}">
+        <p14:creationId xmlns:p14="http://schemas.microsoft.com/office/powerpoint/2010/main" val="2836009601"/>
+      </p:ext>
+    </p:extLst>
+  </p:cSld>
+  <p:clrMapOvr>
+    <a:masterClrMapping/>
+  </p:clrMapOvr>
+  <p:timing>
+    <p:tnLst>
+      <p:par>
+        <p:cTn id="1" dur="indefinite" restart="never" nodeType="tmRoot"/>
+      </p:par>
+    </p:tnLst>
+  </p:timing>
+</p:sld>
+</file>
+
+<file path=ppt/slides/slide2.xml><?xml version="1.0" encoding="utf-8"?>
+<p:sld xmlns:a="http://schemas.openxmlformats.org/drawingml/2006/main" xmlns:r="http://schemas.openxmlformats.org/officeDocument/2006/relationships" xmlns:p="http://schemas.openxmlformats.org/presentationml/2006/main">
+  <p:cSld>
+    <p:spTree>
+      <p:nvGrpSpPr>
+        <p:cNvPr id="1" name=""/>
+        <p:cNvGrpSpPr/>
+        <p:nvPr/>
+      </p:nvGrpSpPr>
+      <p:grpSpPr>
+        <a:xfrm>
+          <a:off x="0" y="0"/>
+          <a:ext cx="0" cy="0"/>
+          <a:chOff x="0" y="0"/>
+          <a:chExt cx="0" cy="0"/>
+        </a:xfrm>
+      </p:grpSpPr>
+      <p:sp>
+        <p:nvSpPr>
+          <p:cNvPr id="4" name="Заголовок 3"/>
+          <p:cNvSpPr>
+            <a:spLocks noGrp="1"/>
+          </p:cNvSpPr>
+          <p:nvPr>
+            <p:ph type="title"/>
+          </p:nvPr>
+        </p:nvSpPr>
+        <p:spPr/>
+        <p:txBody>
+          <a:bodyPr/>
+          <a:lstStyle/>
+          <a:p>
+            <a:pPr algn="ctr"/>
+            <a:r>
+              <a:rPr lang="ru-RU" dirty="0" smtClean="0"/>
+              <a:t>Актуальность работы</a:t>
+            </a:r>
+            <a:endParaRPr lang="ru-RU" dirty="0"/>
+          </a:p>
+        </p:txBody>
+      </p:sp>
+      <p:sp>
+        <p:nvSpPr>
+          <p:cNvPr id="5" name="Объект 4"/>
+          <p:cNvSpPr>
+            <a:spLocks noGrp="1"/>
+          </p:cNvSpPr>
+          <p:nvPr>
+            <p:ph idx="1"/>
+          </p:nvPr>
+        </p:nvSpPr>
+        <p:spPr/>
+        <p:txBody>
+          <a:bodyPr>
+            <a:normAutofit fontScale="92500" lnSpcReduction="20000"/>
+          </a:bodyPr>
+          <a:lstStyle/>
+          <a:p>
+            <a:pPr marL="0" indent="0" algn="just">
+              <a:lnSpc>
+                <a:spcPct val="160000"/>
+              </a:lnSpc>
+              <a:spcBef>
+                <a:spcPts val="0"/>
+              </a:spcBef>
+              <a:buNone/>
+            </a:pPr>
+            <a:r>
+              <a:rPr lang="ru-RU" sz="2400" dirty="0" smtClean="0"/>
+              <a:t>Если </a:t>
+            </a:r>
+            <a:r>
+              <a:rPr lang="ru-RU" sz="2400" dirty="0"/>
+              <a:t>вы хотите донести информацию максимально быстро до огромного количества людей, то лучше, чем с помощью собственного сайта сделать это не получится никак. Веб-ресурс позволяет представить информацию о компании и ее товарах или услугах сжато и одновременно </a:t>
+            </a:r>
+            <a:r>
+              <a:rPr lang="ru-RU" sz="2400" dirty="0" smtClean="0"/>
+              <a:t>полноценно. </a:t>
+            </a:r>
+            <a:r>
+              <a:rPr lang="ru-RU" sz="2400" dirty="0"/>
+              <a:t>Главное преимущество интернет торговли – интерактивность составляющих её элементов. Интернет-торговля на собственной платформе связана с существенно меньшим количеством издержек, чем торговля в обычном магазине. Интернет-магазин в виде веб-приложения позволяют снизить траты на оплату труда сотрудникам, а также уменьшить затраты на аренду помещения и его обслуживание. </a:t>
+            </a:r>
+            <a:endParaRPr lang="ru-RU" sz="2400" dirty="0"/>
+          </a:p>
+        </p:txBody>
+      </p:sp>
+      <p:sp>
+        <p:nvSpPr>
+          <p:cNvPr id="6" name="Номер слайда 5"/>
+          <p:cNvSpPr>
+            <a:spLocks noGrp="1"/>
+          </p:cNvSpPr>
+          <p:nvPr>
+            <p:ph type="sldNum" sz="quarter" idx="12"/>
+          </p:nvPr>
+        </p:nvSpPr>
+        <p:spPr/>
+        <p:txBody>
+          <a:bodyPr/>
+          <a:lstStyle/>
+          <a:p>
+            <a:fld id="{0D72A0D8-76E0-4793-925F-4BD98C697BFE}" type="slidenum">
+              <a:rPr lang="ru-RU" smtClean="0"/>
+              <a:t>2</a:t>
+            </a:fld>
+            <a:endParaRPr lang="ru-RU"/>
+          </a:p>
+        </p:txBody>
+      </p:sp>
+    </p:spTree>
+    <p:extLst>
+      <p:ext uri="{BB962C8B-B14F-4D97-AF65-F5344CB8AC3E}">
+        <p14:creationId xmlns:p14="http://schemas.microsoft.com/office/powerpoint/2010/main" val="979720608"/>
+      </p:ext>
+    </p:extLst>
+  </p:cSld>
+  <p:clrMapOvr>
+    <a:masterClrMapping/>
+  </p:clrMapOvr>
+  <p:timing>
+    <p:tnLst>
+      <p:par>
+        <p:cTn id="1" dur="indefinite" restart="never" nodeType="tmRoot"/>
+      </p:par>
+    </p:tnLst>
+  </p:timing>
+</p:sld>
+</file>
+
+<file path=ppt/slides/slide20.xml><?xml version="1.0" encoding="utf-8"?>
+<p:sld xmlns:a="http://schemas.openxmlformats.org/drawingml/2006/main" xmlns:r="http://schemas.openxmlformats.org/officeDocument/2006/relationships" xmlns:p="http://schemas.openxmlformats.org/presentationml/2006/main">
+  <p:cSld>
+    <p:spTree>
+      <p:nvGrpSpPr>
+        <p:cNvPr id="1" name=""/>
+        <p:cNvGrpSpPr/>
+        <p:nvPr/>
+      </p:nvGrpSpPr>
+      <p:grpSpPr>
+        <a:xfrm>
+          <a:off x="0" y="0"/>
+          <a:ext cx="0" cy="0"/>
+          <a:chOff x="0" y="0"/>
+          <a:chExt cx="0" cy="0"/>
+        </a:xfrm>
+      </p:grpSpPr>
+      <p:sp>
+        <p:nvSpPr>
+          <p:cNvPr id="2" name="Заголовок 1"/>
+          <p:cNvSpPr>
+            <a:spLocks noGrp="1"/>
+          </p:cNvSpPr>
+          <p:nvPr>
+            <p:ph type="title"/>
+          </p:nvPr>
+        </p:nvSpPr>
+        <p:spPr>
+          <a:xfrm>
+            <a:off x="838200" y="164593"/>
+            <a:ext cx="10515600" cy="382833"/>
+          </a:xfrm>
+        </p:spPr>
+        <p:txBody>
+          <a:bodyPr>
+            <a:normAutofit fontScale="90000"/>
+          </a:bodyPr>
+          <a:lstStyle/>
+          <a:p>
+            <a:pPr algn="ctr"/>
+            <a:r>
+              <a:rPr lang="ru-RU" sz="2700" dirty="0" smtClean="0"/>
+              <a:t>Интерфейс регистрации</a:t>
+            </a:r>
+            <a:endParaRPr lang="ru-RU" sz="2700" dirty="0"/>
+          </a:p>
+        </p:txBody>
+      </p:sp>
+      <p:sp>
+        <p:nvSpPr>
+          <p:cNvPr id="4" name="Номер слайда 3"/>
+          <p:cNvSpPr>
+            <a:spLocks noGrp="1"/>
+          </p:cNvSpPr>
+          <p:nvPr>
+            <p:ph type="sldNum" sz="quarter" idx="12"/>
+          </p:nvPr>
+        </p:nvSpPr>
+        <p:spPr/>
+        <p:txBody>
+          <a:bodyPr/>
+          <a:lstStyle/>
+          <a:p>
+            <a:fld id="{0D72A0D8-76E0-4793-925F-4BD98C697BFE}" type="slidenum">
+              <a:rPr lang="ru-RU" smtClean="0"/>
+              <a:t>20</a:t>
+            </a:fld>
+            <a:endParaRPr lang="ru-RU"/>
+          </a:p>
+        </p:txBody>
+      </p:sp>
+      <p:pic>
+        <p:nvPicPr>
+          <p:cNvPr id="5122" name="Picture 2" descr="Reg"/>
+          <p:cNvPicPr>
+            <a:picLocks noChangeAspect="1" noChangeArrowheads="1"/>
+          </p:cNvPicPr>
+          <p:nvPr/>
+        </p:nvPicPr>
+        <p:blipFill>
+          <a:blip r:embed="rId2">
+            <a:extLst>
+              <a:ext uri="{28A0092B-C50C-407E-A947-70E740481C1C}">
+                <a14:useLocalDpi xmlns:a14="http://schemas.microsoft.com/office/drawing/2010/main" val="0"/>
+              </a:ext>
+            </a:extLst>
+          </a:blip>
+          <a:srcRect/>
+          <a:stretch>
+            <a:fillRect/>
+          </a:stretch>
+        </p:blipFill>
+        <p:spPr bwMode="auto">
+          <a:xfrm>
+            <a:off x="838200" y="813816"/>
+            <a:ext cx="10515600" cy="5542534"/>
+          </a:xfrm>
+          <a:prstGeom prst="rect">
+            <a:avLst/>
+          </a:prstGeom>
+          <a:noFill/>
+          <a:ln>
+            <a:noFill/>
+          </a:ln>
+          <a:extLst>
+            <a:ext uri="{909E8E84-426E-40DD-AFC4-6F175D3DCCD1}">
+              <a14:hiddenFill xmlns:a14="http://schemas.microsoft.com/office/drawing/2010/main">
+                <a:solidFill>
+                  <a:srgbClr val="FFFFFF"/>
+                </a:solidFill>
+              </a14:hiddenFill>
+            </a:ext>
+            <a:ext uri="{91240B29-F687-4F45-9708-019B960494DF}">
+              <a14:hiddenLine xmlns:a14="http://schemas.microsoft.com/office/drawing/2010/main" w="9525">
+                <a:solidFill>
+                  <a:srgbClr val="000000"/>
+                </a:solidFill>
+                <a:miter lim="800000"/>
+                <a:headEnd/>
+                <a:tailEnd/>
+              </a14:hiddenLine>
+            </a:ext>
+          </a:extLst>
+        </p:spPr>
+      </p:pic>
+    </p:spTree>
+    <p:extLst>
+      <p:ext uri="{BB962C8B-B14F-4D97-AF65-F5344CB8AC3E}">
+        <p14:creationId xmlns:p14="http://schemas.microsoft.com/office/powerpoint/2010/main" val="280424898"/>
+      </p:ext>
+    </p:extLst>
+  </p:cSld>
+  <p:clrMapOvr>
+    <a:masterClrMapping/>
+  </p:clrMapOvr>
+  <p:timing>
+    <p:tnLst>
+      <p:par>
+        <p:cTn id="1" dur="indefinite" restart="never" nodeType="tmRoot"/>
+      </p:par>
+    </p:tnLst>
+  </p:timing>
+</p:sld>
+</file>
+
+<file path=ppt/slides/slide21.xml><?xml version="1.0" encoding="utf-8"?>
+<p:sld xmlns:a="http://schemas.openxmlformats.org/drawingml/2006/main" xmlns:r="http://schemas.openxmlformats.org/officeDocument/2006/relationships" xmlns:p="http://schemas.openxmlformats.org/presentationml/2006/main">
+  <p:cSld>
+    <p:spTree>
+      <p:nvGrpSpPr>
+        <p:cNvPr id="1" name=""/>
+        <p:cNvGrpSpPr/>
+        <p:nvPr/>
+      </p:nvGrpSpPr>
+      <p:grpSpPr>
+        <a:xfrm>
+          <a:off x="0" y="0"/>
+          <a:ext cx="0" cy="0"/>
+          <a:chOff x="0" y="0"/>
+          <a:chExt cx="0" cy="0"/>
+        </a:xfrm>
+      </p:grpSpPr>
+      <p:sp>
+        <p:nvSpPr>
+          <p:cNvPr id="2" name="Заголовок 1"/>
+          <p:cNvSpPr>
+            <a:spLocks noGrp="1"/>
+          </p:cNvSpPr>
+          <p:nvPr>
+            <p:ph type="title"/>
+          </p:nvPr>
+        </p:nvSpPr>
+        <p:spPr>
+          <a:xfrm>
+            <a:off x="838200" y="191417"/>
+            <a:ext cx="10515600" cy="382833"/>
+          </a:xfrm>
+        </p:spPr>
+        <p:txBody>
+          <a:bodyPr>
+            <a:normAutofit fontScale="90000"/>
+          </a:bodyPr>
+          <a:lstStyle/>
+          <a:p>
+            <a:pPr algn="ctr"/>
+            <a:r>
+              <a:rPr lang="ru-RU" sz="2700" dirty="0"/>
+              <a:t>Интерфейс</a:t>
+            </a:r>
+            <a:r>
+              <a:rPr lang="ru-RU" sz="2700" dirty="0" smtClean="0"/>
+              <a:t> авторизации</a:t>
+            </a:r>
+            <a:endParaRPr lang="ru-RU" sz="2700" dirty="0"/>
+          </a:p>
+        </p:txBody>
+      </p:sp>
+      <p:sp>
+        <p:nvSpPr>
+          <p:cNvPr id="4" name="Номер слайда 3"/>
+          <p:cNvSpPr>
+            <a:spLocks noGrp="1"/>
+          </p:cNvSpPr>
+          <p:nvPr>
+            <p:ph type="sldNum" sz="quarter" idx="12"/>
+          </p:nvPr>
+        </p:nvSpPr>
+        <p:spPr/>
+        <p:txBody>
+          <a:bodyPr/>
+          <a:lstStyle/>
+          <a:p>
+            <a:fld id="{0D72A0D8-76E0-4793-925F-4BD98C697BFE}" type="slidenum">
+              <a:rPr lang="ru-RU" smtClean="0"/>
+              <a:t>21</a:t>
+            </a:fld>
+            <a:endParaRPr lang="ru-RU"/>
+          </a:p>
+        </p:txBody>
+      </p:sp>
+      <p:pic>
+        <p:nvPicPr>
+          <p:cNvPr id="6146" name="Picture 2" descr="loginValid"/>
+          <p:cNvPicPr>
+            <a:picLocks noChangeAspect="1" noChangeArrowheads="1"/>
+          </p:cNvPicPr>
+          <p:nvPr/>
+        </p:nvPicPr>
+        <p:blipFill>
+          <a:blip r:embed="rId2">
+            <a:extLst>
+              <a:ext uri="{28A0092B-C50C-407E-A947-70E740481C1C}">
+                <a14:useLocalDpi xmlns:a14="http://schemas.microsoft.com/office/drawing/2010/main" val="0"/>
+              </a:ext>
+            </a:extLst>
+          </a:blip>
+          <a:srcRect b="18228"/>
+          <a:stretch>
+            <a:fillRect/>
+          </a:stretch>
+        </p:blipFill>
+        <p:spPr bwMode="auto">
+          <a:xfrm>
+            <a:off x="843398" y="950397"/>
+            <a:ext cx="10510402" cy="4838390"/>
+          </a:xfrm>
+          <a:prstGeom prst="rect">
+            <a:avLst/>
+          </a:prstGeom>
+          <a:noFill/>
+          <a:ln>
+            <a:noFill/>
+          </a:ln>
+          <a:extLst>
+            <a:ext uri="{909E8E84-426E-40DD-AFC4-6F175D3DCCD1}">
+              <a14:hiddenFill xmlns:a14="http://schemas.microsoft.com/office/drawing/2010/main">
+                <a:solidFill>
+                  <a:srgbClr val="FFFFFF"/>
+                </a:solidFill>
+              </a14:hiddenFill>
+            </a:ext>
+            <a:ext uri="{91240B29-F687-4F45-9708-019B960494DF}">
+              <a14:hiddenLine xmlns:a14="http://schemas.microsoft.com/office/drawing/2010/main" w="9525">
+                <a:solidFill>
+                  <a:srgbClr val="000000"/>
+                </a:solidFill>
+                <a:miter lim="800000"/>
+                <a:headEnd/>
+                <a:tailEnd/>
+              </a14:hiddenLine>
+            </a:ext>
+          </a:extLst>
+        </p:spPr>
+      </p:pic>
+    </p:spTree>
+    <p:extLst>
+      <p:ext uri="{BB962C8B-B14F-4D97-AF65-F5344CB8AC3E}">
+        <p14:creationId xmlns:p14="http://schemas.microsoft.com/office/powerpoint/2010/main" val="2450189811"/>
+      </p:ext>
+    </p:extLst>
+  </p:cSld>
+  <p:clrMapOvr>
+    <a:masterClrMapping/>
+  </p:clrMapOvr>
+  <p:timing>
+    <p:tnLst>
+      <p:par>
+        <p:cTn id="1" dur="indefinite" restart="never" nodeType="tmRoot"/>
+      </p:par>
+    </p:tnLst>
+  </p:timing>
+</p:sld>
+</file>
+
+<file path=ppt/slides/slide22.xml><?xml version="1.0" encoding="utf-8"?>
+<p:sld xmlns:a="http://schemas.openxmlformats.org/drawingml/2006/main" xmlns:r="http://schemas.openxmlformats.org/officeDocument/2006/relationships" xmlns:p="http://schemas.openxmlformats.org/presentationml/2006/main">
+  <p:cSld>
+    <p:spTree>
+      <p:nvGrpSpPr>
+        <p:cNvPr id="1" name=""/>
+        <p:cNvGrpSpPr/>
+        <p:nvPr/>
+      </p:nvGrpSpPr>
+      <p:grpSpPr>
+        <a:xfrm>
+          <a:off x="0" y="0"/>
+          <a:ext cx="0" cy="0"/>
+          <a:chOff x="0" y="0"/>
+          <a:chExt cx="0" cy="0"/>
+        </a:xfrm>
+      </p:grpSpPr>
+      <p:sp>
+        <p:nvSpPr>
+          <p:cNvPr id="2" name="Заголовок 1"/>
+          <p:cNvSpPr>
+            <a:spLocks noGrp="1"/>
+          </p:cNvSpPr>
+          <p:nvPr>
+            <p:ph type="title"/>
+          </p:nvPr>
+        </p:nvSpPr>
+        <p:spPr>
+          <a:xfrm>
+            <a:off x="838200" y="191417"/>
+            <a:ext cx="10515600" cy="382833"/>
+          </a:xfrm>
+        </p:spPr>
+        <p:txBody>
+          <a:bodyPr>
+            <a:normAutofit fontScale="90000"/>
+          </a:bodyPr>
+          <a:lstStyle/>
+          <a:p>
+            <a:pPr algn="ctr"/>
+            <a:r>
+              <a:rPr lang="ru-RU" sz="2700" dirty="0"/>
+              <a:t>Интерфейс</a:t>
+            </a:r>
+            <a:r>
+              <a:rPr lang="ru-RU" sz="2700" dirty="0" smtClean="0"/>
+              <a:t> каталога товаров</a:t>
+            </a:r>
+            <a:endParaRPr lang="ru-RU" sz="2700" dirty="0"/>
+          </a:p>
+        </p:txBody>
+      </p:sp>
+      <p:sp>
+        <p:nvSpPr>
+          <p:cNvPr id="4" name="Номер слайда 3"/>
+          <p:cNvSpPr>
+            <a:spLocks noGrp="1"/>
+          </p:cNvSpPr>
+          <p:nvPr>
+            <p:ph type="sldNum" sz="quarter" idx="12"/>
+          </p:nvPr>
+        </p:nvSpPr>
+        <p:spPr/>
+        <p:txBody>
+          <a:bodyPr/>
+          <a:lstStyle/>
+          <a:p>
+            <a:fld id="{0D72A0D8-76E0-4793-925F-4BD98C697BFE}" type="slidenum">
+              <a:rPr lang="ru-RU" smtClean="0"/>
+              <a:t>22</a:t>
+            </a:fld>
+            <a:endParaRPr lang="ru-RU"/>
+          </a:p>
+        </p:txBody>
+      </p:sp>
+      <p:pic>
+        <p:nvPicPr>
+          <p:cNvPr id="7170" name="Picture 2" descr="Screenshot from 2020-06-10 13-43-28"/>
+          <p:cNvPicPr>
+            <a:picLocks noChangeAspect="1" noChangeArrowheads="1"/>
+          </p:cNvPicPr>
+          <p:nvPr/>
+        </p:nvPicPr>
+        <p:blipFill>
+          <a:blip r:embed="rId2">
+            <a:extLst>
+              <a:ext uri="{28A0092B-C50C-407E-A947-70E740481C1C}">
+                <a14:useLocalDpi xmlns:a14="http://schemas.microsoft.com/office/drawing/2010/main" val="0"/>
+              </a:ext>
+            </a:extLst>
+          </a:blip>
+          <a:srcRect/>
+          <a:stretch>
+            <a:fillRect/>
+          </a:stretch>
+        </p:blipFill>
+        <p:spPr bwMode="auto">
+          <a:xfrm>
+            <a:off x="1026629" y="653987"/>
+            <a:ext cx="10138742" cy="5702363"/>
+          </a:xfrm>
+          <a:prstGeom prst="rect">
+            <a:avLst/>
+          </a:prstGeom>
+          <a:noFill/>
+          <a:ln>
+            <a:noFill/>
+          </a:ln>
+          <a:extLst>
+            <a:ext uri="{909E8E84-426E-40DD-AFC4-6F175D3DCCD1}">
+              <a14:hiddenFill xmlns:a14="http://schemas.microsoft.com/office/drawing/2010/main">
+                <a:solidFill>
+                  <a:srgbClr val="FFFFFF"/>
+                </a:solidFill>
+              </a14:hiddenFill>
+            </a:ext>
+            <a:ext uri="{91240B29-F687-4F45-9708-019B960494DF}">
+              <a14:hiddenLine xmlns:a14="http://schemas.microsoft.com/office/drawing/2010/main" w="9525">
+                <a:solidFill>
+                  <a:srgbClr val="000000"/>
+                </a:solidFill>
+                <a:miter lim="800000"/>
+                <a:headEnd/>
+                <a:tailEnd/>
+              </a14:hiddenLine>
+            </a:ext>
+          </a:extLst>
+        </p:spPr>
+      </p:pic>
+    </p:spTree>
+    <p:extLst>
+      <p:ext uri="{BB962C8B-B14F-4D97-AF65-F5344CB8AC3E}">
+        <p14:creationId xmlns:p14="http://schemas.microsoft.com/office/powerpoint/2010/main" val="1992365651"/>
+      </p:ext>
+    </p:extLst>
+  </p:cSld>
+  <p:clrMapOvr>
+    <a:masterClrMapping/>
+  </p:clrMapOvr>
+  <p:timing>
+    <p:tnLst>
+      <p:par>
+        <p:cTn id="1" dur="indefinite" restart="never" nodeType="tmRoot"/>
+      </p:par>
+    </p:tnLst>
+  </p:timing>
+</p:sld>
+</file>
+
+<file path=ppt/slides/slide23.xml><?xml version="1.0" encoding="utf-8"?>
+<p:sld xmlns:a="http://schemas.openxmlformats.org/drawingml/2006/main" xmlns:r="http://schemas.openxmlformats.org/officeDocument/2006/relationships" xmlns:p="http://schemas.openxmlformats.org/presentationml/2006/main">
+  <p:cSld>
+    <p:spTree>
+      <p:nvGrpSpPr>
+        <p:cNvPr id="1" name=""/>
+        <p:cNvGrpSpPr/>
+        <p:nvPr/>
+      </p:nvGrpSpPr>
+      <p:grpSpPr>
+        <a:xfrm>
+          <a:off x="0" y="0"/>
+          <a:ext cx="0" cy="0"/>
+          <a:chOff x="0" y="0"/>
+          <a:chExt cx="0" cy="0"/>
+        </a:xfrm>
+      </p:grpSpPr>
+      <p:sp>
+        <p:nvSpPr>
+          <p:cNvPr id="2" name="Заголовок 1"/>
+          <p:cNvSpPr>
+            <a:spLocks noGrp="1"/>
+          </p:cNvSpPr>
+          <p:nvPr>
+            <p:ph type="title"/>
+          </p:nvPr>
+        </p:nvSpPr>
+        <p:spPr>
+          <a:xfrm>
+            <a:off x="838200" y="191417"/>
+            <a:ext cx="10515600" cy="382833"/>
+          </a:xfrm>
+        </p:spPr>
+        <p:txBody>
+          <a:bodyPr>
+            <a:normAutofit fontScale="90000"/>
+          </a:bodyPr>
+          <a:lstStyle/>
+          <a:p>
+            <a:pPr algn="ctr"/>
+            <a:r>
+              <a:rPr lang="ru-RU" sz="2700" dirty="0"/>
+              <a:t>Интерфейс</a:t>
+            </a:r>
+            <a:r>
+              <a:rPr lang="ru-RU" sz="2700" dirty="0" smtClean="0"/>
+              <a:t> с информацией об отдельном товаре</a:t>
+            </a:r>
+            <a:endParaRPr lang="ru-RU" sz="2700" dirty="0"/>
+          </a:p>
+        </p:txBody>
+      </p:sp>
+      <p:sp>
+        <p:nvSpPr>
+          <p:cNvPr id="4" name="Номер слайда 3"/>
+          <p:cNvSpPr>
+            <a:spLocks noGrp="1"/>
+          </p:cNvSpPr>
+          <p:nvPr>
+            <p:ph type="sldNum" sz="quarter" idx="12"/>
+          </p:nvPr>
+        </p:nvSpPr>
+        <p:spPr/>
+        <p:txBody>
+          <a:bodyPr/>
+          <a:lstStyle/>
+          <a:p>
+            <a:fld id="{0D72A0D8-76E0-4793-925F-4BD98C697BFE}" type="slidenum">
+              <a:rPr lang="ru-RU" smtClean="0"/>
+              <a:t>23</a:t>
+            </a:fld>
+            <a:endParaRPr lang="ru-RU"/>
+          </a:p>
+        </p:txBody>
+      </p:sp>
+      <p:pic>
+        <p:nvPicPr>
+          <p:cNvPr id="8194" name="Picture 2" descr="OneProduct"/>
+          <p:cNvPicPr>
+            <a:picLocks noChangeAspect="1" noChangeArrowheads="1"/>
+          </p:cNvPicPr>
+          <p:nvPr/>
+        </p:nvPicPr>
+        <p:blipFill>
+          <a:blip r:embed="rId2">
+            <a:extLst>
+              <a:ext uri="{28A0092B-C50C-407E-A947-70E740481C1C}">
+                <a14:useLocalDpi xmlns:a14="http://schemas.microsoft.com/office/drawing/2010/main" val="0"/>
+              </a:ext>
+            </a:extLst>
+          </a:blip>
+          <a:srcRect b="11105"/>
+          <a:stretch>
+            <a:fillRect/>
+          </a:stretch>
+        </p:blipFill>
+        <p:spPr bwMode="auto">
+          <a:xfrm>
+            <a:off x="838200" y="787972"/>
+            <a:ext cx="10515600" cy="5266252"/>
+          </a:xfrm>
+          <a:prstGeom prst="rect">
+            <a:avLst/>
+          </a:prstGeom>
+          <a:noFill/>
+          <a:ln>
+            <a:noFill/>
+          </a:ln>
+          <a:extLst>
+            <a:ext uri="{909E8E84-426E-40DD-AFC4-6F175D3DCCD1}">
+              <a14:hiddenFill xmlns:a14="http://schemas.microsoft.com/office/drawing/2010/main">
+                <a:solidFill>
+                  <a:srgbClr val="FFFFFF"/>
+                </a:solidFill>
+              </a14:hiddenFill>
+            </a:ext>
+            <a:ext uri="{91240B29-F687-4F45-9708-019B960494DF}">
+              <a14:hiddenLine xmlns:a14="http://schemas.microsoft.com/office/drawing/2010/main" w="9525">
+                <a:solidFill>
+                  <a:srgbClr val="000000"/>
+                </a:solidFill>
+                <a:miter lim="800000"/>
+                <a:headEnd/>
+                <a:tailEnd/>
+              </a14:hiddenLine>
+            </a:ext>
+          </a:extLst>
+        </p:spPr>
+      </p:pic>
+    </p:spTree>
+    <p:extLst>
+      <p:ext uri="{BB962C8B-B14F-4D97-AF65-F5344CB8AC3E}">
+        <p14:creationId xmlns:p14="http://schemas.microsoft.com/office/powerpoint/2010/main" val="1488427878"/>
+      </p:ext>
+    </p:extLst>
+  </p:cSld>
+  <p:clrMapOvr>
+    <a:masterClrMapping/>
+  </p:clrMapOvr>
+  <p:timing>
+    <p:tnLst>
+      <p:par>
+        <p:cTn id="1" dur="indefinite" restart="never" nodeType="tmRoot"/>
+      </p:par>
+    </p:tnLst>
+  </p:timing>
+</p:sld>
+</file>
+
+<file path=ppt/slides/slide24.xml><?xml version="1.0" encoding="utf-8"?>
+<p:sld xmlns:a="http://schemas.openxmlformats.org/drawingml/2006/main" xmlns:r="http://schemas.openxmlformats.org/officeDocument/2006/relationships" xmlns:p="http://schemas.openxmlformats.org/presentationml/2006/main">
+  <p:cSld>
+    <p:spTree>
+      <p:nvGrpSpPr>
+        <p:cNvPr id="1" name=""/>
+        <p:cNvGrpSpPr/>
+        <p:nvPr/>
+      </p:nvGrpSpPr>
+      <p:grpSpPr>
+        <a:xfrm>
+          <a:off x="0" y="0"/>
+          <a:ext cx="0" cy="0"/>
+          <a:chOff x="0" y="0"/>
+          <a:chExt cx="0" cy="0"/>
+        </a:xfrm>
+      </p:grpSpPr>
+      <p:sp>
+        <p:nvSpPr>
+          <p:cNvPr id="2" name="Заголовок 1"/>
+          <p:cNvSpPr>
+            <a:spLocks noGrp="1"/>
+          </p:cNvSpPr>
+          <p:nvPr>
+            <p:ph type="title"/>
+          </p:nvPr>
+        </p:nvSpPr>
+        <p:spPr>
+          <a:xfrm>
+            <a:off x="838200" y="191417"/>
+            <a:ext cx="10515600" cy="382833"/>
+          </a:xfrm>
+        </p:spPr>
+        <p:txBody>
+          <a:bodyPr>
+            <a:normAutofit fontScale="90000"/>
+          </a:bodyPr>
+          <a:lstStyle/>
+          <a:p>
+            <a:pPr algn="ctr"/>
+            <a:r>
+              <a:rPr lang="ru-RU" sz="2700" dirty="0"/>
+              <a:t>Интерфейс</a:t>
+            </a:r>
+            <a:r>
+              <a:rPr lang="ru-RU" sz="2700" dirty="0" smtClean="0"/>
+              <a:t> корзины</a:t>
+            </a:r>
+            <a:endParaRPr lang="ru-RU" sz="2700" dirty="0"/>
+          </a:p>
+        </p:txBody>
+      </p:sp>
+      <p:sp>
+        <p:nvSpPr>
+          <p:cNvPr id="4" name="Номер слайда 3"/>
+          <p:cNvSpPr>
+            <a:spLocks noGrp="1"/>
+          </p:cNvSpPr>
+          <p:nvPr>
+            <p:ph type="sldNum" sz="quarter" idx="12"/>
+          </p:nvPr>
+        </p:nvSpPr>
+        <p:spPr/>
+        <p:txBody>
+          <a:bodyPr/>
+          <a:lstStyle/>
+          <a:p>
+            <a:fld id="{0D72A0D8-76E0-4793-925F-4BD98C697BFE}" type="slidenum">
+              <a:rPr lang="ru-RU" smtClean="0"/>
+              <a:t>24</a:t>
+            </a:fld>
+            <a:endParaRPr lang="ru-RU"/>
+          </a:p>
+        </p:txBody>
+      </p:sp>
+      <p:pic>
+        <p:nvPicPr>
+          <p:cNvPr id="9218" name="Picture 2" descr="CartView"/>
+          <p:cNvPicPr>
+            <a:picLocks noChangeAspect="1" noChangeArrowheads="1"/>
+          </p:cNvPicPr>
+          <p:nvPr/>
+        </p:nvPicPr>
+        <p:blipFill>
+          <a:blip r:embed="rId2">
+            <a:extLst>
+              <a:ext uri="{28A0092B-C50C-407E-A947-70E740481C1C}">
+                <a14:useLocalDpi xmlns:a14="http://schemas.microsoft.com/office/drawing/2010/main" val="0"/>
+              </a:ext>
+            </a:extLst>
+          </a:blip>
+          <a:srcRect b="48952"/>
+          <a:stretch>
+            <a:fillRect/>
+          </a:stretch>
+        </p:blipFill>
+        <p:spPr bwMode="auto">
+          <a:xfrm>
+            <a:off x="838200" y="951938"/>
+            <a:ext cx="10486920" cy="2998269"/>
+          </a:xfrm>
+          <a:prstGeom prst="rect">
+            <a:avLst/>
+          </a:prstGeom>
+          <a:noFill/>
+          <a:ln>
+            <a:noFill/>
+          </a:ln>
+          <a:extLst>
+            <a:ext uri="{909E8E84-426E-40DD-AFC4-6F175D3DCCD1}">
+              <a14:hiddenFill xmlns:a14="http://schemas.microsoft.com/office/drawing/2010/main">
+                <a:solidFill>
+                  <a:srgbClr val="FFFFFF"/>
+                </a:solidFill>
+              </a14:hiddenFill>
+            </a:ext>
+            <a:ext uri="{91240B29-F687-4F45-9708-019B960494DF}">
+              <a14:hiddenLine xmlns:a14="http://schemas.microsoft.com/office/drawing/2010/main" w="9525">
+                <a:solidFill>
+                  <a:srgbClr val="000000"/>
+                </a:solidFill>
+                <a:miter lim="800000"/>
+                <a:headEnd/>
+                <a:tailEnd/>
+              </a14:hiddenLine>
+            </a:ext>
+          </a:extLst>
+        </p:spPr>
+      </p:pic>
+    </p:spTree>
+    <p:extLst>
+      <p:ext uri="{BB962C8B-B14F-4D97-AF65-F5344CB8AC3E}">
+        <p14:creationId xmlns:p14="http://schemas.microsoft.com/office/powerpoint/2010/main" val="1002451930"/>
+      </p:ext>
+    </p:extLst>
+  </p:cSld>
+  <p:clrMapOvr>
+    <a:masterClrMapping/>
+  </p:clrMapOvr>
+  <p:timing>
+    <p:tnLst>
+      <p:par>
+        <p:cTn id="1" dur="indefinite" restart="never" nodeType="tmRoot"/>
+      </p:par>
+    </p:tnLst>
+  </p:timing>
+</p:sld>
+</file>
+
+<file path=ppt/slides/slide25.xml><?xml version="1.0" encoding="utf-8"?>
+<p:sld xmlns:a="http://schemas.openxmlformats.org/drawingml/2006/main" xmlns:r="http://schemas.openxmlformats.org/officeDocument/2006/relationships" xmlns:p="http://schemas.openxmlformats.org/presentationml/2006/main">
+  <p:cSld>
+    <p:spTree>
+      <p:nvGrpSpPr>
+        <p:cNvPr id="1" name=""/>
+        <p:cNvGrpSpPr/>
+        <p:nvPr/>
+      </p:nvGrpSpPr>
+      <p:grpSpPr>
+        <a:xfrm>
+          <a:off x="0" y="0"/>
+          <a:ext cx="0" cy="0"/>
+          <a:chOff x="0" y="0"/>
+          <a:chExt cx="0" cy="0"/>
+        </a:xfrm>
+      </p:grpSpPr>
+      <p:sp>
+        <p:nvSpPr>
+          <p:cNvPr id="2" name="Заголовок 1"/>
+          <p:cNvSpPr>
+            <a:spLocks noGrp="1"/>
+          </p:cNvSpPr>
+          <p:nvPr>
+            <p:ph type="title"/>
+          </p:nvPr>
+        </p:nvSpPr>
+        <p:spPr>
+          <a:xfrm>
+            <a:off x="838200" y="191417"/>
+            <a:ext cx="10515600" cy="382833"/>
+          </a:xfrm>
+        </p:spPr>
+        <p:txBody>
+          <a:bodyPr>
+            <a:normAutofit fontScale="90000"/>
+          </a:bodyPr>
+          <a:lstStyle/>
+          <a:p>
+            <a:pPr algn="ctr"/>
+            <a:r>
+              <a:rPr lang="ru-RU" sz="2700" dirty="0"/>
+              <a:t>Интерфейс</a:t>
+            </a:r>
+            <a:r>
+              <a:rPr lang="ru-RU" sz="2700" dirty="0" smtClean="0"/>
+              <a:t> информации о заказах </a:t>
+            </a:r>
+            <a:endParaRPr lang="ru-RU" sz="2700" dirty="0"/>
+          </a:p>
+        </p:txBody>
+      </p:sp>
+      <p:sp>
+        <p:nvSpPr>
+          <p:cNvPr id="4" name="Номер слайда 3"/>
+          <p:cNvSpPr>
+            <a:spLocks noGrp="1"/>
+          </p:cNvSpPr>
+          <p:nvPr>
+            <p:ph type="sldNum" sz="quarter" idx="12"/>
+          </p:nvPr>
+        </p:nvSpPr>
+        <p:spPr/>
+        <p:txBody>
+          <a:bodyPr/>
+          <a:lstStyle/>
+          <a:p>
+            <a:fld id="{0D72A0D8-76E0-4793-925F-4BD98C697BFE}" type="slidenum">
+              <a:rPr lang="ru-RU" smtClean="0"/>
+              <a:t>25</a:t>
+            </a:fld>
+            <a:endParaRPr lang="ru-RU"/>
+          </a:p>
+        </p:txBody>
+      </p:sp>
+      <p:pic>
+        <p:nvPicPr>
+          <p:cNvPr id="10242" name="Picture 2" descr="Screenshot from 2020-06-10 13-45-00"/>
+          <p:cNvPicPr>
+            <a:picLocks noChangeAspect="1" noChangeArrowheads="1"/>
+          </p:cNvPicPr>
+          <p:nvPr/>
+        </p:nvPicPr>
+        <p:blipFill>
+          <a:blip r:embed="rId2">
+            <a:extLst>
+              <a:ext uri="{28A0092B-C50C-407E-A947-70E740481C1C}">
+                <a14:useLocalDpi xmlns:a14="http://schemas.microsoft.com/office/drawing/2010/main" val="0"/>
+              </a:ext>
+            </a:extLst>
+          </a:blip>
+          <a:srcRect/>
+          <a:stretch>
+            <a:fillRect/>
+          </a:stretch>
+        </p:blipFill>
+        <p:spPr bwMode="auto">
+          <a:xfrm>
+            <a:off x="1345208" y="793855"/>
+            <a:ext cx="9501583" cy="5342890"/>
+          </a:xfrm>
+          <a:prstGeom prst="rect">
+            <a:avLst/>
+          </a:prstGeom>
+          <a:noFill/>
+          <a:ln>
+            <a:noFill/>
+          </a:ln>
+          <a:extLst>
+            <a:ext uri="{909E8E84-426E-40DD-AFC4-6F175D3DCCD1}">
+              <a14:hiddenFill xmlns:a14="http://schemas.microsoft.com/office/drawing/2010/main">
+                <a:solidFill>
+                  <a:srgbClr val="FFFFFF"/>
+                </a:solidFill>
+              </a14:hiddenFill>
+            </a:ext>
+            <a:ext uri="{91240B29-F687-4F45-9708-019B960494DF}">
+              <a14:hiddenLine xmlns:a14="http://schemas.microsoft.com/office/drawing/2010/main" w="9525">
+                <a:solidFill>
+                  <a:srgbClr val="000000"/>
+                </a:solidFill>
+                <a:miter lim="800000"/>
+                <a:headEnd/>
+                <a:tailEnd/>
+              </a14:hiddenLine>
+            </a:ext>
+          </a:extLst>
+        </p:spPr>
+      </p:pic>
+    </p:spTree>
+    <p:extLst>
+      <p:ext uri="{BB962C8B-B14F-4D97-AF65-F5344CB8AC3E}">
+        <p14:creationId xmlns:p14="http://schemas.microsoft.com/office/powerpoint/2010/main" val="2190856982"/>
+      </p:ext>
+    </p:extLst>
+  </p:cSld>
+  <p:clrMapOvr>
+    <a:masterClrMapping/>
+  </p:clrMapOvr>
+  <p:timing>
+    <p:tnLst>
+      <p:par>
+        <p:cTn id="1" dur="indefinite" restart="never" nodeType="tmRoot"/>
+      </p:par>
+    </p:tnLst>
+  </p:timing>
+</p:sld>
+</file>
+
+<file path=ppt/slides/slide26.xml><?xml version="1.0" encoding="utf-8"?>
+<p:sld xmlns:a="http://schemas.openxmlformats.org/drawingml/2006/main" xmlns:r="http://schemas.openxmlformats.org/officeDocument/2006/relationships" xmlns:p="http://schemas.openxmlformats.org/presentationml/2006/main">
+  <p:cSld>
+    <p:spTree>
+      <p:nvGrpSpPr>
+        <p:cNvPr id="1" name=""/>
+        <p:cNvGrpSpPr/>
+        <p:nvPr/>
+      </p:nvGrpSpPr>
+      <p:grpSpPr>
+        <a:xfrm>
+          <a:off x="0" y="0"/>
+          <a:ext cx="0" cy="0"/>
+          <a:chOff x="0" y="0"/>
+          <a:chExt cx="0" cy="0"/>
+        </a:xfrm>
+      </p:grpSpPr>
+      <p:sp>
+        <p:nvSpPr>
+          <p:cNvPr id="2" name="Заголовок 1"/>
+          <p:cNvSpPr>
+            <a:spLocks noGrp="1"/>
+          </p:cNvSpPr>
+          <p:nvPr>
+            <p:ph type="title"/>
+          </p:nvPr>
+        </p:nvSpPr>
+        <p:spPr>
+          <a:xfrm>
+            <a:off x="838200" y="191417"/>
+            <a:ext cx="10515600" cy="382833"/>
+          </a:xfrm>
+        </p:spPr>
+        <p:txBody>
+          <a:bodyPr>
+            <a:normAutofit fontScale="90000"/>
+          </a:bodyPr>
+          <a:lstStyle/>
+          <a:p>
+            <a:pPr algn="ctr"/>
+            <a:r>
+              <a:rPr lang="ru-RU" sz="2700" dirty="0"/>
+              <a:t>Интерфейс</a:t>
+            </a:r>
+            <a:r>
+              <a:rPr lang="ru-RU" sz="2700" dirty="0" smtClean="0"/>
+              <a:t> профиля пользователя</a:t>
+            </a:r>
+            <a:endParaRPr lang="ru-RU" sz="2700" dirty="0"/>
+          </a:p>
+        </p:txBody>
+      </p:sp>
+      <p:sp>
+        <p:nvSpPr>
+          <p:cNvPr id="4" name="Номер слайда 3"/>
+          <p:cNvSpPr>
+            <a:spLocks noGrp="1"/>
+          </p:cNvSpPr>
+          <p:nvPr>
+            <p:ph type="sldNum" sz="quarter" idx="12"/>
+          </p:nvPr>
+        </p:nvSpPr>
+        <p:spPr/>
+        <p:txBody>
+          <a:bodyPr/>
+          <a:lstStyle/>
+          <a:p>
+            <a:fld id="{0D72A0D8-76E0-4793-925F-4BD98C697BFE}" type="slidenum">
+              <a:rPr lang="ru-RU" smtClean="0"/>
+              <a:t>26</a:t>
+            </a:fld>
+            <a:endParaRPr lang="ru-RU"/>
+          </a:p>
+        </p:txBody>
+      </p:sp>
+      <p:pic>
+        <p:nvPicPr>
+          <p:cNvPr id="11266" name="Picture 2" descr="Profile"/>
+          <p:cNvPicPr>
+            <a:picLocks noChangeAspect="1" noChangeArrowheads="1"/>
+          </p:cNvPicPr>
+          <p:nvPr/>
+        </p:nvPicPr>
+        <p:blipFill>
+          <a:blip r:embed="rId2">
+            <a:extLst>
+              <a:ext uri="{28A0092B-C50C-407E-A947-70E740481C1C}">
+                <a14:useLocalDpi xmlns:a14="http://schemas.microsoft.com/office/drawing/2010/main" val="0"/>
+              </a:ext>
+            </a:extLst>
+          </a:blip>
+          <a:srcRect/>
+          <a:stretch>
+            <a:fillRect/>
+          </a:stretch>
+        </p:blipFill>
+        <p:spPr bwMode="auto">
+          <a:xfrm>
+            <a:off x="1129284" y="770624"/>
+            <a:ext cx="9933432" cy="5585726"/>
+          </a:xfrm>
+          <a:prstGeom prst="rect">
+            <a:avLst/>
+          </a:prstGeom>
+          <a:noFill/>
+          <a:ln>
+            <a:noFill/>
+          </a:ln>
+          <a:extLst>
+            <a:ext uri="{909E8E84-426E-40DD-AFC4-6F175D3DCCD1}">
+              <a14:hiddenFill xmlns:a14="http://schemas.microsoft.com/office/drawing/2010/main">
+                <a:solidFill>
+                  <a:srgbClr val="FFFFFF"/>
+                </a:solidFill>
+              </a14:hiddenFill>
+            </a:ext>
+            <a:ext uri="{91240B29-F687-4F45-9708-019B960494DF}">
+              <a14:hiddenLine xmlns:a14="http://schemas.microsoft.com/office/drawing/2010/main" w="9525">
+                <a:solidFill>
+                  <a:srgbClr val="000000"/>
+                </a:solidFill>
+                <a:miter lim="800000"/>
+                <a:headEnd/>
+                <a:tailEnd/>
+              </a14:hiddenLine>
+            </a:ext>
+          </a:extLst>
+        </p:spPr>
+      </p:pic>
+    </p:spTree>
+    <p:extLst>
+      <p:ext uri="{BB962C8B-B14F-4D97-AF65-F5344CB8AC3E}">
+        <p14:creationId xmlns:p14="http://schemas.microsoft.com/office/powerpoint/2010/main" val="1588630572"/>
+      </p:ext>
+    </p:extLst>
+  </p:cSld>
+  <p:clrMapOvr>
+    <a:masterClrMapping/>
+  </p:clrMapOvr>
+  <p:timing>
+    <p:tnLst>
+      <p:par>
+        <p:cTn id="1" dur="indefinite" restart="never" nodeType="tmRoot"/>
+      </p:par>
+    </p:tnLst>
+  </p:timing>
+</p:sld>
+</file>
+
+<file path=ppt/slides/slide27.xml><?xml version="1.0" encoding="utf-8"?>
+<p:sld xmlns:a="http://schemas.openxmlformats.org/drawingml/2006/main" xmlns:r="http://schemas.openxmlformats.org/officeDocument/2006/relationships" xmlns:p="http://schemas.openxmlformats.org/presentationml/2006/main">
+  <p:cSld>
+    <p:spTree>
+      <p:nvGrpSpPr>
+        <p:cNvPr id="1" name=""/>
+        <p:cNvGrpSpPr/>
+        <p:nvPr/>
+      </p:nvGrpSpPr>
+      <p:grpSpPr>
+        <a:xfrm>
+          <a:off x="0" y="0"/>
+          <a:ext cx="0" cy="0"/>
+          <a:chOff x="0" y="0"/>
+          <a:chExt cx="0" cy="0"/>
+        </a:xfrm>
+      </p:grpSpPr>
+      <p:sp>
+        <p:nvSpPr>
+          <p:cNvPr id="2" name="Заголовок 1"/>
+          <p:cNvSpPr>
+            <a:spLocks noGrp="1"/>
+          </p:cNvSpPr>
+          <p:nvPr>
+            <p:ph type="title"/>
+          </p:nvPr>
+        </p:nvSpPr>
+        <p:spPr>
+          <a:xfrm>
+            <a:off x="838200" y="191417"/>
+            <a:ext cx="10515600" cy="382833"/>
+          </a:xfrm>
+        </p:spPr>
+        <p:txBody>
+          <a:bodyPr>
+            <a:normAutofit fontScale="90000"/>
+          </a:bodyPr>
+          <a:lstStyle/>
+          <a:p>
+            <a:pPr algn="ctr"/>
+            <a:r>
+              <a:rPr lang="ru-RU" sz="2700" dirty="0" smtClean="0"/>
+              <a:t>Добавление товара администратором</a:t>
+            </a:r>
+            <a:endParaRPr lang="ru-RU" sz="2700" dirty="0"/>
+          </a:p>
+        </p:txBody>
+      </p:sp>
+      <p:sp>
+        <p:nvSpPr>
+          <p:cNvPr id="4" name="Номер слайда 3"/>
+          <p:cNvSpPr>
+            <a:spLocks noGrp="1"/>
+          </p:cNvSpPr>
+          <p:nvPr>
+            <p:ph type="sldNum" sz="quarter" idx="12"/>
+          </p:nvPr>
+        </p:nvSpPr>
+        <p:spPr/>
+        <p:txBody>
+          <a:bodyPr/>
+          <a:lstStyle/>
+          <a:p>
+            <a:fld id="{0D72A0D8-76E0-4793-925F-4BD98C697BFE}" type="slidenum">
+              <a:rPr lang="ru-RU" smtClean="0"/>
+              <a:t>27</a:t>
+            </a:fld>
+            <a:endParaRPr lang="ru-RU"/>
+          </a:p>
+        </p:txBody>
+      </p:sp>
+      <p:pic>
+        <p:nvPicPr>
+          <p:cNvPr id="13314" name="Picture 2" descr="addProduct"/>
+          <p:cNvPicPr>
+            <a:picLocks noChangeAspect="1" noChangeArrowheads="1"/>
+          </p:cNvPicPr>
+          <p:nvPr/>
+        </p:nvPicPr>
+        <p:blipFill>
+          <a:blip r:embed="rId2">
+            <a:extLst>
+              <a:ext uri="{28A0092B-C50C-407E-A947-70E740481C1C}">
+                <a14:useLocalDpi xmlns:a14="http://schemas.microsoft.com/office/drawing/2010/main" val="0"/>
+              </a:ext>
+            </a:extLst>
+          </a:blip>
+          <a:srcRect/>
+          <a:stretch>
+            <a:fillRect/>
+          </a:stretch>
+        </p:blipFill>
+        <p:spPr bwMode="auto">
+          <a:xfrm>
+            <a:off x="1112520" y="747014"/>
+            <a:ext cx="9975420" cy="5609336"/>
+          </a:xfrm>
+          <a:prstGeom prst="rect">
+            <a:avLst/>
+          </a:prstGeom>
+          <a:noFill/>
+          <a:ln>
+            <a:noFill/>
+          </a:ln>
+          <a:extLst>
+            <a:ext uri="{909E8E84-426E-40DD-AFC4-6F175D3DCCD1}">
+              <a14:hiddenFill xmlns:a14="http://schemas.microsoft.com/office/drawing/2010/main">
+                <a:solidFill>
+                  <a:srgbClr val="FFFFFF"/>
+                </a:solidFill>
+              </a14:hiddenFill>
+            </a:ext>
+            <a:ext uri="{91240B29-F687-4F45-9708-019B960494DF}">
+              <a14:hiddenLine xmlns:a14="http://schemas.microsoft.com/office/drawing/2010/main" w="9525">
+                <a:solidFill>
+                  <a:srgbClr val="000000"/>
+                </a:solidFill>
+                <a:miter lim="800000"/>
+                <a:headEnd/>
+                <a:tailEnd/>
+              </a14:hiddenLine>
+            </a:ext>
+          </a:extLst>
+        </p:spPr>
+      </p:pic>
+    </p:spTree>
+    <p:extLst>
+      <p:ext uri="{BB962C8B-B14F-4D97-AF65-F5344CB8AC3E}">
+        <p14:creationId xmlns:p14="http://schemas.microsoft.com/office/powerpoint/2010/main" val="3648803323"/>
+      </p:ext>
+    </p:extLst>
+  </p:cSld>
+  <p:clrMapOvr>
+    <a:masterClrMapping/>
+  </p:clrMapOvr>
+  <p:timing>
+    <p:tnLst>
+      <p:par>
+        <p:cTn id="1" dur="indefinite" restart="never" nodeType="tmRoot"/>
+      </p:par>
+    </p:tnLst>
+  </p:timing>
+</p:sld>
+</file>
+
+<file path=ppt/slides/slide28.xml><?xml version="1.0" encoding="utf-8"?>
+<p:sld xmlns:a="http://schemas.openxmlformats.org/drawingml/2006/main" xmlns:r="http://schemas.openxmlformats.org/officeDocument/2006/relationships" xmlns:p="http://schemas.openxmlformats.org/presentationml/2006/main">
+  <p:cSld>
+    <p:spTree>
+      <p:nvGrpSpPr>
+        <p:cNvPr id="1" name=""/>
+        <p:cNvGrpSpPr/>
+        <p:nvPr/>
+      </p:nvGrpSpPr>
+      <p:grpSpPr>
+        <a:xfrm>
+          <a:off x="0" y="0"/>
+          <a:ext cx="0" cy="0"/>
+          <a:chOff x="0" y="0"/>
+          <a:chExt cx="0" cy="0"/>
+        </a:xfrm>
+      </p:grpSpPr>
+      <p:sp>
+        <p:nvSpPr>
+          <p:cNvPr id="2" name="Заголовок 1"/>
+          <p:cNvSpPr>
+            <a:spLocks noGrp="1"/>
+          </p:cNvSpPr>
+          <p:nvPr>
+            <p:ph type="title"/>
+          </p:nvPr>
+        </p:nvSpPr>
+        <p:spPr>
+          <a:xfrm>
+            <a:off x="838200" y="191417"/>
+            <a:ext cx="10515600" cy="382833"/>
+          </a:xfrm>
+        </p:spPr>
+        <p:txBody>
+          <a:bodyPr>
+            <a:normAutofit fontScale="90000"/>
+          </a:bodyPr>
+          <a:lstStyle/>
+          <a:p>
+            <a:pPr algn="ctr"/>
+            <a:r>
+              <a:rPr lang="ru-RU" sz="2700" dirty="0" smtClean="0"/>
+              <a:t>Панель администратора</a:t>
+            </a:r>
+            <a:endParaRPr lang="ru-RU" sz="2700" dirty="0"/>
+          </a:p>
+        </p:txBody>
+      </p:sp>
+      <p:sp>
+        <p:nvSpPr>
+          <p:cNvPr id="4" name="Номер слайда 3"/>
+          <p:cNvSpPr>
+            <a:spLocks noGrp="1"/>
+          </p:cNvSpPr>
+          <p:nvPr>
+            <p:ph type="sldNum" sz="quarter" idx="12"/>
+          </p:nvPr>
+        </p:nvSpPr>
+        <p:spPr/>
+        <p:txBody>
+          <a:bodyPr/>
+          <a:lstStyle/>
+          <a:p>
+            <a:fld id="{0D72A0D8-76E0-4793-925F-4BD98C697BFE}" type="slidenum">
+              <a:rPr lang="ru-RU" smtClean="0"/>
+              <a:t>28</a:t>
+            </a:fld>
+            <a:endParaRPr lang="ru-RU"/>
+          </a:p>
+        </p:txBody>
+      </p:sp>
+      <p:pic>
+        <p:nvPicPr>
+          <p:cNvPr id="12290" name="Picture 2" descr="Screenshot from 2020-06-10 13-49-08"/>
+          <p:cNvPicPr>
+            <a:picLocks noChangeAspect="1" noChangeArrowheads="1"/>
+          </p:cNvPicPr>
+          <p:nvPr/>
+        </p:nvPicPr>
+        <p:blipFill>
+          <a:blip r:embed="rId2">
+            <a:extLst>
+              <a:ext uri="{28A0092B-C50C-407E-A947-70E740481C1C}">
+                <a14:useLocalDpi xmlns:a14="http://schemas.microsoft.com/office/drawing/2010/main" val="0"/>
+              </a:ext>
+            </a:extLst>
+          </a:blip>
+          <a:srcRect/>
+          <a:stretch>
+            <a:fillRect/>
+          </a:stretch>
+        </p:blipFill>
+        <p:spPr bwMode="auto">
+          <a:xfrm>
+            <a:off x="1281027" y="757765"/>
+            <a:ext cx="9629945" cy="5415070"/>
+          </a:xfrm>
+          <a:prstGeom prst="rect">
+            <a:avLst/>
+          </a:prstGeom>
+          <a:noFill/>
+          <a:ln>
+            <a:noFill/>
+          </a:ln>
+          <a:extLst>
+            <a:ext uri="{909E8E84-426E-40DD-AFC4-6F175D3DCCD1}">
+              <a14:hiddenFill xmlns:a14="http://schemas.microsoft.com/office/drawing/2010/main">
+                <a:solidFill>
+                  <a:srgbClr val="FFFFFF"/>
+                </a:solidFill>
+              </a14:hiddenFill>
+            </a:ext>
+            <a:ext uri="{91240B29-F687-4F45-9708-019B960494DF}">
+              <a14:hiddenLine xmlns:a14="http://schemas.microsoft.com/office/drawing/2010/main" w="9525">
+                <a:solidFill>
+                  <a:srgbClr val="000000"/>
+                </a:solidFill>
+                <a:miter lim="800000"/>
+                <a:headEnd/>
+                <a:tailEnd/>
+              </a14:hiddenLine>
+            </a:ext>
+          </a:extLst>
+        </p:spPr>
+      </p:pic>
+    </p:spTree>
+    <p:extLst>
+      <p:ext uri="{BB962C8B-B14F-4D97-AF65-F5344CB8AC3E}">
+        <p14:creationId xmlns:p14="http://schemas.microsoft.com/office/powerpoint/2010/main" val="22065455"/>
+      </p:ext>
+    </p:extLst>
+  </p:cSld>
+  <p:clrMapOvr>
+    <a:masterClrMapping/>
+  </p:clrMapOvr>
+  <p:timing>
+    <p:tnLst>
+      <p:par>
+        <p:cTn id="1" dur="indefinite" restart="never" nodeType="tmRoot"/>
+      </p:par>
+    </p:tnLst>
+  </p:timing>
+</p:sld>
+</file>
+
+<file path=ppt/slides/slide29.xml><?xml version="1.0" encoding="utf-8"?>
+<p:sld xmlns:a="http://schemas.openxmlformats.org/drawingml/2006/main" xmlns:r="http://schemas.openxmlformats.org/officeDocument/2006/relationships" xmlns:p="http://schemas.openxmlformats.org/presentationml/2006/main">
+  <p:cSld>
+    <p:spTree>
+      <p:nvGrpSpPr>
+        <p:cNvPr id="1" name=""/>
+        <p:cNvGrpSpPr/>
+        <p:nvPr/>
+      </p:nvGrpSpPr>
+      <p:grpSpPr>
+        <a:xfrm>
+          <a:off x="0" y="0"/>
+          <a:ext cx="0" cy="0"/>
+          <a:chOff x="0" y="0"/>
+          <a:chExt cx="0" cy="0"/>
+        </a:xfrm>
+      </p:grpSpPr>
+      <p:sp>
+        <p:nvSpPr>
+          <p:cNvPr id="2" name="Заголовок 1"/>
+          <p:cNvSpPr>
+            <a:spLocks noGrp="1"/>
+          </p:cNvSpPr>
+          <p:nvPr>
+            <p:ph type="title"/>
+          </p:nvPr>
+        </p:nvSpPr>
+        <p:spPr/>
+        <p:txBody>
+          <a:bodyPr/>
+          <a:lstStyle/>
+          <a:p>
+            <a:pPr algn="ctr"/>
+            <a:r>
+              <a:rPr lang="ru-RU" dirty="0" smtClean="0"/>
+              <a:t>Заключение</a:t>
+            </a:r>
+            <a:endParaRPr lang="ru-RU" dirty="0"/>
+          </a:p>
+        </p:txBody>
+      </p:sp>
+      <p:sp>
+        <p:nvSpPr>
+          <p:cNvPr id="3" name="Объект 2"/>
+          <p:cNvSpPr>
+            <a:spLocks noGrp="1"/>
+          </p:cNvSpPr>
+          <p:nvPr>
+            <p:ph idx="1"/>
+          </p:nvPr>
+        </p:nvSpPr>
+        <p:spPr/>
+        <p:txBody>
+          <a:bodyPr>
+            <a:normAutofit/>
+          </a:bodyPr>
+          <a:lstStyle/>
+          <a:p>
+            <a:pPr marL="0" indent="0" algn="just">
+              <a:lnSpc>
+                <a:spcPct val="150000"/>
+              </a:lnSpc>
+              <a:spcBef>
+                <a:spcPts val="0"/>
+              </a:spcBef>
+              <a:buNone/>
+            </a:pPr>
+            <a:r>
+              <a:rPr lang="ru-RU" sz="2400" dirty="0"/>
+              <a:t>В ходе проделанной работы была разработана универсальная автоматизированная система для управления торговыми процессами коммерческого предприятия.</a:t>
+            </a:r>
+          </a:p>
+          <a:p>
+            <a:pPr marL="0" indent="0" algn="just">
+              <a:lnSpc>
+                <a:spcPct val="150000"/>
+              </a:lnSpc>
+              <a:spcBef>
+                <a:spcPts val="0"/>
+              </a:spcBef>
+              <a:buNone/>
+            </a:pPr>
+            <a:r>
+              <a:rPr lang="ru-RU" sz="2400" dirty="0"/>
+              <a:t>Автоматизированная система может использоваться в сфере торговли, на предприятиях по продаже товаров и услуг в коммерческой сфере.</a:t>
+            </a:r>
+          </a:p>
+          <a:p>
+            <a:pPr marL="0" indent="0" algn="just">
+              <a:lnSpc>
+                <a:spcPct val="150000"/>
+              </a:lnSpc>
+              <a:spcBef>
+                <a:spcPts val="0"/>
+              </a:spcBef>
+              <a:buNone/>
+            </a:pPr>
+            <a:endParaRPr lang="ru-RU" dirty="0"/>
+          </a:p>
+        </p:txBody>
+      </p:sp>
+      <p:sp>
+        <p:nvSpPr>
+          <p:cNvPr id="4" name="Номер слайда 3"/>
+          <p:cNvSpPr>
+            <a:spLocks noGrp="1"/>
+          </p:cNvSpPr>
+          <p:nvPr>
+            <p:ph type="sldNum" sz="quarter" idx="12"/>
+          </p:nvPr>
+        </p:nvSpPr>
+        <p:spPr/>
+        <p:txBody>
+          <a:bodyPr/>
+          <a:lstStyle/>
+          <a:p>
+            <a:fld id="{0D72A0D8-76E0-4793-925F-4BD98C697BFE}" type="slidenum">
+              <a:rPr lang="ru-RU" smtClean="0"/>
+              <a:t>29</a:t>
+            </a:fld>
+            <a:endParaRPr lang="ru-RU"/>
+          </a:p>
+        </p:txBody>
+      </p:sp>
+    </p:spTree>
+    <p:extLst>
+      <p:ext uri="{BB962C8B-B14F-4D97-AF65-F5344CB8AC3E}">
+        <p14:creationId xmlns:p14="http://schemas.microsoft.com/office/powerpoint/2010/main" val="2864047944"/>
+      </p:ext>
+    </p:extLst>
+  </p:cSld>
+  <p:clrMapOvr>
+    <a:masterClrMapping/>
+  </p:clrMapOvr>
+  <p:timing>
+    <p:tnLst>
+      <p:par>
+        <p:cTn id="1" dur="indefinite" restart="never" nodeType="tmRoot"/>
+      </p:par>
+    </p:tnLst>
+  </p:timing>
+</p:sld>
+</file>
+
+<file path=ppt/slides/slide3.xml><?xml version="1.0" encoding="utf-8"?>
+<p:sld xmlns:a="http://schemas.openxmlformats.org/drawingml/2006/main" xmlns:r="http://schemas.openxmlformats.org/officeDocument/2006/relationships" xmlns:p="http://schemas.openxmlformats.org/presentationml/2006/main">
+  <p:cSld>
+    <p:spTree>
+      <p:nvGrpSpPr>
+        <p:cNvPr id="1" name=""/>
+        <p:cNvGrpSpPr/>
+        <p:nvPr/>
+      </p:nvGrpSpPr>
+      <p:grpSpPr>
+        <a:xfrm>
+          <a:off x="0" y="0"/>
+          <a:ext cx="0" cy="0"/>
+          <a:chOff x="0" y="0"/>
+          <a:chExt cx="0" cy="0"/>
+        </a:xfrm>
+      </p:grpSpPr>
+      <p:sp>
+        <p:nvSpPr>
+          <p:cNvPr id="2" name="Заголовок 1"/>
+          <p:cNvSpPr>
+            <a:spLocks noGrp="1"/>
+          </p:cNvSpPr>
+          <p:nvPr>
+            <p:ph type="title"/>
+          </p:nvPr>
+        </p:nvSpPr>
+        <p:spPr/>
+        <p:txBody>
+          <a:bodyPr/>
+          <a:lstStyle/>
+          <a:p>
+            <a:pPr algn="ctr"/>
+            <a:r>
+              <a:rPr lang="ru-RU" dirty="0" smtClean="0"/>
+              <a:t>Функции системы</a:t>
+            </a:r>
+            <a:endParaRPr lang="ru-RU" dirty="0"/>
+          </a:p>
+        </p:txBody>
+      </p:sp>
+      <p:sp>
+        <p:nvSpPr>
+          <p:cNvPr id="3" name="Объект 2"/>
+          <p:cNvSpPr>
+            <a:spLocks noGrp="1"/>
+          </p:cNvSpPr>
+          <p:nvPr>
+            <p:ph idx="1"/>
+          </p:nvPr>
+        </p:nvSpPr>
+        <p:spPr/>
+        <p:txBody>
+          <a:bodyPr>
+            <a:normAutofit fontScale="55000" lnSpcReduction="20000"/>
+          </a:bodyPr>
+          <a:lstStyle/>
+          <a:p>
+            <a:pPr marL="0" indent="0">
+              <a:buNone/>
+            </a:pPr>
+            <a:r>
+              <a:rPr lang="ru-RU" sz="3300" b="1" dirty="0"/>
+              <a:t>Система автоматизации торговли должна осуществлять выполнение следующих функций:</a:t>
+            </a:r>
+          </a:p>
+          <a:p>
+            <a:pPr lvl="0"/>
+            <a:r>
+              <a:rPr lang="ru-RU" sz="2900" b="1" dirty="0"/>
+              <a:t>хранение большого массива данных:</a:t>
+            </a:r>
+          </a:p>
+          <a:p>
+            <a:pPr>
+              <a:buFont typeface="Wingdings" panose="05000000000000000000" pitchFamily="2" charset="2"/>
+              <a:buChar char="ü"/>
+            </a:pPr>
+            <a:r>
+              <a:rPr lang="ru-RU" dirty="0" smtClean="0"/>
+              <a:t>о </a:t>
+            </a:r>
+            <a:r>
+              <a:rPr lang="ru-RU" dirty="0"/>
+              <a:t>клиентах </a:t>
+            </a:r>
+            <a:r>
+              <a:rPr lang="ru-RU" dirty="0" smtClean="0"/>
+              <a:t>организации</a:t>
+            </a:r>
+            <a:endParaRPr lang="ru-RU" dirty="0"/>
+          </a:p>
+          <a:p>
+            <a:pPr>
+              <a:buFont typeface="Wingdings" panose="05000000000000000000" pitchFamily="2" charset="2"/>
+              <a:buChar char="ü"/>
+            </a:pPr>
+            <a:r>
+              <a:rPr lang="ru-RU" dirty="0" smtClean="0"/>
+              <a:t>регистрационные </a:t>
+            </a:r>
+            <a:r>
+              <a:rPr lang="ru-RU" dirty="0"/>
+              <a:t>данные </a:t>
+            </a:r>
+            <a:r>
+              <a:rPr lang="ru-RU" dirty="0" smtClean="0"/>
+              <a:t>клиентов</a:t>
+            </a:r>
+            <a:endParaRPr lang="ru-RU" dirty="0"/>
+          </a:p>
+          <a:p>
+            <a:pPr>
+              <a:buFont typeface="Wingdings" panose="05000000000000000000" pitchFamily="2" charset="2"/>
+              <a:buChar char="ü"/>
+            </a:pPr>
+            <a:r>
+              <a:rPr lang="ru-RU" dirty="0" smtClean="0"/>
+              <a:t>авторизационные </a:t>
+            </a:r>
+            <a:r>
+              <a:rPr lang="ru-RU"/>
+              <a:t>данные </a:t>
+            </a:r>
+            <a:r>
+              <a:rPr lang="ru-RU" smtClean="0"/>
+              <a:t>клиентов</a:t>
+            </a:r>
+            <a:endParaRPr lang="ru-RU" dirty="0"/>
+          </a:p>
+          <a:p>
+            <a:pPr>
+              <a:buFont typeface="Wingdings" panose="05000000000000000000" pitchFamily="2" charset="2"/>
+              <a:buChar char="ü"/>
+            </a:pPr>
+            <a:r>
+              <a:rPr lang="ru-RU" dirty="0" smtClean="0"/>
+              <a:t>о </a:t>
+            </a:r>
+            <a:r>
+              <a:rPr lang="ru-RU" dirty="0"/>
+              <a:t>товаре и его </a:t>
+            </a:r>
+            <a:r>
+              <a:rPr lang="ru-RU" dirty="0" smtClean="0"/>
+              <a:t>описании</a:t>
+            </a:r>
+            <a:endParaRPr lang="ru-RU" dirty="0"/>
+          </a:p>
+          <a:p>
+            <a:pPr>
+              <a:buFont typeface="Wingdings" panose="05000000000000000000" pitchFamily="2" charset="2"/>
+              <a:buChar char="ü"/>
+            </a:pPr>
+            <a:r>
+              <a:rPr lang="ru-RU" dirty="0" smtClean="0"/>
+              <a:t>о заказах</a:t>
+            </a:r>
+            <a:endParaRPr lang="ru-RU" dirty="0"/>
+          </a:p>
+          <a:p>
+            <a:pPr>
+              <a:buFont typeface="Wingdings" panose="05000000000000000000" pitchFamily="2" charset="2"/>
+              <a:buChar char="ü"/>
+            </a:pPr>
+            <a:r>
+              <a:rPr lang="ru-RU" dirty="0" smtClean="0"/>
+              <a:t>о </a:t>
+            </a:r>
+            <a:r>
+              <a:rPr lang="ru-RU" dirty="0"/>
+              <a:t>количестве товара на </a:t>
+            </a:r>
+            <a:r>
+              <a:rPr lang="ru-RU" dirty="0" smtClean="0"/>
+              <a:t>складе</a:t>
+            </a:r>
+            <a:endParaRPr lang="ru-RU" dirty="0"/>
+          </a:p>
+          <a:p>
+            <a:pPr lvl="0"/>
+            <a:r>
+              <a:rPr lang="ru-RU" sz="2900" b="1" dirty="0"/>
+              <a:t>корректное и оперативное выполнение запросов пользователей:</a:t>
+            </a:r>
+          </a:p>
+          <a:p>
+            <a:pPr>
+              <a:buFont typeface="Wingdings" panose="05000000000000000000" pitchFamily="2" charset="2"/>
+              <a:buChar char="ü"/>
+            </a:pPr>
+            <a:r>
+              <a:rPr lang="ru-RU" dirty="0" smtClean="0"/>
+              <a:t> </a:t>
+            </a:r>
+            <a:r>
+              <a:rPr lang="ru-RU" dirty="0"/>
+              <a:t>внесение данных в </a:t>
+            </a:r>
+            <a:r>
+              <a:rPr lang="ru-RU" dirty="0" smtClean="0"/>
+              <a:t>систему</a:t>
+            </a:r>
+            <a:endParaRPr lang="ru-RU" dirty="0"/>
+          </a:p>
+          <a:p>
+            <a:pPr>
+              <a:buFont typeface="Wingdings" panose="05000000000000000000" pitchFamily="2" charset="2"/>
+              <a:buChar char="ü"/>
+            </a:pPr>
+            <a:r>
+              <a:rPr lang="ru-RU" dirty="0" smtClean="0"/>
+              <a:t> </a:t>
+            </a:r>
+            <a:r>
+              <a:rPr lang="ru-RU" dirty="0"/>
+              <a:t>изменение данных в </a:t>
+            </a:r>
+            <a:r>
+              <a:rPr lang="ru-RU" dirty="0" smtClean="0"/>
+              <a:t>системе</a:t>
+            </a:r>
+            <a:endParaRPr lang="ru-RU" dirty="0"/>
+          </a:p>
+          <a:p>
+            <a:pPr>
+              <a:buFont typeface="Wingdings" panose="05000000000000000000" pitchFamily="2" charset="2"/>
+              <a:buChar char="ü"/>
+            </a:pPr>
+            <a:r>
+              <a:rPr lang="ru-RU" dirty="0"/>
+              <a:t> </a:t>
+            </a:r>
+            <a:r>
+              <a:rPr lang="ru-RU" dirty="0" smtClean="0"/>
+              <a:t>удаление </a:t>
+            </a:r>
+            <a:r>
+              <a:rPr lang="ru-RU" dirty="0"/>
+              <a:t>данных из </a:t>
+            </a:r>
+            <a:r>
+              <a:rPr lang="ru-RU" dirty="0" smtClean="0"/>
+              <a:t>системы</a:t>
+            </a:r>
+            <a:endParaRPr lang="ru-RU" dirty="0"/>
+          </a:p>
+          <a:p>
+            <a:r>
+              <a:rPr lang="ru-RU" sz="2900" b="1" dirty="0"/>
+              <a:t>контроль работы пользователей:</a:t>
+            </a:r>
+          </a:p>
+          <a:p>
+            <a:pPr>
+              <a:buFont typeface="Wingdings" panose="05000000000000000000" pitchFamily="2" charset="2"/>
+              <a:buChar char="ü"/>
+            </a:pPr>
+            <a:r>
+              <a:rPr lang="ru-RU" dirty="0"/>
+              <a:t> </a:t>
+            </a:r>
+            <a:r>
+              <a:rPr lang="ru-RU" dirty="0" smtClean="0"/>
+              <a:t>разграничение </a:t>
+            </a:r>
+            <a:r>
+              <a:rPr lang="ru-RU" dirty="0"/>
+              <a:t>прав доступа к определенной </a:t>
+            </a:r>
+            <a:r>
+              <a:rPr lang="ru-RU" dirty="0" smtClean="0"/>
+              <a:t>информации</a:t>
+            </a:r>
+            <a:endParaRPr lang="ru-RU" dirty="0"/>
+          </a:p>
+          <a:p>
+            <a:pPr>
+              <a:buFont typeface="Wingdings" panose="05000000000000000000" pitchFamily="2" charset="2"/>
+              <a:buChar char="ü"/>
+            </a:pPr>
+            <a:r>
+              <a:rPr lang="ru-RU" dirty="0" smtClean="0"/>
+              <a:t> </a:t>
+            </a:r>
+            <a:r>
+              <a:rPr lang="ru-RU" dirty="0"/>
+              <a:t>защита от некорректных действий пользователя</a:t>
+            </a:r>
+            <a:endParaRPr lang="ru-RU" dirty="0"/>
+          </a:p>
+        </p:txBody>
+      </p:sp>
+      <p:sp>
+        <p:nvSpPr>
+          <p:cNvPr id="4" name="Номер слайда 3"/>
+          <p:cNvSpPr>
+            <a:spLocks noGrp="1"/>
+          </p:cNvSpPr>
+          <p:nvPr>
+            <p:ph type="sldNum" sz="quarter" idx="12"/>
+          </p:nvPr>
+        </p:nvSpPr>
+        <p:spPr/>
+        <p:txBody>
+          <a:bodyPr/>
+          <a:lstStyle/>
+          <a:p>
+            <a:fld id="{0D72A0D8-76E0-4793-925F-4BD98C697BFE}" type="slidenum">
+              <a:rPr lang="ru-RU" smtClean="0"/>
+              <a:t>3</a:t>
+            </a:fld>
+            <a:endParaRPr lang="ru-RU"/>
+          </a:p>
+        </p:txBody>
+      </p:sp>
+    </p:spTree>
+    <p:extLst>
+      <p:ext uri="{BB962C8B-B14F-4D97-AF65-F5344CB8AC3E}">
+        <p14:creationId xmlns:p14="http://schemas.microsoft.com/office/powerpoint/2010/main" val="1809931033"/>
+      </p:ext>
+    </p:extLst>
+  </p:cSld>
+  <p:clrMapOvr>
+    <a:masterClrMapping/>
+  </p:clrMapOvr>
+  <p:timing>
+    <p:tnLst>
+      <p:par>
+        <p:cTn id="1" dur="indefinite" restart="never" nodeType="tmRoot"/>
+      </p:par>
+    </p:tnLst>
+  </p:timing>
+</p:sld>
+</file>
+
+<file path=ppt/slides/slide30.xml><?xml version="1.0" encoding="utf-8"?>
+<p:sld xmlns:a="http://schemas.openxmlformats.org/drawingml/2006/main" xmlns:r="http://schemas.openxmlformats.org/officeDocument/2006/relationships" xmlns:p="http://schemas.openxmlformats.org/presentationml/2006/main">
+  <p:cSld>
+    <p:spTree>
+      <p:nvGrpSpPr>
+        <p:cNvPr id="1" name=""/>
+        <p:cNvGrpSpPr/>
+        <p:nvPr/>
+      </p:nvGrpSpPr>
+      <p:grpSpPr>
+        <a:xfrm>
+          <a:off x="0" y="0"/>
+          <a:ext cx="0" cy="0"/>
+          <a:chOff x="0" y="0"/>
+          <a:chExt cx="0" cy="0"/>
+        </a:xfrm>
+      </p:grpSpPr>
+      <p:sp>
+        <p:nvSpPr>
+          <p:cNvPr id="2" name="Заголовок 1"/>
+          <p:cNvSpPr>
+            <a:spLocks noGrp="1"/>
+          </p:cNvSpPr>
+          <p:nvPr>
+            <p:ph type="title"/>
+          </p:nvPr>
+        </p:nvSpPr>
+        <p:spPr/>
+        <p:txBody>
+          <a:bodyPr/>
+          <a:lstStyle/>
+          <a:p>
+            <a:endParaRPr lang="ru-RU" dirty="0"/>
+          </a:p>
+        </p:txBody>
+      </p:sp>
+      <p:sp>
+        <p:nvSpPr>
+          <p:cNvPr id="3" name="Объект 2"/>
+          <p:cNvSpPr>
+            <a:spLocks noGrp="1"/>
+          </p:cNvSpPr>
+          <p:nvPr>
+            <p:ph idx="1"/>
+          </p:nvPr>
+        </p:nvSpPr>
+        <p:spPr/>
+        <p:txBody>
+          <a:bodyPr/>
+          <a:lstStyle/>
+          <a:p>
+            <a:pPr marL="0" indent="0" algn="ctr">
+              <a:buNone/>
+            </a:pPr>
+            <a:endParaRPr lang="ru-RU" altLang="ru-RU" dirty="0" smtClean="0"/>
+          </a:p>
+          <a:p>
+            <a:pPr marL="0" indent="0" algn="ctr">
+              <a:buNone/>
+            </a:pPr>
+            <a:endParaRPr lang="ru-RU" altLang="ru-RU" dirty="0" smtClean="0"/>
+          </a:p>
+          <a:p>
+            <a:pPr marL="0" indent="0" algn="ctr">
+              <a:buNone/>
+            </a:pPr>
+            <a:r>
+              <a:rPr lang="ru-RU" altLang="ru-RU" sz="5400" dirty="0" smtClean="0"/>
+              <a:t>Спасибо </a:t>
+            </a:r>
+            <a:r>
+              <a:rPr lang="ru-RU" altLang="ru-RU" sz="5400" dirty="0"/>
+              <a:t>за внимание!</a:t>
+            </a:r>
+          </a:p>
+          <a:p>
+            <a:endParaRPr lang="ru-RU" dirty="0"/>
+          </a:p>
+        </p:txBody>
+      </p:sp>
+      <p:sp>
+        <p:nvSpPr>
+          <p:cNvPr id="4" name="Номер слайда 3"/>
+          <p:cNvSpPr>
+            <a:spLocks noGrp="1"/>
+          </p:cNvSpPr>
+          <p:nvPr>
+            <p:ph type="sldNum" sz="quarter" idx="12"/>
+          </p:nvPr>
+        </p:nvSpPr>
+        <p:spPr/>
+        <p:txBody>
+          <a:bodyPr/>
+          <a:lstStyle/>
+          <a:p>
+            <a:fld id="{0D72A0D8-76E0-4793-925F-4BD98C697BFE}" type="slidenum">
+              <a:rPr lang="ru-RU" smtClean="0"/>
+              <a:t>30</a:t>
+            </a:fld>
+            <a:endParaRPr lang="ru-RU"/>
+          </a:p>
+        </p:txBody>
+      </p:sp>
+    </p:spTree>
+    <p:extLst>
+      <p:ext uri="{BB962C8B-B14F-4D97-AF65-F5344CB8AC3E}">
+        <p14:creationId xmlns:p14="http://schemas.microsoft.com/office/powerpoint/2010/main" val="858252436"/>
+      </p:ext>
+    </p:extLst>
+  </p:cSld>
+  <p:clrMapOvr>
+    <a:masterClrMapping/>
+  </p:clrMapOvr>
+  <p:timing>
+    <p:tnLst>
+      <p:par>
+        <p:cTn id="1" dur="indefinite" restart="never" nodeType="tmRoot"/>
+      </p:par>
+    </p:tnLst>
+  </p:timing>
+</p:sld>
+</file>
+
+<file path=ppt/slides/slide4.xml><?xml version="1.0" encoding="utf-8"?>
+<p:sld xmlns:a="http://schemas.openxmlformats.org/drawingml/2006/main" xmlns:r="http://schemas.openxmlformats.org/officeDocument/2006/relationships" xmlns:p="http://schemas.openxmlformats.org/presentationml/2006/main">
+  <p:cSld>
+    <p:spTree>
+      <p:nvGrpSpPr>
+        <p:cNvPr id="1" name=""/>
+        <p:cNvGrpSpPr/>
+        <p:nvPr/>
+      </p:nvGrpSpPr>
+      <p:grpSpPr>
+        <a:xfrm>
+          <a:off x="0" y="0"/>
+          <a:ext cx="0" cy="0"/>
+          <a:chOff x="0" y="0"/>
+          <a:chExt cx="0" cy="0"/>
+        </a:xfrm>
+      </p:grpSpPr>
+      <p:sp>
+        <p:nvSpPr>
+          <p:cNvPr id="2" name="Заголовок 1"/>
+          <p:cNvSpPr>
+            <a:spLocks noGrp="1"/>
+          </p:cNvSpPr>
+          <p:nvPr>
+            <p:ph type="title"/>
+          </p:nvPr>
+        </p:nvSpPr>
+        <p:spPr/>
+        <p:txBody>
+          <a:bodyPr/>
+          <a:lstStyle/>
+          <a:p>
+            <a:pPr algn="ctr"/>
+            <a:r>
+              <a:rPr lang="ru-RU" dirty="0"/>
+              <a:t>Объектная модель </a:t>
+            </a:r>
+            <a:r>
+              <a:rPr lang="ru-RU" dirty="0" smtClean="0"/>
+              <a:t>системы</a:t>
+            </a:r>
+            <a:endParaRPr lang="ru-RU" dirty="0"/>
+          </a:p>
+        </p:txBody>
+      </p:sp>
+      <p:sp>
+        <p:nvSpPr>
+          <p:cNvPr id="3" name="Объект 2"/>
+          <p:cNvSpPr>
+            <a:spLocks noGrp="1"/>
+          </p:cNvSpPr>
+          <p:nvPr>
+            <p:ph idx="1"/>
+          </p:nvPr>
+        </p:nvSpPr>
+        <p:spPr/>
+        <p:txBody>
+          <a:bodyPr/>
+          <a:lstStyle/>
+          <a:p>
+            <a:pPr marL="0" indent="0" algn="just">
+              <a:lnSpc>
+                <a:spcPct val="150000"/>
+              </a:lnSpc>
+              <a:spcBef>
+                <a:spcPts val="0"/>
+              </a:spcBef>
+              <a:buNone/>
+            </a:pPr>
+            <a:r>
+              <a:rPr lang="ru-RU" sz="2200" dirty="0"/>
+              <a:t>Объектная модель описывает структуру объектов, составляющих систему, их атрибуты, операции, взаимосвязи с другими </a:t>
+            </a:r>
+            <a:r>
+              <a:rPr lang="ru-RU" sz="2200" dirty="0"/>
+              <a:t>объектами. Для </a:t>
+            </a:r>
+            <a:r>
+              <a:rPr lang="ru-RU" sz="2200" dirty="0"/>
+              <a:t>разработки автоматизированной системы необходимо понимание всех процессов, которые происходят в рамках функционирования данной системы, анализ потоков данных, который может существовать у организации занимающейся торговлей. Для этого необходимо построить ряд диаграмм, которые представлены </a:t>
+            </a:r>
+            <a:r>
+              <a:rPr lang="ru-RU" sz="2200" dirty="0" smtClean="0"/>
+              <a:t>на следующих слайдах. </a:t>
+            </a:r>
+            <a:endParaRPr lang="ru-RU" sz="2200" dirty="0"/>
+          </a:p>
+          <a:p>
+            <a:endParaRPr lang="ru-RU" dirty="0"/>
+          </a:p>
+        </p:txBody>
+      </p:sp>
+      <p:sp>
+        <p:nvSpPr>
+          <p:cNvPr id="4" name="Номер слайда 3"/>
+          <p:cNvSpPr>
+            <a:spLocks noGrp="1"/>
+          </p:cNvSpPr>
+          <p:nvPr>
+            <p:ph type="sldNum" sz="quarter" idx="12"/>
+          </p:nvPr>
+        </p:nvSpPr>
+        <p:spPr/>
+        <p:txBody>
+          <a:bodyPr/>
+          <a:lstStyle/>
+          <a:p>
+            <a:fld id="{0D72A0D8-76E0-4793-925F-4BD98C697BFE}" type="slidenum">
+              <a:rPr lang="ru-RU" smtClean="0"/>
+              <a:t>4</a:t>
+            </a:fld>
+            <a:endParaRPr lang="ru-RU"/>
+          </a:p>
+        </p:txBody>
+      </p:sp>
+    </p:spTree>
+    <p:extLst>
+      <p:ext uri="{BB962C8B-B14F-4D97-AF65-F5344CB8AC3E}">
+        <p14:creationId xmlns:p14="http://schemas.microsoft.com/office/powerpoint/2010/main" val="1639065135"/>
+      </p:ext>
+    </p:extLst>
+  </p:cSld>
+  <p:clrMapOvr>
+    <a:masterClrMapping/>
+  </p:clrMapOvr>
+  <p:timing>
+    <p:tnLst>
+      <p:par>
+        <p:cTn id="1" dur="indefinite" restart="never" nodeType="tmRoot"/>
+      </p:par>
+    </p:tnLst>
+  </p:timing>
+</p:sld>
+</file>
+
+<file path=ppt/slides/slide5.xml><?xml version="1.0" encoding="utf-8"?>
+<p:sld xmlns:a="http://schemas.openxmlformats.org/drawingml/2006/main" xmlns:r="http://schemas.openxmlformats.org/officeDocument/2006/relationships" xmlns:p="http://schemas.openxmlformats.org/presentationml/2006/main">
+  <p:cSld>
+    <p:spTree>
+      <p:nvGrpSpPr>
+        <p:cNvPr id="1" name=""/>
+        <p:cNvGrpSpPr/>
+        <p:nvPr/>
+      </p:nvGrpSpPr>
+      <p:grpSpPr>
+        <a:xfrm>
+          <a:off x="0" y="0"/>
+          <a:ext cx="0" cy="0"/>
+          <a:chOff x="0" y="0"/>
+          <a:chExt cx="0" cy="0"/>
+        </a:xfrm>
+      </p:grpSpPr>
+      <p:sp>
+        <p:nvSpPr>
+          <p:cNvPr id="2" name="Заголовок 1"/>
+          <p:cNvSpPr>
+            <a:spLocks noGrp="1"/>
+          </p:cNvSpPr>
+          <p:nvPr>
+            <p:ph type="title"/>
+          </p:nvPr>
+        </p:nvSpPr>
+        <p:spPr>
+          <a:xfrm>
+            <a:off x="774192" y="4534"/>
+            <a:ext cx="10515600" cy="362410"/>
+          </a:xfrm>
+        </p:spPr>
+        <p:txBody>
+          <a:bodyPr>
+            <a:normAutofit fontScale="90000"/>
+          </a:bodyPr>
+          <a:lstStyle/>
+          <a:p>
+            <a:pPr algn="ctr"/>
+            <a:r>
+              <a:rPr lang="ru-RU" sz="3000" dirty="0"/>
+              <a:t>Диаграмма прецедентов</a:t>
+            </a:r>
+            <a:endParaRPr lang="ru-RU" sz="3000" dirty="0"/>
+          </a:p>
+        </p:txBody>
+      </p:sp>
+      <p:pic>
+        <p:nvPicPr>
+          <p:cNvPr id="5" name="Объект 4"/>
+          <p:cNvPicPr>
+            <a:picLocks noGrp="1" noChangeAspect="1"/>
+          </p:cNvPicPr>
+          <p:nvPr>
+            <p:ph idx="1"/>
+          </p:nvPr>
+        </p:nvPicPr>
+        <p:blipFill>
+          <a:blip r:embed="rId2">
+            <a:extLst>
+              <a:ext uri="{28A0092B-C50C-407E-A947-70E740481C1C}">
+                <a14:useLocalDpi xmlns:a14="http://schemas.microsoft.com/office/drawing/2010/main" val="0"/>
+              </a:ext>
+            </a:extLst>
+          </a:blip>
+          <a:stretch>
+            <a:fillRect/>
+          </a:stretch>
+        </p:blipFill>
+        <p:spPr>
+          <a:xfrm>
+            <a:off x="2688335" y="527562"/>
+            <a:ext cx="7773907" cy="5828787"/>
+          </a:xfrm>
+        </p:spPr>
+      </p:pic>
+      <p:sp>
+        <p:nvSpPr>
+          <p:cNvPr id="4" name="Номер слайда 3"/>
+          <p:cNvSpPr>
+            <a:spLocks noGrp="1"/>
+          </p:cNvSpPr>
+          <p:nvPr>
+            <p:ph type="sldNum" sz="quarter" idx="12"/>
+          </p:nvPr>
+        </p:nvSpPr>
+        <p:spPr/>
+        <p:txBody>
+          <a:bodyPr/>
+          <a:lstStyle/>
+          <a:p>
+            <a:fld id="{0D72A0D8-76E0-4793-925F-4BD98C697BFE}" type="slidenum">
+              <a:rPr lang="ru-RU" smtClean="0"/>
+              <a:t>5</a:t>
+            </a:fld>
+            <a:endParaRPr lang="ru-RU"/>
+          </a:p>
+        </p:txBody>
+      </p:sp>
+    </p:spTree>
+    <p:extLst>
+      <p:ext uri="{BB962C8B-B14F-4D97-AF65-F5344CB8AC3E}">
+        <p14:creationId xmlns:p14="http://schemas.microsoft.com/office/powerpoint/2010/main" val="961707773"/>
+      </p:ext>
+    </p:extLst>
+  </p:cSld>
+  <p:clrMapOvr>
+    <a:masterClrMapping/>
+  </p:clrMapOvr>
+  <p:timing>
+    <p:tnLst>
+      <p:par>
+        <p:cTn id="1" dur="indefinite" restart="never" nodeType="tmRoot"/>
+      </p:par>
+    </p:tnLst>
+  </p:timing>
+</p:sld>
+</file>
+
+<file path=ppt/slides/slide6.xml><?xml version="1.0" encoding="utf-8"?>
+<p:sld xmlns:a="http://schemas.openxmlformats.org/drawingml/2006/main" xmlns:r="http://schemas.openxmlformats.org/officeDocument/2006/relationships" xmlns:p="http://schemas.openxmlformats.org/presentationml/2006/main">
+  <p:cSld>
+    <p:spTree>
+      <p:nvGrpSpPr>
+        <p:cNvPr id="1" name=""/>
+        <p:cNvGrpSpPr/>
+        <p:nvPr/>
+      </p:nvGrpSpPr>
+      <p:grpSpPr>
+        <a:xfrm>
+          <a:off x="0" y="0"/>
+          <a:ext cx="0" cy="0"/>
+          <a:chOff x="0" y="0"/>
+          <a:chExt cx="0" cy="0"/>
+        </a:xfrm>
+      </p:grpSpPr>
+      <p:sp>
+        <p:nvSpPr>
+          <p:cNvPr id="2" name="Заголовок 1"/>
+          <p:cNvSpPr>
+            <a:spLocks noGrp="1"/>
+          </p:cNvSpPr>
+          <p:nvPr>
+            <p:ph type="title"/>
+          </p:nvPr>
+        </p:nvSpPr>
+        <p:spPr>
+          <a:xfrm>
+            <a:off x="838200" y="1"/>
+            <a:ext cx="10515600" cy="384048"/>
+          </a:xfrm>
+        </p:spPr>
+        <p:txBody>
+          <a:bodyPr>
+            <a:normAutofit fontScale="90000"/>
+          </a:bodyPr>
+          <a:lstStyle/>
+          <a:p>
+            <a:pPr algn="ctr"/>
+            <a:r>
+              <a:rPr lang="ru-RU" sz="2700" dirty="0" smtClean="0"/>
+              <a:t>Диаграмма </a:t>
+            </a:r>
+            <a:r>
+              <a:rPr lang="ru-RU" sz="2700" dirty="0"/>
+              <a:t>деятельности</a:t>
+            </a:r>
+            <a:endParaRPr lang="ru-RU" sz="2700" dirty="0"/>
+          </a:p>
+        </p:txBody>
+      </p:sp>
+      <p:pic>
+        <p:nvPicPr>
+          <p:cNvPr id="5" name="Объект 4"/>
+          <p:cNvPicPr>
+            <a:picLocks noGrp="1" noChangeAspect="1"/>
+          </p:cNvPicPr>
+          <p:nvPr>
+            <p:ph idx="1"/>
+          </p:nvPr>
+        </p:nvPicPr>
+        <p:blipFill>
+          <a:blip r:embed="rId2">
+            <a:extLst>
+              <a:ext uri="{28A0092B-C50C-407E-A947-70E740481C1C}">
+                <a14:useLocalDpi xmlns:a14="http://schemas.microsoft.com/office/drawing/2010/main" val="0"/>
+              </a:ext>
+            </a:extLst>
+          </a:blip>
+          <a:stretch>
+            <a:fillRect/>
+          </a:stretch>
+        </p:blipFill>
+        <p:spPr>
+          <a:xfrm>
+            <a:off x="4343400" y="401708"/>
+            <a:ext cx="3746337" cy="5954642"/>
+          </a:xfrm>
+        </p:spPr>
+      </p:pic>
+      <p:sp>
+        <p:nvSpPr>
+          <p:cNvPr id="4" name="Номер слайда 3"/>
+          <p:cNvSpPr>
+            <a:spLocks noGrp="1"/>
+          </p:cNvSpPr>
+          <p:nvPr>
+            <p:ph type="sldNum" sz="quarter" idx="12"/>
+          </p:nvPr>
+        </p:nvSpPr>
+        <p:spPr/>
+        <p:txBody>
+          <a:bodyPr/>
+          <a:lstStyle/>
+          <a:p>
+            <a:fld id="{0D72A0D8-76E0-4793-925F-4BD98C697BFE}" type="slidenum">
+              <a:rPr lang="ru-RU" smtClean="0"/>
+              <a:t>6</a:t>
+            </a:fld>
+            <a:endParaRPr lang="ru-RU"/>
+          </a:p>
+        </p:txBody>
+      </p:sp>
+    </p:spTree>
+    <p:extLst>
+      <p:ext uri="{BB962C8B-B14F-4D97-AF65-F5344CB8AC3E}">
+        <p14:creationId xmlns:p14="http://schemas.microsoft.com/office/powerpoint/2010/main" val="479667529"/>
+      </p:ext>
+    </p:extLst>
+  </p:cSld>
+  <p:clrMapOvr>
+    <a:masterClrMapping/>
+  </p:clrMapOvr>
+  <p:timing>
+    <p:tnLst>
+      <p:par>
+        <p:cTn id="1" dur="indefinite" restart="never" nodeType="tmRoot"/>
+      </p:par>
+    </p:tnLst>
+  </p:timing>
+</p:sld>
+</file>
+
+<file path=ppt/slides/slide7.xml><?xml version="1.0" encoding="utf-8"?>
+<p:sld xmlns:a="http://schemas.openxmlformats.org/drawingml/2006/main" xmlns:r="http://schemas.openxmlformats.org/officeDocument/2006/relationships" xmlns:p="http://schemas.openxmlformats.org/presentationml/2006/main">
+  <p:cSld>
+    <p:spTree>
+      <p:nvGrpSpPr>
+        <p:cNvPr id="1" name=""/>
+        <p:cNvGrpSpPr/>
+        <p:nvPr/>
+      </p:nvGrpSpPr>
+      <p:grpSpPr>
+        <a:xfrm>
+          <a:off x="0" y="0"/>
+          <a:ext cx="0" cy="0"/>
+          <a:chOff x="0" y="0"/>
+          <a:chExt cx="0" cy="0"/>
+        </a:xfrm>
+      </p:grpSpPr>
+      <p:sp>
+        <p:nvSpPr>
+          <p:cNvPr id="2" name="Заголовок 1"/>
+          <p:cNvSpPr>
+            <a:spLocks noGrp="1"/>
+          </p:cNvSpPr>
+          <p:nvPr>
+            <p:ph type="title"/>
+          </p:nvPr>
+        </p:nvSpPr>
+        <p:spPr>
+          <a:xfrm>
+            <a:off x="838200" y="1"/>
+            <a:ext cx="10515600" cy="382833"/>
+          </a:xfrm>
+        </p:spPr>
+        <p:txBody>
+          <a:bodyPr>
+            <a:normAutofit fontScale="90000"/>
+          </a:bodyPr>
+          <a:lstStyle/>
+          <a:p>
+            <a:pPr algn="ctr"/>
+            <a:r>
+              <a:rPr lang="ru-RU" sz="2700" dirty="0" smtClean="0"/>
+              <a:t>Диаграмма компонентов</a:t>
+            </a:r>
+            <a:endParaRPr lang="ru-RU" sz="2700" dirty="0"/>
+          </a:p>
+        </p:txBody>
+      </p:sp>
+      <p:sp>
+        <p:nvSpPr>
+          <p:cNvPr id="4" name="Номер слайда 3"/>
+          <p:cNvSpPr>
+            <a:spLocks noGrp="1"/>
+          </p:cNvSpPr>
+          <p:nvPr>
+            <p:ph type="sldNum" sz="quarter" idx="12"/>
+          </p:nvPr>
+        </p:nvSpPr>
+        <p:spPr/>
+        <p:txBody>
+          <a:bodyPr/>
+          <a:lstStyle/>
+          <a:p>
+            <a:fld id="{0D72A0D8-76E0-4793-925F-4BD98C697BFE}" type="slidenum">
+              <a:rPr lang="ru-RU" smtClean="0"/>
+              <a:t>7</a:t>
+            </a:fld>
+            <a:endParaRPr lang="ru-RU"/>
+          </a:p>
+        </p:txBody>
+      </p:sp>
+      <p:pic>
+        <p:nvPicPr>
+          <p:cNvPr id="6" name="Объект 5"/>
+          <p:cNvPicPr>
+            <a:picLocks noGrp="1" noChangeAspect="1"/>
+          </p:cNvPicPr>
+          <p:nvPr>
+            <p:ph idx="1"/>
+          </p:nvPr>
+        </p:nvPicPr>
+        <p:blipFill>
+          <a:blip r:embed="rId2">
+            <a:extLst>
+              <a:ext uri="{28A0092B-C50C-407E-A947-70E740481C1C}">
+                <a14:useLocalDpi xmlns:a14="http://schemas.microsoft.com/office/drawing/2010/main" val="0"/>
+              </a:ext>
+            </a:extLst>
+          </a:blip>
+          <a:stretch>
+            <a:fillRect/>
+          </a:stretch>
+        </p:blipFill>
+        <p:spPr>
+          <a:xfrm>
+            <a:off x="2465370" y="382834"/>
+            <a:ext cx="7261260" cy="5974732"/>
+          </a:xfrm>
+        </p:spPr>
+      </p:pic>
+    </p:spTree>
+    <p:extLst>
+      <p:ext uri="{BB962C8B-B14F-4D97-AF65-F5344CB8AC3E}">
+        <p14:creationId xmlns:p14="http://schemas.microsoft.com/office/powerpoint/2010/main" val="1119522365"/>
+      </p:ext>
+    </p:extLst>
+  </p:cSld>
+  <p:clrMapOvr>
+    <a:masterClrMapping/>
+  </p:clrMapOvr>
+  <p:timing>
+    <p:tnLst>
+      <p:par>
+        <p:cTn id="1" dur="indefinite" restart="never" nodeType="tmRoot"/>
+      </p:par>
+    </p:tnLst>
+  </p:timing>
+</p:sld>
+</file>
+
+<file path=ppt/slides/slide8.xml><?xml version="1.0" encoding="utf-8"?>
+<p:sld xmlns:a="http://schemas.openxmlformats.org/drawingml/2006/main" xmlns:r="http://schemas.openxmlformats.org/officeDocument/2006/relationships" xmlns:p="http://schemas.openxmlformats.org/presentationml/2006/main">
+  <p:cSld>
+    <p:spTree>
+      <p:nvGrpSpPr>
+        <p:cNvPr id="1" name=""/>
+        <p:cNvGrpSpPr/>
+        <p:nvPr/>
+      </p:nvGrpSpPr>
+      <p:grpSpPr>
+        <a:xfrm>
+          <a:off x="0" y="0"/>
+          <a:ext cx="0" cy="0"/>
+          <a:chOff x="0" y="0"/>
+          <a:chExt cx="0" cy="0"/>
+        </a:xfrm>
+      </p:grpSpPr>
+      <p:sp>
+        <p:nvSpPr>
+          <p:cNvPr id="2" name="Заголовок 1"/>
+          <p:cNvSpPr>
+            <a:spLocks noGrp="1"/>
+          </p:cNvSpPr>
+          <p:nvPr>
+            <p:ph type="title"/>
+          </p:nvPr>
+        </p:nvSpPr>
+        <p:spPr>
+          <a:xfrm>
+            <a:off x="838200" y="1"/>
+            <a:ext cx="10515600" cy="382833"/>
+          </a:xfrm>
+        </p:spPr>
+        <p:txBody>
+          <a:bodyPr>
+            <a:normAutofit fontScale="90000"/>
+          </a:bodyPr>
+          <a:lstStyle/>
+          <a:p>
+            <a:pPr algn="ctr"/>
+            <a:r>
+              <a:rPr lang="ru-RU" sz="2700" dirty="0" smtClean="0"/>
+              <a:t>Диаграмма развертывания</a:t>
+            </a:r>
+            <a:endParaRPr lang="ru-RU" sz="2700" dirty="0"/>
+          </a:p>
+        </p:txBody>
+      </p:sp>
+      <p:sp>
+        <p:nvSpPr>
+          <p:cNvPr id="4" name="Номер слайда 3"/>
+          <p:cNvSpPr>
+            <a:spLocks noGrp="1"/>
+          </p:cNvSpPr>
+          <p:nvPr>
+            <p:ph type="sldNum" sz="quarter" idx="12"/>
+          </p:nvPr>
+        </p:nvSpPr>
+        <p:spPr/>
+        <p:txBody>
+          <a:bodyPr/>
+          <a:lstStyle/>
+          <a:p>
+            <a:fld id="{0D72A0D8-76E0-4793-925F-4BD98C697BFE}" type="slidenum">
+              <a:rPr lang="ru-RU" smtClean="0"/>
+              <a:t>8</a:t>
+            </a:fld>
+            <a:endParaRPr lang="ru-RU"/>
+          </a:p>
+        </p:txBody>
+      </p:sp>
+      <p:pic>
+        <p:nvPicPr>
+          <p:cNvPr id="5" name="Объект 4"/>
+          <p:cNvPicPr>
+            <a:picLocks noGrp="1" noChangeAspect="1"/>
+          </p:cNvPicPr>
+          <p:nvPr>
+            <p:ph idx="1"/>
+          </p:nvPr>
+        </p:nvPicPr>
+        <p:blipFill>
+          <a:blip r:embed="rId2">
+            <a:extLst>
+              <a:ext uri="{28A0092B-C50C-407E-A947-70E740481C1C}">
+                <a14:useLocalDpi xmlns:a14="http://schemas.microsoft.com/office/drawing/2010/main" val="0"/>
+              </a:ext>
+            </a:extLst>
+          </a:blip>
+          <a:stretch>
+            <a:fillRect/>
+          </a:stretch>
+        </p:blipFill>
+        <p:spPr>
+          <a:xfrm>
+            <a:off x="3111383" y="382834"/>
+            <a:ext cx="6311759" cy="5899093"/>
+          </a:xfrm>
+        </p:spPr>
+      </p:pic>
+    </p:spTree>
+    <p:extLst>
+      <p:ext uri="{BB962C8B-B14F-4D97-AF65-F5344CB8AC3E}">
+        <p14:creationId xmlns:p14="http://schemas.microsoft.com/office/powerpoint/2010/main" val="2935641267"/>
+      </p:ext>
+    </p:extLst>
+  </p:cSld>
+  <p:clrMapOvr>
+    <a:masterClrMapping/>
+  </p:clrMapOvr>
+  <p:timing>
+    <p:tnLst>
+      <p:par>
+        <p:cTn id="1" dur="indefinite" restart="never" nodeType="tmRoot"/>
+      </p:par>
+    </p:tnLst>
+  </p:timing>
+</p:sld>
+</file>
+
+<file path=ppt/slides/slide9.xml><?xml version="1.0" encoding="utf-8"?>
+<p:sld xmlns:a="http://schemas.openxmlformats.org/drawingml/2006/main" xmlns:r="http://schemas.openxmlformats.org/officeDocument/2006/relationships" xmlns:p="http://schemas.openxmlformats.org/presentationml/2006/main">
+  <p:cSld>
+    <p:spTree>
+      <p:nvGrpSpPr>
+        <p:cNvPr id="1" name=""/>
+        <p:cNvGrpSpPr/>
+        <p:nvPr/>
+      </p:nvGrpSpPr>
+      <p:grpSpPr>
+        <a:xfrm>
+          <a:off x="0" y="0"/>
+          <a:ext cx="0" cy="0"/>
+          <a:chOff x="0" y="0"/>
+          <a:chExt cx="0" cy="0"/>
+        </a:xfrm>
+      </p:grpSpPr>
+      <p:sp>
+        <p:nvSpPr>
+          <p:cNvPr id="2" name="Заголовок 1"/>
+          <p:cNvSpPr>
+            <a:spLocks noGrp="1"/>
+          </p:cNvSpPr>
+          <p:nvPr>
+            <p:ph type="title"/>
+          </p:nvPr>
+        </p:nvSpPr>
+        <p:spPr/>
+        <p:txBody>
+          <a:bodyPr/>
+          <a:lstStyle/>
+          <a:p>
+            <a:pPr algn="ctr"/>
+            <a:r>
+              <a:rPr lang="ru-RU" dirty="0"/>
+              <a:t>Функциональная модель системы</a:t>
+            </a:r>
+            <a:endParaRPr lang="ru-RU" dirty="0"/>
+          </a:p>
+        </p:txBody>
+      </p:sp>
+      <p:sp>
+        <p:nvSpPr>
+          <p:cNvPr id="3" name="Объект 2"/>
+          <p:cNvSpPr>
+            <a:spLocks noGrp="1"/>
+          </p:cNvSpPr>
+          <p:nvPr>
+            <p:ph idx="1"/>
+          </p:nvPr>
+        </p:nvSpPr>
+        <p:spPr/>
+        <p:txBody>
+          <a:bodyPr>
+            <a:normAutofit/>
+          </a:bodyPr>
+          <a:lstStyle/>
+          <a:p>
+            <a:pPr marL="0" indent="0" algn="just">
+              <a:lnSpc>
+                <a:spcPct val="150000"/>
+              </a:lnSpc>
+              <a:spcBef>
+                <a:spcPts val="0"/>
+              </a:spcBef>
+              <a:buNone/>
+            </a:pPr>
+            <a:r>
+              <a:rPr lang="ru-RU" sz="2400" dirty="0"/>
+              <a:t>Функциональная модель состоит из набора диаграмм потока данных, которые показывают потоки значений от внешних входов через операции и внутренние хранилища данных к внешним выходам. На следующих слайдах представлена общая функциональная схема работы системы, представленная двумя диаграммами – общей контекстной диаграммой и диаграммой декомпозиции. Контекстная диаграмма и диаграмма декомпозиции составлены по методологии </a:t>
+            </a:r>
+            <a:r>
+              <a:rPr lang="en-US" sz="2400" dirty="0"/>
+              <a:t>IDEF</a:t>
+            </a:r>
+            <a:r>
+              <a:rPr lang="ru-RU" sz="2400" dirty="0"/>
+              <a:t>0.</a:t>
+            </a:r>
+          </a:p>
+          <a:p>
+            <a:pPr marL="0" lvl="0" indent="0" algn="just">
+              <a:lnSpc>
+                <a:spcPct val="150000"/>
+              </a:lnSpc>
+              <a:spcBef>
+                <a:spcPts val="0"/>
+              </a:spcBef>
+              <a:buNone/>
+            </a:pPr>
+            <a:endParaRPr lang="ru-RU" dirty="0"/>
+          </a:p>
+        </p:txBody>
+      </p:sp>
+      <p:sp>
+        <p:nvSpPr>
+          <p:cNvPr id="4" name="Номер слайда 3"/>
+          <p:cNvSpPr>
+            <a:spLocks noGrp="1"/>
+          </p:cNvSpPr>
+          <p:nvPr>
+            <p:ph type="sldNum" sz="quarter" idx="12"/>
+          </p:nvPr>
+        </p:nvSpPr>
+        <p:spPr/>
+        <p:txBody>
+          <a:bodyPr/>
+          <a:lstStyle/>
+          <a:p>
+            <a:fld id="{0D72A0D8-76E0-4793-925F-4BD98C697BFE}" type="slidenum">
+              <a:rPr lang="ru-RU" smtClean="0"/>
+              <a:t>9</a:t>
+            </a:fld>
+            <a:endParaRPr lang="ru-RU"/>
+          </a:p>
+        </p:txBody>
+      </p:sp>
+    </p:spTree>
+    <p:extLst>
+      <p:ext uri="{BB962C8B-B14F-4D97-AF65-F5344CB8AC3E}">
+        <p14:creationId xmlns:p14="http://schemas.microsoft.com/office/powerpoint/2010/main" val="1553558746"/>
+      </p:ext>
+    </p:extLst>
+  </p:cSld>
+  <p:clrMapOvr>
+    <a:masterClrMapping/>
+  </p:clrMapOvr>
+  <p:timing>
+    <p:tnLst>
+      <p:par>
+        <p:cTn id="1" dur="indefinite" restart="never" nodeType="tmRoot"/>
+      </p:par>
+    </p:tnLst>
+  </p:timing>
 </p:sld>
 </file>
 
@@ -3274,4 +9055,265 @@
     </a:ext>
   </a:extLst>
 </a:theme>
+</file>
+
+<file path=ppt/theme/theme2.xml><?xml version="1.0" encoding="utf-8"?>
+<a:theme xmlns:a="http://schemas.openxmlformats.org/drawingml/2006/main" name="Тема Office">
+  <a:themeElements>
+    <a:clrScheme name="Стандартная">
+      <a:dk1>
+        <a:sysClr val="windowText" lastClr="000000"/>
+      </a:dk1>
+      <a:lt1>
+        <a:sysClr val="window" lastClr="FFFFFF"/>
+      </a:lt1>
+      <a:dk2>
+        <a:srgbClr val="44546A"/>
+      </a:dk2>
+      <a:lt2>
+        <a:srgbClr val="E7E6E6"/>
+      </a:lt2>
+      <a:accent1>
+        <a:srgbClr val="5B9BD5"/>
+      </a:accent1>
+      <a:accent2>
+        <a:srgbClr val="ED7D31"/>
+      </a:accent2>
+      <a:accent3>
+        <a:srgbClr val="A5A5A5"/>
+      </a:accent3>
+      <a:accent4>
+        <a:srgbClr val="FFC000"/>
+      </a:accent4>
+      <a:accent5>
+        <a:srgbClr val="4472C4"/>
+      </a:accent5>
+      <a:accent6>
+        <a:srgbClr val="70AD47"/>
+      </a:accent6>
+      <a:hlink>
+        <a:srgbClr val="0563C1"/>
+      </a:hlink>
+      <a:folHlink>
+        <a:srgbClr val="954F72"/>
+      </a:folHlink>
+    </a:clrScheme>
+    <a:fontScheme name="Стандартная">
+      <a:majorFont>
+        <a:latin typeface="Calibri Light" panose="020F0302020204030204"/>
+        <a:ea typeface=""/>
+        <a:cs typeface=""/>
+        <a:font script="Jpan" typeface="游ゴシック Light"/>
+        <a:font script="Hang" typeface="맑은 고딕"/>
+        <a:font script="Hans" typeface="等线 Light"/>
+        <a:font script="Hant" typeface="新細明體"/>
+        <a:font script="Arab" typeface="Times New Roman"/>
+        <a:font script="Hebr" typeface="Times New Roman"/>
+        <a:font script="Thai" typeface="Angsana New"/>
+        <a:font script="Ethi" typeface="Nyala"/>
+        <a:font script="Beng" typeface="Vrinda"/>
+        <a:font script="Gujr" typeface="Shruti"/>
+        <a:font script="Khmr" typeface="MoolBoran"/>
+        <a:font script="Knda" typeface="Tunga"/>
+        <a:font script="Guru" typeface="Raavi"/>
+        <a:font script="Cans" typeface="Euphemia"/>
+        <a:font script="Cher" typeface="Plantagenet Cherokee"/>
+        <a:font script="Yiii" typeface="Microsoft Yi Baiti"/>
+        <a:font script="Tibt" typeface="Microsoft Himalaya"/>
+        <a:font script="Thaa" typeface="MV Boli"/>
+        <a:font script="Deva" typeface="Mangal"/>
+        <a:font script="Telu" typeface="Gautami"/>
+        <a:font script="Taml" typeface="Latha"/>
+        <a:font script="Syrc" typeface="Estrangelo Edessa"/>
+        <a:font script="Orya" typeface="Kalinga"/>
+        <a:font script="Mlym" typeface="Kartika"/>
+        <a:font script="Laoo" typeface="DokChampa"/>
+        <a:font script="Sinh" typeface="Iskoola Pota"/>
+        <a:font script="Mong" typeface="Mongolian Baiti"/>
+        <a:font script="Viet" typeface="Times New Roman"/>
+        <a:font script="Uigh" typeface="Microsoft Uighur"/>
+        <a:font script="Geor" typeface="Sylfaen"/>
+      </a:majorFont>
+      <a:minorFont>
+        <a:latin typeface="Calibri" panose="020F0502020204030204"/>
+        <a:ea typeface=""/>
+        <a:cs typeface=""/>
+        <a:font script="Jpan" typeface="游ゴシック"/>
+        <a:font script="Hang" typeface="맑은 고딕"/>
+        <a:font script="Hans" typeface="等线"/>
+        <a:font script="Hant" typeface="新細明體"/>
+        <a:font script="Arab" typeface="Arial"/>
+        <a:font script="Hebr" typeface="Arial"/>
+        <a:font script="Thai" typeface="Cordia New"/>
+        <a:font script="Ethi" typeface="Nyala"/>
+        <a:font script="Beng" typeface="Vrinda"/>
+        <a:font script="Gujr" typeface="Shruti"/>
+        <a:font script="Khmr" typeface="DaunPenh"/>
+        <a:font script="Knda" typeface="Tunga"/>
+        <a:font script="Guru" typeface="Raavi"/>
+        <a:font script="Cans" typeface="Euphemia"/>
+        <a:font script="Cher" typeface="Plantagenet Cherokee"/>
+        <a:font script="Yiii" typeface="Microsoft Yi Baiti"/>
+        <a:font script="Tibt" typeface="Microsoft Himalaya"/>
+        <a:font script="Thaa" typeface="MV Boli"/>
+        <a:font script="Deva" typeface="Mangal"/>
+        <a:font script="Telu" typeface="Gautami"/>
+        <a:font script="Taml" typeface="Latha"/>
+        <a:font script="Syrc" typeface="Estrangelo Edessa"/>
+        <a:font script="Orya" typeface="Kalinga"/>
+        <a:font script="Mlym" typeface="Kartika"/>
+        <a:font script="Laoo" typeface="DokChampa"/>
+        <a:font script="Sinh" typeface="Iskoola Pota"/>
+        <a:font script="Mong" typeface="Mongolian Baiti"/>
+        <a:font script="Viet" typeface="Arial"/>
+        <a:font script="Uigh" typeface="Microsoft Uighur"/>
+        <a:font script="Geor" typeface="Sylfaen"/>
+      </a:minorFont>
+    </a:fontScheme>
+    <a:fmtScheme name="Стандартная">
+      <a:fillStyleLst>
+        <a:solidFill>
+          <a:schemeClr val="phClr"/>
+        </a:solidFill>
+        <a:gradFill rotWithShape="1">
+          <a:gsLst>
+            <a:gs pos="0">
+              <a:schemeClr val="phClr">
+                <a:lumMod val="110000"/>
+                <a:satMod val="105000"/>
+                <a:tint val="67000"/>
+              </a:schemeClr>
+            </a:gs>
+            <a:gs pos="50000">
+              <a:schemeClr val="phClr">
+                <a:lumMod val="105000"/>
+                <a:satMod val="103000"/>
+                <a:tint val="73000"/>
+              </a:schemeClr>
+            </a:gs>
+            <a:gs pos="100000">
+              <a:schemeClr val="phClr">
+                <a:lumMod val="105000"/>
+                <a:satMod val="109000"/>
+                <a:tint val="81000"/>
+              </a:schemeClr>
+            </a:gs>
+          </a:gsLst>
+          <a:lin ang="5400000" scaled="0"/>
+        </a:gradFill>
+        <a:gradFill rotWithShape="1">
+          <a:gsLst>
+            <a:gs pos="0">
+              <a:schemeClr val="phClr">
+                <a:satMod val="103000"/>
+                <a:lumMod val="102000"/>
+                <a:tint val="94000"/>
+              </a:schemeClr>
+            </a:gs>
+            <a:gs pos="50000">
+              <a:schemeClr val="phClr">
+                <a:satMod val="110000"/>
+                <a:lumMod val="100000"/>
+                <a:shade val="100000"/>
+              </a:schemeClr>
+            </a:gs>
+            <a:gs pos="100000">
+              <a:schemeClr val="phClr">
+                <a:lumMod val="99000"/>
+                <a:satMod val="120000"/>
+                <a:shade val="78000"/>
+              </a:schemeClr>
+            </a:gs>
+          </a:gsLst>
+          <a:lin ang="5400000" scaled="0"/>
+        </a:gradFill>
+      </a:fillStyleLst>
+      <a:lnStyleLst>
+        <a:ln w="6350" cap="flat" cmpd="sng" algn="ctr">
+          <a:solidFill>
+            <a:schemeClr val="phClr"/>
+          </a:solidFill>
+          <a:prstDash val="solid"/>
+          <a:miter lim="800000"/>
+        </a:ln>
+        <a:ln w="12700" cap="flat" cmpd="sng" algn="ctr">
+          <a:solidFill>
+            <a:schemeClr val="phClr"/>
+          </a:solidFill>
+          <a:prstDash val="solid"/>
+          <a:miter lim="800000"/>
+        </a:ln>
+        <a:ln w="19050" cap="flat" cmpd="sng" algn="ctr">
+          <a:solidFill>
+            <a:schemeClr val="phClr"/>
+          </a:solidFill>
+          <a:prstDash val="solid"/>
+          <a:miter lim="800000"/>
+        </a:ln>
+      </a:lnStyleLst>
+      <a:effectStyleLst>
+        <a:effectStyle>
+          <a:effectLst/>
+        </a:effectStyle>
+        <a:effectStyle>
+          <a:effectLst/>
+        </a:effectStyle>
+        <a:effectStyle>
+          <a:effectLst>
+            <a:outerShdw blurRad="57150" dist="19050" dir="5400000" algn="ctr" rotWithShape="0">
+              <a:srgbClr val="000000">
+                <a:alpha val="63000"/>
+              </a:srgbClr>
+            </a:outerShdw>
+          </a:effectLst>
+        </a:effectStyle>
+      </a:effectStyleLst>
+      <a:bgFillStyleLst>
+        <a:solidFill>
+          <a:schemeClr val="phClr"/>
+        </a:solidFill>
+        <a:solidFill>
+          <a:schemeClr val="phClr">
+            <a:tint val="95000"/>
+            <a:satMod val="170000"/>
+          </a:schemeClr>
+        </a:solidFill>
+        <a:gradFill rotWithShape="1">
+          <a:gsLst>
+            <a:gs pos="0">
+              <a:schemeClr val="phClr">
+                <a:tint val="93000"/>
+                <a:satMod val="150000"/>
+                <a:shade val="98000"/>
+                <a:lumMod val="102000"/>
+              </a:schemeClr>
+            </a:gs>
+            <a:gs pos="50000">
+              <a:schemeClr val="phClr">
+                <a:tint val="98000"/>
+                <a:satMod val="130000"/>
+                <a:shade val="90000"/>
+                <a:lumMod val="103000"/>
+              </a:schemeClr>
+            </a:gs>
+            <a:gs pos="100000">
+              <a:schemeClr val="phClr">
+                <a:shade val="63000"/>
+                <a:satMod val="120000"/>
+              </a:schemeClr>
+            </a:gs>
+          </a:gsLst>
+          <a:lin ang="5400000" scaled="0"/>
+        </a:gradFill>
+      </a:bgFillStyleLst>
+    </a:fmtScheme>
+  </a:themeElements>
+  <a:objectDefaults/>
+  <a:extraClrSchemeLst/>
+  <a:extLst>
+    <a:ext uri="{05A4C25C-085E-4340-85A3-A5531E510DB2}">
+      <thm15:themeFamily xmlns:thm15="http://schemas.microsoft.com/office/thememl/2012/main" name="Office Theme" id="{62F939B6-93AF-4DB8-9C6B-D6C7DFDC589F}" vid="{4A3C46E8-61CC-4603-A589-7422A47A8E4A}"/>
+    </a:ext>
+  </a:extLst>
+</a:theme>
 </file>